--- a/ppt/jsp_ppt/3장. jsp 내장 객체 및 폼.pptx
+++ b/ppt/jsp_ppt/3장. jsp 내장 객체 및 폼.pptx
@@ -11,23 +11,23 @@
     <p:sldId id="256" r:id="rId2"/>
     <p:sldId id="351" r:id="rId3"/>
     <p:sldId id="352" r:id="rId4"/>
-    <p:sldId id="380" r:id="rId5"/>
-    <p:sldId id="353" r:id="rId6"/>
-    <p:sldId id="374" r:id="rId7"/>
-    <p:sldId id="382" r:id="rId8"/>
-    <p:sldId id="383" r:id="rId9"/>
-    <p:sldId id="359" r:id="rId10"/>
-    <p:sldId id="385" r:id="rId11"/>
-    <p:sldId id="354" r:id="rId12"/>
-    <p:sldId id="355" r:id="rId13"/>
-    <p:sldId id="357" r:id="rId14"/>
-    <p:sldId id="386" r:id="rId15"/>
-    <p:sldId id="360" r:id="rId16"/>
-    <p:sldId id="361" r:id="rId17"/>
-    <p:sldId id="387" r:id="rId18"/>
-    <p:sldId id="393" r:id="rId19"/>
-    <p:sldId id="391" r:id="rId20"/>
-    <p:sldId id="411" r:id="rId21"/>
+    <p:sldId id="412" r:id="rId5"/>
+    <p:sldId id="380" r:id="rId6"/>
+    <p:sldId id="353" r:id="rId7"/>
+    <p:sldId id="374" r:id="rId8"/>
+    <p:sldId id="382" r:id="rId9"/>
+    <p:sldId id="383" r:id="rId10"/>
+    <p:sldId id="359" r:id="rId11"/>
+    <p:sldId id="385" r:id="rId12"/>
+    <p:sldId id="354" r:id="rId13"/>
+    <p:sldId id="355" r:id="rId14"/>
+    <p:sldId id="357" r:id="rId15"/>
+    <p:sldId id="386" r:id="rId16"/>
+    <p:sldId id="360" r:id="rId17"/>
+    <p:sldId id="361" r:id="rId18"/>
+    <p:sldId id="387" r:id="rId19"/>
+    <p:sldId id="393" r:id="rId20"/>
+    <p:sldId id="391" r:id="rId21"/>
     <p:sldId id="389" r:id="rId22"/>
     <p:sldId id="390" r:id="rId23"/>
     <p:sldId id="394" r:id="rId24"/>
@@ -143,7 +143,7 @@
   </p:defaultTextStyle>
   <p:extLst>
     <p:ext uri="{EFAFB233-063F-42B5-8137-9DF3F51BA10A}">
-      <p15:sldGuideLst xmlns="" xmlns:p15="http://schemas.microsoft.com/office/powerpoint/2012/main">
+      <p15:sldGuideLst xmlns:p15="http://schemas.microsoft.com/office/powerpoint/2012/main">
         <p15:guide id="1" orient="horz" pos="2160">
           <p15:clr>
             <a:srgbClr val="A4A3A4"/>
@@ -242,7 +242,7 @@
           <a:p>
             <a:fld id="{7665CDAC-D627-4E87-877A-1B781DD4CADC}" type="datetimeFigureOut">
               <a:rPr lang="ko-KR" altLang="en-US" smtClean="0"/>
-              <a:t>2022-07-19</a:t>
+              <a:t>2023-05-31</a:t>
             </a:fld>
             <a:endParaRPr lang="ko-KR" altLang="en-US"/>
           </a:p>
@@ -554,7 +554,7 @@
           <a:bodyPr/>
           <a:lstStyle/>
           <a:p>
-            <a:endParaRPr lang="ko-KR" altLang="en-US"/>
+            <a:endParaRPr lang="ko-KR" altLang="en-US" dirty="0"/>
           </a:p>
         </p:txBody>
       </p:sp>
@@ -577,7 +577,7 @@
               <a:rPr lang="ko-KR" altLang="en-US" smtClean="0"/>
               <a:t>1</a:t>
             </a:fld>
-            <a:endParaRPr lang="ko-KR" altLang="en-US"/>
+            <a:endParaRPr lang="ko-KR" altLang="en-US" dirty="0"/>
           </a:p>
         </p:txBody>
       </p:sp>
@@ -780,7 +780,7 @@
           <a:p>
             <a:fld id="{F4AC81B4-D91A-4578-85B3-829E63FCFE17}" type="datetime1">
               <a:rPr lang="ko-KR" altLang="en-US" smtClean="0"/>
-              <a:t>2022-07-19</a:t>
+              <a:t>2023-05-31</a:t>
             </a:fld>
             <a:endParaRPr lang="ko-KR" altLang="en-US"/>
           </a:p>
@@ -1155,7 +1155,7 @@
           <a:p>
             <a:fld id="{F5B77542-37E5-48F2-BAE7-80CC6B0EB6A3}" type="datetime1">
               <a:rPr lang="ko-KR" altLang="en-US" smtClean="0"/>
-              <a:t>2022-07-19</a:t>
+              <a:t>2023-05-31</a:t>
             </a:fld>
             <a:endParaRPr lang="ko-KR" altLang="en-US"/>
           </a:p>
@@ -1335,7 +1335,7 @@
           <a:p>
             <a:fld id="{227CF174-B5AC-4A98-B673-0BE8126D3F27}" type="datetime1">
               <a:rPr lang="ko-KR" altLang="en-US" smtClean="0"/>
-              <a:t>2022-07-19</a:t>
+              <a:t>2023-05-31</a:t>
             </a:fld>
             <a:endParaRPr lang="ko-KR" altLang="en-US"/>
           </a:p>
@@ -1509,7 +1509,7 @@
           <a:p>
             <a:fld id="{E20FDEC8-1339-42E8-9704-2977280C2FD3}" type="datetime1">
               <a:rPr lang="ko-KR" altLang="en-US" smtClean="0"/>
-              <a:t>2022-07-19</a:t>
+              <a:t>2023-05-31</a:t>
             </a:fld>
             <a:endParaRPr lang="ko-KR" altLang="en-US"/>
           </a:p>
@@ -1755,7 +1755,7 @@
           <a:p>
             <a:fld id="{4D18DC76-A282-4817-B790-197F054E1215}" type="datetime1">
               <a:rPr lang="ko-KR" altLang="en-US" smtClean="0"/>
-              <a:t>2022-07-19</a:t>
+              <a:t>2023-05-31</a:t>
             </a:fld>
             <a:endParaRPr lang="ko-KR" altLang="en-US"/>
           </a:p>
@@ -2043,7 +2043,7 @@
           <a:p>
             <a:fld id="{6680AA6C-13D8-43E4-90F0-E6C88A2B9F16}" type="datetime1">
               <a:rPr lang="ko-KR" altLang="en-US" smtClean="0"/>
-              <a:t>2022-07-19</a:t>
+              <a:t>2023-05-31</a:t>
             </a:fld>
             <a:endParaRPr lang="ko-KR" altLang="en-US"/>
           </a:p>
@@ -2465,7 +2465,7 @@
           <a:p>
             <a:fld id="{3EF5B03B-20CC-436E-8601-C933C6C1F4A6}" type="datetime1">
               <a:rPr lang="ko-KR" altLang="en-US" smtClean="0"/>
-              <a:t>2022-07-19</a:t>
+              <a:t>2023-05-31</a:t>
             </a:fld>
             <a:endParaRPr lang="ko-KR" altLang="en-US"/>
           </a:p>
@@ -2583,7 +2583,7 @@
           <a:p>
             <a:fld id="{87B5A15D-8B08-482F-AB47-E416EC355EB6}" type="datetime1">
               <a:rPr lang="ko-KR" altLang="en-US" smtClean="0"/>
-              <a:t>2022-07-19</a:t>
+              <a:t>2023-05-31</a:t>
             </a:fld>
             <a:endParaRPr lang="ko-KR" altLang="en-US"/>
           </a:p>
@@ -2678,7 +2678,7 @@
           <a:p>
             <a:fld id="{A877D7F8-7B64-44F8-A411-CBD22F28CBFF}" type="datetime1">
               <a:rPr lang="ko-KR" altLang="en-US" smtClean="0"/>
-              <a:t>2022-07-19</a:t>
+              <a:t>2023-05-31</a:t>
             </a:fld>
             <a:endParaRPr lang="ko-KR" altLang="en-US"/>
           </a:p>
@@ -2955,7 +2955,7 @@
           <a:p>
             <a:fld id="{E12DBD9B-2BB6-4D1F-BCB4-1E48829C93C3}" type="datetime1">
               <a:rPr lang="ko-KR" altLang="en-US" smtClean="0"/>
-              <a:t>2022-07-19</a:t>
+              <a:t>2023-05-31</a:t>
             </a:fld>
             <a:endParaRPr lang="ko-KR" altLang="en-US"/>
           </a:p>
@@ -3208,7 +3208,7 @@
           <a:p>
             <a:fld id="{17564C48-0CD7-40EB-BE64-BBF4DB8C56AF}" type="datetime1">
               <a:rPr lang="ko-KR" altLang="en-US" smtClean="0"/>
-              <a:t>2022-07-19</a:t>
+              <a:t>2023-05-31</a:t>
             </a:fld>
             <a:endParaRPr lang="ko-KR" altLang="en-US"/>
           </a:p>
@@ -3388,7 +3388,7 @@
           <a:p>
             <a:fld id="{C116BCB4-B68B-4638-8167-F4BDC0A30DA1}" type="datetime1">
               <a:rPr lang="ko-KR" altLang="en-US" smtClean="0"/>
-              <a:t>2022-07-19</a:t>
+              <a:t>2023-05-31</a:t>
             </a:fld>
             <a:endParaRPr lang="ko-KR" altLang="en-US"/>
           </a:p>
@@ -3999,17 +3999,7 @@
                 <a:latin typeface="휴먼엑스포" panose="02030504000101010101" pitchFamily="18" charset="-127"/>
                 <a:ea typeface="휴먼엑스포" panose="02030504000101010101" pitchFamily="18" charset="-127"/>
               </a:rPr>
-              <a:t>내장 </a:t>
-            </a:r>
-            <a:r>
-              <a:rPr lang="ko-KR" altLang="en-US" b="1" dirty="0" smtClean="0">
-                <a:solidFill>
-                  <a:schemeClr val="tx1"/>
-                </a:solidFill>
-                <a:latin typeface="휴먼엑스포" panose="02030504000101010101" pitchFamily="18" charset="-127"/>
-                <a:ea typeface="휴먼엑스포" panose="02030504000101010101" pitchFamily="18" charset="-127"/>
-              </a:rPr>
-              <a:t>객체 </a:t>
+              <a:t>내장 객체 </a:t>
             </a:r>
             <a:r>
               <a:rPr lang="en-US" altLang="ko-KR" b="1" dirty="0" smtClean="0">
@@ -4148,7 +4138,7 @@
           </a:bodyPr>
           <a:lstStyle/>
           <a:p>
-            <a:endParaRPr lang="ko-KR" altLang="en-US"/>
+            <a:endParaRPr lang="ko-KR" altLang="en-US" dirty="0"/>
           </a:p>
         </p:txBody>
       </p:sp>
@@ -4323,9 +4313,132 @@
           </a:p>
         </p:txBody>
       </p:sp>
+      <p:sp>
+        <p:nvSpPr>
+          <p:cNvPr id="7" name="TextBox 6"/>
+          <p:cNvSpPr txBox="1"/>
+          <p:nvPr/>
+        </p:nvSpPr>
+        <p:spPr>
+          <a:xfrm>
+            <a:off x="1136576" y="1619238"/>
+            <a:ext cx="7992888" cy="1200329"/>
+          </a:xfrm>
+          <a:prstGeom prst="rect">
+            <a:avLst/>
+          </a:prstGeom>
+          <a:noFill/>
+        </p:spPr>
+        <p:txBody>
+          <a:bodyPr wrap="square" rtlCol="0">
+            <a:spAutoFit/>
+          </a:bodyPr>
+          <a:lstStyle/>
+          <a:p>
+            <a:pPr>
+              <a:lnSpc>
+                <a:spcPct val="150000"/>
+              </a:lnSpc>
+            </a:pPr>
+            <a:r>
+              <a:rPr lang="en-US" altLang="ko-KR" sz="1600" dirty="0"/>
+              <a:t>r</a:t>
+            </a:r>
+            <a:r>
+              <a:rPr lang="en-US" altLang="ko-KR" sz="1600" dirty="0" smtClean="0"/>
+              <a:t>equest </a:t>
+            </a:r>
+            <a:r>
+              <a:rPr lang="ko-KR" altLang="en-US" sz="1600" dirty="0" smtClean="0"/>
+              <a:t>내장 객체의 웹 브라우저와 서버 관련 </a:t>
+            </a:r>
+            <a:r>
+              <a:rPr lang="ko-KR" altLang="en-US" sz="1600" dirty="0" err="1" smtClean="0"/>
+              <a:t>메소드를</a:t>
+            </a:r>
+            <a:r>
+              <a:rPr lang="ko-KR" altLang="en-US" sz="1600" dirty="0" smtClean="0"/>
+              <a:t> 이용하여 서버 정보 출력</a:t>
+            </a:r>
+            <a:endParaRPr lang="en-US" altLang="ko-KR" sz="1600" dirty="0" smtClean="0"/>
+          </a:p>
+          <a:p>
+            <a:pPr>
+              <a:lnSpc>
+                <a:spcPct val="150000"/>
+              </a:lnSpc>
+            </a:pPr>
+            <a:r>
+              <a:rPr lang="ko-KR" altLang="en-US" sz="1600" dirty="0" smtClean="0"/>
+              <a:t>웹 브라우저 정보 </a:t>
+            </a:r>
+            <a:r>
+              <a:rPr lang="en-US" altLang="ko-KR" sz="1600" dirty="0" smtClean="0"/>
+              <a:t>– </a:t>
+            </a:r>
+            <a:r>
+              <a:rPr lang="ko-KR" altLang="en-US" sz="1600" dirty="0" smtClean="0"/>
+              <a:t>클라이언트 </a:t>
+            </a:r>
+            <a:r>
+              <a:rPr lang="en-US" altLang="ko-KR" sz="1600" dirty="0" smtClean="0"/>
+              <a:t>IP, </a:t>
+            </a:r>
+            <a:r>
+              <a:rPr lang="ko-KR" altLang="en-US" sz="1600" dirty="0" smtClean="0"/>
+              <a:t>요청 정보길이</a:t>
+            </a:r>
+            <a:r>
+              <a:rPr lang="en-US" altLang="ko-KR" sz="1600" dirty="0" smtClean="0"/>
+              <a:t>, </a:t>
+            </a:r>
+            <a:r>
+              <a:rPr lang="ko-KR" altLang="en-US" sz="1600" dirty="0" smtClean="0"/>
+              <a:t>전송방식</a:t>
+            </a:r>
+            <a:r>
+              <a:rPr lang="en-US" altLang="ko-KR" sz="1600" dirty="0" smtClean="0"/>
+              <a:t>, </a:t>
+            </a:r>
+            <a:r>
+              <a:rPr lang="ko-KR" altLang="en-US" sz="1600" dirty="0" smtClean="0"/>
+              <a:t>요청 </a:t>
+            </a:r>
+            <a:r>
+              <a:rPr lang="en-US" altLang="ko-KR" sz="1600" dirty="0" smtClean="0"/>
+              <a:t>URI </a:t>
+            </a:r>
+            <a:r>
+              <a:rPr lang="ko-KR" altLang="en-US" sz="1600" dirty="0" smtClean="0"/>
+              <a:t>등</a:t>
+            </a:r>
+            <a:endParaRPr lang="en-US" altLang="ko-KR" sz="1600" dirty="0" smtClean="0"/>
+          </a:p>
+          <a:p>
+            <a:pPr>
+              <a:lnSpc>
+                <a:spcPct val="150000"/>
+              </a:lnSpc>
+            </a:pPr>
+            <a:r>
+              <a:rPr lang="ko-KR" altLang="en-US" sz="1600" dirty="0" smtClean="0"/>
+              <a:t>서버 정보 </a:t>
+            </a:r>
+            <a:r>
+              <a:rPr lang="en-US" altLang="ko-KR" sz="1600" dirty="0" smtClean="0"/>
+              <a:t>– </a:t>
+            </a:r>
+            <a:r>
+              <a:rPr lang="ko-KR" altLang="en-US" sz="1600" dirty="0" smtClean="0"/>
+              <a:t>서버 이름과 포트</a:t>
+            </a:r>
+            <a:endParaRPr lang="en-US" altLang="ko-KR" sz="1600" dirty="0" smtClean="0"/>
+          </a:p>
+        </p:txBody>
+      </p:sp>
       <p:pic>
         <p:nvPicPr>
-          <p:cNvPr id="4" name="그림 3"/>
+          <p:cNvPr id="8" name="그림 7"/>
           <p:cNvPicPr>
             <a:picLocks noChangeAspect="1"/>
           </p:cNvPicPr>
@@ -4345,8 +4458,8 @@
         </p:blipFill>
         <p:spPr>
           <a:xfrm>
-            <a:off x="1208584" y="1844824"/>
-            <a:ext cx="6439458" cy="3528366"/>
+            <a:off x="5944344" y="3071145"/>
+            <a:ext cx="3348372" cy="2156024"/>
           </a:xfrm>
           <a:prstGeom prst="rect">
             <a:avLst/>
@@ -4360,67 +4473,47 @@
           </a:ln>
         </p:spPr>
       </p:pic>
-      <p:sp>
-        <p:nvSpPr>
-          <p:cNvPr id="6" name="모서리가 둥근 직사각형 5">
+      <p:pic>
+        <p:nvPicPr>
+          <p:cNvPr id="2" name="그림 1"/>
+          <p:cNvPicPr>
+            <a:picLocks noChangeAspect="1"/>
+          </p:cNvPicPr>
+          <p:nvPr/>
+        </p:nvPicPr>
+        <p:blipFill>
+          <a:blip r:embed="rId3">
             <a:extLst>
-              <a:ext uri="{FF2B5EF4-FFF2-40B4-BE49-F238E27FC236}">
-                <a16:creationId xmlns="" xmlns:a16="http://schemas.microsoft.com/office/drawing/2014/main" id="{792DA8B4-17B2-454B-97AC-17311A4832C5}"/>
+              <a:ext uri="{28A0092B-C50C-407E-A947-70E740481C1C}">
+                <a14:useLocalDpi xmlns:a14="http://schemas.microsoft.com/office/drawing/2010/main" val="0"/>
               </a:ext>
             </a:extLst>
-          </p:cNvPr>
-          <p:cNvSpPr/>
-          <p:nvPr/>
-        </p:nvSpPr>
-        <p:spPr>
-          <a:xfrm>
-            <a:off x="5529064" y="2283667"/>
-            <a:ext cx="2879024" cy="360040"/>
-          </a:xfrm>
-          <a:prstGeom prst="roundRect">
-            <a:avLst/>
-          </a:prstGeom>
-          <a:noFill/>
-          <a:ln w="12700">
+          </a:blip>
+          <a:stretch>
+            <a:fillRect/>
+          </a:stretch>
+        </p:blipFill>
+        <p:spPr>
+          <a:xfrm>
+            <a:off x="1280592" y="3077510"/>
+            <a:ext cx="4381880" cy="1257409"/>
+          </a:xfrm>
+          <a:prstGeom prst="rect">
+            <a:avLst/>
+          </a:prstGeom>
+          <a:ln>
             <a:solidFill>
-              <a:schemeClr val="tx1"/>
+              <a:schemeClr val="bg1">
+                <a:lumMod val="85000"/>
+              </a:schemeClr>
             </a:solidFill>
           </a:ln>
         </p:spPr>
-        <p:style>
-          <a:lnRef idx="2">
-            <a:schemeClr val="accent2"/>
-          </a:lnRef>
-          <a:fillRef idx="1">
-            <a:schemeClr val="lt1"/>
-          </a:fillRef>
-          <a:effectRef idx="0">
-            <a:schemeClr val="accent2"/>
-          </a:effectRef>
-          <a:fontRef idx="minor">
-            <a:schemeClr val="dk1"/>
-          </a:fontRef>
-        </p:style>
-        <p:txBody>
-          <a:bodyPr rtlCol="0" anchor="ctr"/>
-          <a:lstStyle/>
-          <a:p>
-            <a:pPr algn="ctr"/>
-            <a:r>
-              <a:rPr lang="en-US" altLang="ko-KR" sz="1600" dirty="0" smtClean="0">
-                <a:solidFill>
-                  <a:sysClr val="windowText" lastClr="000000"/>
-                </a:solidFill>
-              </a:rPr>
-              <a:t>request/header-info3.jsp</a:t>
-            </a:r>
-          </a:p>
-        </p:txBody>
-      </p:sp>
+      </p:pic>
     </p:spTree>
     <p:extLst>
       <p:ext uri="{BB962C8B-B14F-4D97-AF65-F5344CB8AC3E}">
-        <p14:creationId xmlns:p14="http://schemas.microsoft.com/office/powerpoint/2010/main" val="2125655693"/>
+        <p14:creationId xmlns:p14="http://schemas.microsoft.com/office/powerpoint/2010/main" val="1467869550"/>
       </p:ext>
     </p:extLst>
   </p:cSld>
@@ -4499,6 +4592,230 @@
               <a:t> </a:t>
             </a:r>
             <a:r>
+              <a:rPr lang="en-US" altLang="ko-KR" dirty="0" smtClean="0"/>
+              <a:t>request</a:t>
+            </a:r>
+            <a:r>
+              <a:rPr lang="ko-KR" altLang="en-US" dirty="0" smtClean="0"/>
+              <a:t> 객체</a:t>
+            </a:r>
+            <a:endParaRPr lang="ko-KR" altLang="en-US" dirty="0"/>
+          </a:p>
+        </p:txBody>
+      </p:sp>
+      <p:sp>
+        <p:nvSpPr>
+          <p:cNvPr id="5" name="TextBox 4"/>
+          <p:cNvSpPr txBox="1"/>
+          <p:nvPr/>
+        </p:nvSpPr>
+        <p:spPr>
+          <a:xfrm>
+            <a:off x="704528" y="1124744"/>
+            <a:ext cx="8280920" cy="494494"/>
+          </a:xfrm>
+          <a:prstGeom prst="rect">
+            <a:avLst/>
+          </a:prstGeom>
+          <a:noFill/>
+        </p:spPr>
+        <p:txBody>
+          <a:bodyPr wrap="square" rtlCol="0">
+            <a:spAutoFit/>
+          </a:bodyPr>
+          <a:lstStyle/>
+          <a:p>
+            <a:pPr marL="342900" indent="-342900">
+              <a:lnSpc>
+                <a:spcPct val="150000"/>
+              </a:lnSpc>
+              <a:buFont typeface="Wingdings" panose="05000000000000000000" pitchFamily="2" charset="2"/>
+              <a:buChar char="Ø"/>
+            </a:pPr>
+            <a:r>
+              <a:rPr lang="ko-KR" altLang="en-US" sz="2000" b="1" dirty="0" smtClean="0"/>
+              <a:t>웹 브라우저 및 서버 정보 값 출력하기</a:t>
+            </a:r>
+            <a:endParaRPr lang="en-US" altLang="ko-KR" sz="2000" b="1" dirty="0" smtClean="0"/>
+          </a:p>
+        </p:txBody>
+      </p:sp>
+      <p:pic>
+        <p:nvPicPr>
+          <p:cNvPr id="4" name="그림 3"/>
+          <p:cNvPicPr>
+            <a:picLocks noChangeAspect="1"/>
+          </p:cNvPicPr>
+          <p:nvPr/>
+        </p:nvPicPr>
+        <p:blipFill>
+          <a:blip r:embed="rId2">
+            <a:extLst>
+              <a:ext uri="{28A0092B-C50C-407E-A947-70E740481C1C}">
+                <a14:useLocalDpi xmlns:a14="http://schemas.microsoft.com/office/drawing/2010/main" val="0"/>
+              </a:ext>
+            </a:extLst>
+          </a:blip>
+          <a:stretch>
+            <a:fillRect/>
+          </a:stretch>
+        </p:blipFill>
+        <p:spPr>
+          <a:xfrm>
+            <a:off x="1208584" y="1844824"/>
+            <a:ext cx="6439458" cy="3528366"/>
+          </a:xfrm>
+          <a:prstGeom prst="rect">
+            <a:avLst/>
+          </a:prstGeom>
+          <a:ln>
+            <a:solidFill>
+              <a:schemeClr val="bg1">
+                <a:lumMod val="85000"/>
+              </a:schemeClr>
+            </a:solidFill>
+          </a:ln>
+        </p:spPr>
+      </p:pic>
+      <p:sp>
+        <p:nvSpPr>
+          <p:cNvPr id="6" name="모서리가 둥근 직사각형 5">
+            <a:extLst>
+              <a:ext uri="{FF2B5EF4-FFF2-40B4-BE49-F238E27FC236}">
+                <a16:creationId xmlns:a16="http://schemas.microsoft.com/office/drawing/2014/main" id="{792DA8B4-17B2-454B-97AC-17311A4832C5}"/>
+              </a:ext>
+            </a:extLst>
+          </p:cNvPr>
+          <p:cNvSpPr/>
+          <p:nvPr/>
+        </p:nvSpPr>
+        <p:spPr>
+          <a:xfrm>
+            <a:off x="5529064" y="2283667"/>
+            <a:ext cx="2879024" cy="360040"/>
+          </a:xfrm>
+          <a:prstGeom prst="roundRect">
+            <a:avLst/>
+          </a:prstGeom>
+          <a:noFill/>
+          <a:ln w="12700">
+            <a:solidFill>
+              <a:schemeClr val="tx1"/>
+            </a:solidFill>
+          </a:ln>
+        </p:spPr>
+        <p:style>
+          <a:lnRef idx="2">
+            <a:schemeClr val="accent2"/>
+          </a:lnRef>
+          <a:fillRef idx="1">
+            <a:schemeClr val="lt1"/>
+          </a:fillRef>
+          <a:effectRef idx="0">
+            <a:schemeClr val="accent2"/>
+          </a:effectRef>
+          <a:fontRef idx="minor">
+            <a:schemeClr val="dk1"/>
+          </a:fontRef>
+        </p:style>
+        <p:txBody>
+          <a:bodyPr rtlCol="0" anchor="ctr"/>
+          <a:lstStyle/>
+          <a:p>
+            <a:pPr algn="ctr"/>
+            <a:r>
+              <a:rPr lang="en-US" altLang="ko-KR" sz="1600" dirty="0" smtClean="0">
+                <a:solidFill>
+                  <a:sysClr val="windowText" lastClr="000000"/>
+                </a:solidFill>
+              </a:rPr>
+              <a:t>request/header3.jsp</a:t>
+            </a:r>
+          </a:p>
+        </p:txBody>
+      </p:sp>
+    </p:spTree>
+    <p:extLst>
+      <p:ext uri="{BB962C8B-B14F-4D97-AF65-F5344CB8AC3E}">
+        <p14:creationId xmlns:p14="http://schemas.microsoft.com/office/powerpoint/2010/main" val="2125655693"/>
+      </p:ext>
+    </p:extLst>
+  </p:cSld>
+  <p:clrMapOvr>
+    <a:masterClrMapping/>
+  </p:clrMapOvr>
+  <p:timing>
+    <p:tnLst>
+      <p:par>
+        <p:cTn id="1" dur="indefinite" restart="never" nodeType="tmRoot"/>
+      </p:par>
+    </p:tnLst>
+  </p:timing>
+</p:sld>
+</file>
+
+<file path=ppt/slides/slide12.xml><?xml version="1.0" encoding="utf-8"?>
+<p:sld xmlns:a="http://schemas.openxmlformats.org/drawingml/2006/main" xmlns:r="http://schemas.openxmlformats.org/officeDocument/2006/relationships" xmlns:p="http://schemas.openxmlformats.org/presentationml/2006/main">
+  <p:cSld>
+    <p:spTree>
+      <p:nvGrpSpPr>
+        <p:cNvPr id="1" name=""/>
+        <p:cNvGrpSpPr/>
+        <p:nvPr/>
+      </p:nvGrpSpPr>
+      <p:grpSpPr>
+        <a:xfrm>
+          <a:off x="0" y="0"/>
+          <a:ext cx="0" cy="0"/>
+          <a:chOff x="0" y="0"/>
+          <a:chExt cx="0" cy="0"/>
+        </a:xfrm>
+      </p:grpSpPr>
+      <p:sp>
+        <p:nvSpPr>
+          <p:cNvPr id="15" name="제목 5"/>
+          <p:cNvSpPr txBox="1">
+            <a:spLocks/>
+          </p:cNvSpPr>
+          <p:nvPr/>
+        </p:nvSpPr>
+        <p:spPr>
+          <a:xfrm>
+            <a:off x="0" y="-27384"/>
+            <a:ext cx="7995338" cy="854968"/>
+          </a:xfrm>
+          <a:prstGeom prst="rect">
+            <a:avLst/>
+          </a:prstGeom>
+        </p:spPr>
+        <p:txBody>
+          <a:bodyPr anchor="ctr" anchorCtr="0"/>
+          <a:lstStyle>
+            <a:lvl1pPr algn="l" defTabSz="914400" rtl="0" eaLnBrk="1" latinLnBrk="1" hangingPunct="1">
+              <a:spcBef>
+                <a:spcPct val="0"/>
+              </a:spcBef>
+              <a:buNone/>
+              <a:defRPr sz="3200" kern="1200">
+                <a:solidFill>
+                  <a:schemeClr val="bg1"/>
+                </a:solidFill>
+                <a:latin typeface="HY헤드라인M" panose="02030600000101010101" pitchFamily="18" charset="-127"/>
+                <a:ea typeface="HY헤드라인M" panose="02030600000101010101" pitchFamily="18" charset="-127"/>
+                <a:cs typeface="+mj-cs"/>
+              </a:defRPr>
+            </a:lvl1pPr>
+          </a:lstStyle>
+          <a:p>
+            <a:r>
+              <a:rPr lang="en-US" altLang="ko-KR" dirty="0" smtClean="0"/>
+              <a:t> </a:t>
+            </a:r>
+            <a:r>
+              <a:rPr lang="ko-KR" altLang="en-US" dirty="0"/>
+              <a:t> </a:t>
+            </a:r>
+            <a:r>
               <a:rPr lang="en-US" altLang="ko-KR" dirty="0"/>
               <a:t>response </a:t>
             </a:r>
@@ -4586,7 +4903,7 @@
             </a:pPr>
             <a:r>
               <a:rPr lang="ko-KR" altLang="en-US" sz="1600" dirty="0" smtClean="0"/>
-              <a:t>즉</a:t>
+              <a:t> 즉</a:t>
             </a:r>
             <a:r>
               <a:rPr lang="en-US" altLang="ko-KR" sz="1600" dirty="0" smtClean="0"/>
@@ -4644,14 +4961,14 @@
           <p:nvPr>
             <p:extLst>
               <p:ext uri="{D42A27DB-BD31-4B8C-83A1-F6EECF244321}">
-                <p14:modId xmlns:p14="http://schemas.microsoft.com/office/powerpoint/2010/main" val="2363685343"/>
+                <p14:modId xmlns:p14="http://schemas.microsoft.com/office/powerpoint/2010/main" val="3719397944"/>
               </p:ext>
             </p:extLst>
           </p:nvPr>
         </p:nvGraphicFramePr>
         <p:xfrm>
           <a:off x="1352600" y="2758440"/>
-          <a:ext cx="7560840" cy="670560"/>
+          <a:ext cx="7560840" cy="964734"/>
         </p:xfrm>
         <a:graphic>
           <a:graphicData uri="http://schemas.openxmlformats.org/drawingml/2006/table">
@@ -4660,11 +4977,29 @@
                 <a:tableStyleId>{5940675A-B579-460E-94D1-54222C63F5DA}</a:tableStyleId>
               </a:tblPr>
               <a:tblGrid>
-                <a:gridCol w="2658453"/>
-                <a:gridCol w="1191975"/>
-                <a:gridCol w="3710412"/>
+                <a:gridCol w="2808312">
+                  <a:extLst>
+                    <a:ext uri="{9D8B030D-6E8A-4147-A177-3AD203B41FA5}">
+                      <a16:colId xmlns:a16="http://schemas.microsoft.com/office/drawing/2014/main" val="20000"/>
+                    </a:ext>
+                  </a:extLst>
+                </a:gridCol>
+                <a:gridCol w="1042116">
+                  <a:extLst>
+                    <a:ext uri="{9D8B030D-6E8A-4147-A177-3AD203B41FA5}">
+                      <a16:colId xmlns:a16="http://schemas.microsoft.com/office/drawing/2014/main" val="20001"/>
+                    </a:ext>
+                  </a:extLst>
+                </a:gridCol>
+                <a:gridCol w="3710412">
+                  <a:extLst>
+                    <a:ext uri="{9D8B030D-6E8A-4147-A177-3AD203B41FA5}">
+                      <a16:colId xmlns:a16="http://schemas.microsoft.com/office/drawing/2014/main" val="20002"/>
+                    </a:ext>
+                  </a:extLst>
+                </a:gridCol>
               </a:tblGrid>
-              <a:tr h="312284">
+              <a:tr h="482367">
                 <a:tc>
                   <a:txBody>
                     <a:bodyPr/>
@@ -4734,8 +5069,13 @@
                     </a:solidFill>
                   </a:tcPr>
                 </a:tc>
+                <a:extLst>
+                  <a:ext uri="{0D108BD9-81ED-4DB2-BD59-A6C34878D82A}">
+                    <a16:rowId xmlns:a16="http://schemas.microsoft.com/office/drawing/2014/main" val="10000"/>
+                  </a:ext>
+                </a:extLst>
               </a:tr>
-              <a:tr h="312284">
+              <a:tr h="482367">
                 <a:tc>
                   <a:txBody>
                     <a:bodyPr/>
@@ -4743,26 +5083,26 @@
                     <a:p>
                       <a:pPr algn="l" latinLnBrk="1"/>
                       <a:r>
-                        <a:rPr lang="en-US" altLang="ko-KR" sz="1600" dirty="0" err="1" smtClean="0"/>
+                        <a:rPr lang="en-US" altLang="ko-KR" sz="1800" dirty="0" err="1" smtClean="0"/>
                         <a:t>sendRedirect</a:t>
                       </a:r>
                       <a:r>
-                        <a:rPr lang="en-US" altLang="ko-KR" sz="1600" dirty="0" smtClean="0"/>
+                        <a:rPr lang="en-US" altLang="ko-KR" sz="1800" dirty="0" smtClean="0"/>
                         <a:t>(String</a:t>
                       </a:r>
                       <a:r>
-                        <a:rPr lang="en-US" altLang="ko-KR" sz="1600" baseline="0" dirty="0" smtClean="0"/>
+                        <a:rPr lang="en-US" altLang="ko-KR" sz="1800" baseline="0" dirty="0" smtClean="0"/>
                         <a:t> </a:t>
                       </a:r>
                       <a:r>
-                        <a:rPr lang="en-US" altLang="ko-KR" sz="1600" baseline="0" dirty="0" err="1" smtClean="0"/>
+                        <a:rPr lang="en-US" altLang="ko-KR" sz="1800" baseline="0" dirty="0" err="1" smtClean="0"/>
                         <a:t>url</a:t>
                       </a:r>
                       <a:r>
-                        <a:rPr lang="en-US" altLang="ko-KR" sz="1600" baseline="0" dirty="0" smtClean="0"/>
+                        <a:rPr lang="en-US" altLang="ko-KR" sz="1800" baseline="0" dirty="0" smtClean="0"/>
                         <a:t>)</a:t>
                       </a:r>
-                      <a:endParaRPr lang="en-US" altLang="ko-KR" sz="1600" dirty="0" smtClean="0"/>
+                      <a:endParaRPr lang="en-US" altLang="ko-KR" sz="1800" dirty="0" smtClean="0"/>
                     </a:p>
                   </a:txBody>
                   <a:tcPr anchor="ctr">
@@ -4820,6 +5160,11 @@
                     </a:lnR>
                   </a:tcPr>
                 </a:tc>
+                <a:extLst>
+                  <a:ext uri="{0D108BD9-81ED-4DB2-BD59-A6C34878D82A}">
+                    <a16:rowId xmlns:a16="http://schemas.microsoft.com/office/drawing/2014/main" val="10001"/>
+                  </a:ext>
+                </a:extLst>
               </a:tr>
             </a:tbl>
           </a:graphicData>
@@ -4846,7 +5191,7 @@
         </p:blipFill>
         <p:spPr>
           <a:xfrm>
-            <a:off x="1264996" y="3717032"/>
+            <a:off x="1712640" y="3933056"/>
             <a:ext cx="5632220" cy="2376264"/>
           </a:xfrm>
           <a:prstGeom prst="rect">
@@ -4861,317 +5206,10 @@
           </a:ln>
         </p:spPr>
       </p:pic>
-      <p:pic>
-        <p:nvPicPr>
-          <p:cNvPr id="4" name="그림 3"/>
-          <p:cNvPicPr>
-            <a:picLocks noChangeAspect="1"/>
-          </p:cNvPicPr>
-          <p:nvPr/>
-        </p:nvPicPr>
-        <p:blipFill>
-          <a:blip r:embed="rId3">
-            <a:extLst>
-              <a:ext uri="{28A0092B-C50C-407E-A947-70E740481C1C}">
-                <a14:useLocalDpi xmlns:a14="http://schemas.microsoft.com/office/drawing/2010/main" val="0"/>
-              </a:ext>
-            </a:extLst>
-          </a:blip>
-          <a:stretch>
-            <a:fillRect/>
-          </a:stretch>
-        </p:blipFill>
-        <p:spPr>
-          <a:xfrm>
-            <a:off x="6033120" y="3576312"/>
-            <a:ext cx="3096344" cy="1580880"/>
-          </a:xfrm>
-          <a:prstGeom prst="rect">
-            <a:avLst/>
-          </a:prstGeom>
-          <a:ln>
-            <a:solidFill>
-              <a:schemeClr val="bg1">
-                <a:lumMod val="85000"/>
-              </a:schemeClr>
-            </a:solidFill>
-          </a:ln>
-        </p:spPr>
-      </p:pic>
     </p:spTree>
     <p:extLst>
       <p:ext uri="{BB962C8B-B14F-4D97-AF65-F5344CB8AC3E}">
         <p14:creationId xmlns:p14="http://schemas.microsoft.com/office/powerpoint/2010/main" val="713028159"/>
-      </p:ext>
-    </p:extLst>
-  </p:cSld>
-  <p:clrMapOvr>
-    <a:masterClrMapping/>
-  </p:clrMapOvr>
-  <p:timing>
-    <p:tnLst>
-      <p:par>
-        <p:cTn id="1" dur="indefinite" restart="never" nodeType="tmRoot"/>
-      </p:par>
-    </p:tnLst>
-  </p:timing>
-</p:sld>
-</file>
-
-<file path=ppt/slides/slide12.xml><?xml version="1.0" encoding="utf-8"?>
-<p:sld xmlns:a="http://schemas.openxmlformats.org/drawingml/2006/main" xmlns:r="http://schemas.openxmlformats.org/officeDocument/2006/relationships" xmlns:p="http://schemas.openxmlformats.org/presentationml/2006/main">
-  <p:cSld>
-    <p:spTree>
-      <p:nvGrpSpPr>
-        <p:cNvPr id="1" name=""/>
-        <p:cNvGrpSpPr/>
-        <p:nvPr/>
-      </p:nvGrpSpPr>
-      <p:grpSpPr>
-        <a:xfrm>
-          <a:off x="0" y="0"/>
-          <a:ext cx="0" cy="0"/>
-          <a:chOff x="0" y="0"/>
-          <a:chExt cx="0" cy="0"/>
-        </a:xfrm>
-      </p:grpSpPr>
-      <p:sp>
-        <p:nvSpPr>
-          <p:cNvPr id="15" name="제목 5"/>
-          <p:cNvSpPr txBox="1">
-            <a:spLocks/>
-          </p:cNvSpPr>
-          <p:nvPr/>
-        </p:nvSpPr>
-        <p:spPr>
-          <a:xfrm>
-            <a:off x="0" y="-27384"/>
-            <a:ext cx="7995338" cy="854968"/>
-          </a:xfrm>
-          <a:prstGeom prst="rect">
-            <a:avLst/>
-          </a:prstGeom>
-        </p:spPr>
-        <p:txBody>
-          <a:bodyPr anchor="ctr" anchorCtr="0"/>
-          <a:lstStyle>
-            <a:lvl1pPr algn="l" defTabSz="914400" rtl="0" eaLnBrk="1" latinLnBrk="1" hangingPunct="1">
-              <a:spcBef>
-                <a:spcPct val="0"/>
-              </a:spcBef>
-              <a:buNone/>
-              <a:defRPr sz="3200" kern="1200">
-                <a:solidFill>
-                  <a:schemeClr val="bg1"/>
-                </a:solidFill>
-                <a:latin typeface="HY헤드라인M" panose="02030600000101010101" pitchFamily="18" charset="-127"/>
-                <a:ea typeface="HY헤드라인M" panose="02030600000101010101" pitchFamily="18" charset="-127"/>
-                <a:cs typeface="+mj-cs"/>
-              </a:defRPr>
-            </a:lvl1pPr>
-          </a:lstStyle>
-          <a:p>
-            <a:r>
-              <a:rPr lang="en-US" altLang="ko-KR" dirty="0" smtClean="0"/>
-              <a:t> </a:t>
-            </a:r>
-            <a:r>
-              <a:rPr lang="ko-KR" altLang="en-US" dirty="0"/>
-              <a:t> </a:t>
-            </a:r>
-            <a:r>
-              <a:rPr lang="en-US" altLang="ko-KR" dirty="0"/>
-              <a:t>response </a:t>
-            </a:r>
-            <a:r>
-              <a:rPr lang="ko-KR" altLang="en-US" dirty="0"/>
-              <a:t>객체</a:t>
-            </a:r>
-          </a:p>
-        </p:txBody>
-      </p:sp>
-      <p:sp>
-        <p:nvSpPr>
-          <p:cNvPr id="11" name="TextBox 10"/>
-          <p:cNvSpPr txBox="1"/>
-          <p:nvPr/>
-        </p:nvSpPr>
-        <p:spPr>
-          <a:xfrm>
-            <a:off x="992560" y="1056186"/>
-            <a:ext cx="8280920" cy="494494"/>
-          </a:xfrm>
-          <a:prstGeom prst="rect">
-            <a:avLst/>
-          </a:prstGeom>
-          <a:noFill/>
-        </p:spPr>
-        <p:txBody>
-          <a:bodyPr wrap="square" rtlCol="0">
-            <a:spAutoFit/>
-          </a:bodyPr>
-          <a:lstStyle/>
-          <a:p>
-            <a:pPr>
-              <a:lnSpc>
-                <a:spcPct val="150000"/>
-              </a:lnSpc>
-            </a:pPr>
-            <a:r>
-              <a:rPr lang="en-US" altLang="ko-KR" sz="2000" b="1" dirty="0" smtClean="0">
-                <a:solidFill>
-                  <a:srgbClr val="0070C0"/>
-                </a:solidFill>
-              </a:rPr>
-              <a:t>response </a:t>
-            </a:r>
-            <a:r>
-              <a:rPr lang="ko-KR" altLang="en-US" sz="2000" b="1" dirty="0" smtClean="0">
-                <a:solidFill>
-                  <a:srgbClr val="0070C0"/>
-                </a:solidFill>
-              </a:rPr>
-              <a:t>객체로</a:t>
-            </a:r>
-            <a:r>
-              <a:rPr lang="en-US" altLang="ko-KR" sz="2000" b="1" dirty="0" smtClean="0">
-                <a:solidFill>
-                  <a:srgbClr val="0070C0"/>
-                </a:solidFill>
-              </a:rPr>
-              <a:t> </a:t>
-            </a:r>
-            <a:r>
-              <a:rPr lang="ko-KR" altLang="en-US" sz="2000" b="1" dirty="0" smtClean="0">
-                <a:solidFill>
-                  <a:srgbClr val="0070C0"/>
-                </a:solidFill>
-              </a:rPr>
-              <a:t>페이지 이동하기</a:t>
-            </a:r>
-            <a:endParaRPr lang="en-US" altLang="ko-KR" sz="2000" b="1" dirty="0" smtClean="0">
-              <a:solidFill>
-                <a:srgbClr val="0070C0"/>
-              </a:solidFill>
-            </a:endParaRPr>
-          </a:p>
-        </p:txBody>
-      </p:sp>
-      <p:pic>
-        <p:nvPicPr>
-          <p:cNvPr id="3" name="그림 2"/>
-          <p:cNvPicPr>
-            <a:picLocks noChangeAspect="1"/>
-          </p:cNvPicPr>
-          <p:nvPr/>
-        </p:nvPicPr>
-        <p:blipFill>
-          <a:blip r:embed="rId2">
-            <a:extLst>
-              <a:ext uri="{28A0092B-C50C-407E-A947-70E740481C1C}">
-                <a14:useLocalDpi xmlns:a14="http://schemas.microsoft.com/office/drawing/2010/main" val="0"/>
-              </a:ext>
-            </a:extLst>
-          </a:blip>
-          <a:stretch>
-            <a:fillRect/>
-          </a:stretch>
-        </p:blipFill>
-        <p:spPr>
-          <a:xfrm>
-            <a:off x="1784648" y="1977222"/>
-            <a:ext cx="4694327" cy="1585097"/>
-          </a:xfrm>
-          <a:prstGeom prst="rect">
-            <a:avLst/>
-          </a:prstGeom>
-          <a:ln>
-            <a:solidFill>
-              <a:schemeClr val="bg1">
-                <a:lumMod val="85000"/>
-              </a:schemeClr>
-            </a:solidFill>
-          </a:ln>
-        </p:spPr>
-      </p:pic>
-      <p:pic>
-        <p:nvPicPr>
-          <p:cNvPr id="4" name="그림 3"/>
-          <p:cNvPicPr>
-            <a:picLocks noChangeAspect="1"/>
-          </p:cNvPicPr>
-          <p:nvPr/>
-        </p:nvPicPr>
-        <p:blipFill>
-          <a:blip r:embed="rId3">
-            <a:extLst>
-              <a:ext uri="{28A0092B-C50C-407E-A947-70E740481C1C}">
-                <a14:useLocalDpi xmlns:a14="http://schemas.microsoft.com/office/drawing/2010/main" val="0"/>
-              </a:ext>
-            </a:extLst>
-          </a:blip>
-          <a:stretch>
-            <a:fillRect/>
-          </a:stretch>
-        </p:blipFill>
-        <p:spPr>
-          <a:xfrm>
-            <a:off x="4006459" y="3789040"/>
-            <a:ext cx="4740051" cy="777307"/>
-          </a:xfrm>
-          <a:prstGeom prst="rect">
-            <a:avLst/>
-          </a:prstGeom>
-          <a:ln>
-            <a:solidFill>
-              <a:schemeClr val="bg1">
-                <a:lumMod val="85000"/>
-              </a:schemeClr>
-            </a:solidFill>
-          </a:ln>
-        </p:spPr>
-      </p:pic>
-      <p:pic>
-        <p:nvPicPr>
-          <p:cNvPr id="5" name="그림 4"/>
-          <p:cNvPicPr>
-            <a:picLocks noChangeAspect="1"/>
-          </p:cNvPicPr>
-          <p:nvPr/>
-        </p:nvPicPr>
-        <p:blipFill>
-          <a:blip r:embed="rId4">
-            <a:extLst>
-              <a:ext uri="{28A0092B-C50C-407E-A947-70E740481C1C}">
-                <a14:useLocalDpi xmlns:a14="http://schemas.microsoft.com/office/drawing/2010/main" val="0"/>
-              </a:ext>
-            </a:extLst>
-          </a:blip>
-          <a:stretch>
-            <a:fillRect/>
-          </a:stretch>
-        </p:blipFill>
-        <p:spPr>
-          <a:xfrm>
-            <a:off x="1770111" y="4797152"/>
-            <a:ext cx="4503811" cy="1196444"/>
-          </a:xfrm>
-          <a:prstGeom prst="rect">
-            <a:avLst/>
-          </a:prstGeom>
-          <a:ln>
-            <a:solidFill>
-              <a:schemeClr val="bg1">
-                <a:lumMod val="85000"/>
-              </a:schemeClr>
-            </a:solidFill>
-          </a:ln>
-        </p:spPr>
-      </p:pic>
-    </p:spTree>
-    <p:extLst>
-      <p:ext uri="{BB962C8B-B14F-4D97-AF65-F5344CB8AC3E}">
-        <p14:creationId xmlns:p14="http://schemas.microsoft.com/office/powerpoint/2010/main" val="2959127668"/>
       </p:ext>
     </p:extLst>
   </p:cSld>
@@ -5329,7 +5367,7 @@
       </p:sp>
       <p:pic>
         <p:nvPicPr>
-          <p:cNvPr id="4" name="그림 3"/>
+          <p:cNvPr id="2" name="그림 1"/>
           <p:cNvPicPr>
             <a:picLocks noChangeAspect="1"/>
           </p:cNvPicPr>
@@ -5349,8 +5387,8 @@
         </p:blipFill>
         <p:spPr>
           <a:xfrm>
-            <a:off x="1640632" y="1788435"/>
-            <a:ext cx="6250013" cy="3224741"/>
+            <a:off x="1208584" y="2888678"/>
+            <a:ext cx="3672408" cy="1552720"/>
           </a:xfrm>
           <a:prstGeom prst="rect">
             <a:avLst/>
@@ -5364,72 +5402,84 @@
           </a:ln>
         </p:spPr>
       </p:pic>
-      <p:sp>
-        <p:nvSpPr>
-          <p:cNvPr id="10" name="모서리가 둥근 직사각형 9">
+      <p:pic>
+        <p:nvPicPr>
+          <p:cNvPr id="6" name="그림 5"/>
+          <p:cNvPicPr>
+            <a:picLocks noChangeAspect="1"/>
+          </p:cNvPicPr>
+          <p:nvPr/>
+        </p:nvPicPr>
+        <p:blipFill>
+          <a:blip r:embed="rId3">
             <a:extLst>
-              <a:ext uri="{FF2B5EF4-FFF2-40B4-BE49-F238E27FC236}">
-                <a16:creationId xmlns="" xmlns:a16="http://schemas.microsoft.com/office/drawing/2014/main" id="{792DA8B4-17B2-454B-97AC-17311A4832C5}"/>
+              <a:ext uri="{28A0092B-C50C-407E-A947-70E740481C1C}">
+                <a14:useLocalDpi xmlns:a14="http://schemas.microsoft.com/office/drawing/2010/main" val="0"/>
               </a:ext>
             </a:extLst>
-          </p:cNvPr>
-          <p:cNvSpPr/>
-          <p:nvPr/>
-        </p:nvSpPr>
-        <p:spPr>
-          <a:xfrm>
-            <a:off x="6367671" y="1932050"/>
-            <a:ext cx="1897697" cy="317650"/>
-          </a:xfrm>
-          <a:prstGeom prst="roundRect">
-            <a:avLst/>
-          </a:prstGeom>
-          <a:noFill/>
-          <a:ln w="12700">
+          </a:blip>
+          <a:stretch>
+            <a:fillRect/>
+          </a:stretch>
+        </p:blipFill>
+        <p:spPr>
+          <a:xfrm>
+            <a:off x="5241032" y="2204864"/>
+            <a:ext cx="3816424" cy="898368"/>
+          </a:xfrm>
+          <a:prstGeom prst="rect">
+            <a:avLst/>
+          </a:prstGeom>
+          <a:ln>
             <a:solidFill>
-              <a:schemeClr val="tx1"/>
+              <a:schemeClr val="bg1">
+                <a:lumMod val="85000"/>
+              </a:schemeClr>
             </a:solidFill>
           </a:ln>
         </p:spPr>
-        <p:style>
-          <a:lnRef idx="2">
-            <a:schemeClr val="accent2"/>
-          </a:lnRef>
-          <a:fillRef idx="1">
-            <a:schemeClr val="lt1"/>
-          </a:fillRef>
-          <a:effectRef idx="0">
-            <a:schemeClr val="accent2"/>
-          </a:effectRef>
-          <a:fontRef idx="minor">
-            <a:schemeClr val="dk1"/>
-          </a:fontRef>
-        </p:style>
-        <p:txBody>
-          <a:bodyPr rtlCol="0" anchor="ctr"/>
-          <a:lstStyle/>
-          <a:p>
-            <a:pPr algn="ctr"/>
-            <a:r>
-              <a:rPr lang="en-US" altLang="ko-KR" sz="1600" dirty="0" err="1" smtClean="0">
-                <a:solidFill>
-                  <a:sysClr val="windowText" lastClr="000000"/>
-                </a:solidFill>
-              </a:rPr>
-              <a:t>loginForm.jsp</a:t>
-            </a:r>
-            <a:endParaRPr lang="en-US" altLang="ko-KR" sz="1600" dirty="0" smtClean="0">
-              <a:solidFill>
-                <a:sysClr val="windowText" lastClr="000000"/>
-              </a:solidFill>
-            </a:endParaRPr>
-          </a:p>
-        </p:txBody>
-      </p:sp>
+      </p:pic>
+      <p:pic>
+        <p:nvPicPr>
+          <p:cNvPr id="7" name="그림 6"/>
+          <p:cNvPicPr>
+            <a:picLocks noChangeAspect="1"/>
+          </p:cNvPicPr>
+          <p:nvPr/>
+        </p:nvPicPr>
+        <p:blipFill>
+          <a:blip r:embed="rId4">
+            <a:extLst>
+              <a:ext uri="{28A0092B-C50C-407E-A947-70E740481C1C}">
+                <a14:useLocalDpi xmlns:a14="http://schemas.microsoft.com/office/drawing/2010/main" val="0"/>
+              </a:ext>
+            </a:extLst>
+          </a:blip>
+          <a:stretch>
+            <a:fillRect/>
+          </a:stretch>
+        </p:blipFill>
+        <p:spPr>
+          <a:xfrm>
+            <a:off x="5266335" y="3802524"/>
+            <a:ext cx="3791121" cy="1277748"/>
+          </a:xfrm>
+          <a:prstGeom prst="rect">
+            <a:avLst/>
+          </a:prstGeom>
+          <a:ln>
+            <a:solidFill>
+              <a:schemeClr val="bg1">
+                <a:lumMod val="85000"/>
+              </a:schemeClr>
+            </a:solidFill>
+          </a:ln>
+        </p:spPr>
+      </p:pic>
     </p:spTree>
     <p:extLst>
       <p:ext uri="{BB962C8B-B14F-4D97-AF65-F5344CB8AC3E}">
-        <p14:creationId xmlns:p14="http://schemas.microsoft.com/office/powerpoint/2010/main" val="1775280610"/>
+        <p14:creationId xmlns:p14="http://schemas.microsoft.com/office/powerpoint/2010/main" val="2959127668"/>
       </p:ext>
     </p:extLst>
   </p:cSld>
@@ -5587,7 +5637,7 @@
       </p:sp>
       <p:pic>
         <p:nvPicPr>
-          <p:cNvPr id="5" name="그림 4"/>
+          <p:cNvPr id="4" name="그림 3"/>
           <p:cNvPicPr>
             <a:picLocks noChangeAspect="1"/>
           </p:cNvPicPr>
@@ -5607,8 +5657,8 @@
         </p:blipFill>
         <p:spPr>
           <a:xfrm>
-            <a:off x="1687353" y="1700808"/>
-            <a:ext cx="5107489" cy="3043028"/>
+            <a:off x="1640632" y="1788435"/>
+            <a:ext cx="6250013" cy="3224741"/>
           </a:xfrm>
           <a:prstGeom prst="rect">
             <a:avLst/>
@@ -5622,86 +5672,12 @@
           </a:ln>
         </p:spPr>
       </p:pic>
-      <p:pic>
-        <p:nvPicPr>
-          <p:cNvPr id="12" name="그림 11"/>
-          <p:cNvPicPr>
-            <a:picLocks noChangeAspect="1"/>
-          </p:cNvPicPr>
-          <p:nvPr/>
-        </p:nvPicPr>
-        <p:blipFill>
-          <a:blip r:embed="rId3">
-            <a:extLst>
-              <a:ext uri="{28A0092B-C50C-407E-A947-70E740481C1C}">
-                <a14:useLocalDpi xmlns:a14="http://schemas.microsoft.com/office/drawing/2010/main" val="0"/>
-              </a:ext>
-            </a:extLst>
-          </a:blip>
-          <a:stretch>
-            <a:fillRect/>
-          </a:stretch>
-        </p:blipFill>
-        <p:spPr>
-          <a:xfrm>
-            <a:off x="1163303" y="5157191"/>
-            <a:ext cx="3513625" cy="792089"/>
-          </a:xfrm>
-          <a:prstGeom prst="rect">
-            <a:avLst/>
-          </a:prstGeom>
-          <a:ln>
-            <a:solidFill>
-              <a:schemeClr val="bg1">
-                <a:lumMod val="85000"/>
-              </a:schemeClr>
-            </a:solidFill>
-          </a:ln>
-        </p:spPr>
-      </p:pic>
-      <p:pic>
-        <p:nvPicPr>
-          <p:cNvPr id="13" name="그림 12"/>
-          <p:cNvPicPr>
-            <a:picLocks noChangeAspect="1"/>
-          </p:cNvPicPr>
-          <p:nvPr/>
-        </p:nvPicPr>
-        <p:blipFill>
-          <a:blip r:embed="rId4">
-            <a:extLst>
-              <a:ext uri="{28A0092B-C50C-407E-A947-70E740481C1C}">
-                <a14:useLocalDpi xmlns:a14="http://schemas.microsoft.com/office/drawing/2010/main" val="0"/>
-              </a:ext>
-            </a:extLst>
-          </a:blip>
-          <a:stretch>
-            <a:fillRect/>
-          </a:stretch>
-        </p:blipFill>
-        <p:spPr>
-          <a:xfrm>
-            <a:off x="5050888" y="5131149"/>
-            <a:ext cx="4169833" cy="818131"/>
-          </a:xfrm>
-          <a:prstGeom prst="rect">
-            <a:avLst/>
-          </a:prstGeom>
-          <a:ln>
-            <a:solidFill>
-              <a:schemeClr val="bg1">
-                <a:lumMod val="85000"/>
-              </a:schemeClr>
-            </a:solidFill>
-          </a:ln>
-        </p:spPr>
-      </p:pic>
-      <p:sp>
-        <p:nvSpPr>
-          <p:cNvPr id="14" name="모서리가 둥근 직사각형 13">
+      <p:sp>
+        <p:nvSpPr>
+          <p:cNvPr id="10" name="모서리가 둥근 직사각형 9">
             <a:extLst>
               <a:ext uri="{FF2B5EF4-FFF2-40B4-BE49-F238E27FC236}">
-                <a16:creationId xmlns="" xmlns:a16="http://schemas.microsoft.com/office/drawing/2014/main" id="{792DA8B4-17B2-454B-97AC-17311A4832C5}"/>
+                <a16:creationId xmlns:a16="http://schemas.microsoft.com/office/drawing/2014/main" id="{792DA8B4-17B2-454B-97AC-17311A4832C5}"/>
               </a:ext>
             </a:extLst>
           </p:cNvPr>
@@ -5710,8 +5686,8 @@
         </p:nvSpPr>
         <p:spPr>
           <a:xfrm>
-            <a:off x="2144688" y="4972325"/>
-            <a:ext cx="2736304" cy="317650"/>
+            <a:off x="6367671" y="1932050"/>
+            <a:ext cx="1897697" cy="317650"/>
           </a:xfrm>
           <a:prstGeom prst="roundRect">
             <a:avLst/>
@@ -5743,20 +5719,12 @@
           <a:p>
             <a:pPr algn="ctr"/>
             <a:r>
-              <a:rPr lang="en-US" altLang="ko-KR" sz="1600" dirty="0">
+              <a:rPr lang="en-US" altLang="ko-KR" sz="1600" dirty="0" err="1" smtClean="0">
                 <a:solidFill>
                   <a:sysClr val="windowText" lastClr="000000"/>
                 </a:solidFill>
               </a:rPr>
-              <a:t>response/</a:t>
-            </a:r>
-            <a:r>
-              <a:rPr lang="en-US" altLang="ko-KR" sz="1600" dirty="0" err="1">
-                <a:solidFill>
-                  <a:sysClr val="windowText" lastClr="000000"/>
-                </a:solidFill>
-              </a:rPr>
-              <a:t>loginSuccess.jsp</a:t>
+              <a:t>loginForm.jsp</a:t>
             </a:r>
             <a:endParaRPr lang="en-US" altLang="ko-KR" sz="1600" dirty="0" smtClean="0">
               <a:solidFill>
@@ -5766,158 +5734,10 @@
           </a:p>
         </p:txBody>
       </p:sp>
-      <p:sp>
-        <p:nvSpPr>
-          <p:cNvPr id="16" name="모서리가 둥근 직사각형 15">
-            <a:extLst>
-              <a:ext uri="{FF2B5EF4-FFF2-40B4-BE49-F238E27FC236}">
-                <a16:creationId xmlns="" xmlns:a16="http://schemas.microsoft.com/office/drawing/2014/main" id="{792DA8B4-17B2-454B-97AC-17311A4832C5}"/>
-              </a:ext>
-            </a:extLst>
-          </p:cNvPr>
-          <p:cNvSpPr/>
-          <p:nvPr/>
-        </p:nvSpPr>
-        <p:spPr>
-          <a:xfrm>
-            <a:off x="6845518" y="4972325"/>
-            <a:ext cx="2571978" cy="317650"/>
-          </a:xfrm>
-          <a:prstGeom prst="roundRect">
-            <a:avLst/>
-          </a:prstGeom>
-          <a:noFill/>
-          <a:ln w="12700">
-            <a:solidFill>
-              <a:schemeClr val="tx1"/>
-            </a:solidFill>
-          </a:ln>
-        </p:spPr>
-        <p:style>
-          <a:lnRef idx="2">
-            <a:schemeClr val="accent2"/>
-          </a:lnRef>
-          <a:fillRef idx="1">
-            <a:schemeClr val="lt1"/>
-          </a:fillRef>
-          <a:effectRef idx="0">
-            <a:schemeClr val="accent2"/>
-          </a:effectRef>
-          <a:fontRef idx="minor">
-            <a:schemeClr val="dk1"/>
-          </a:fontRef>
-        </p:style>
-        <p:txBody>
-          <a:bodyPr rtlCol="0" anchor="ctr"/>
-          <a:lstStyle/>
-          <a:p>
-            <a:pPr algn="ctr"/>
-            <a:r>
-              <a:rPr lang="en-US" altLang="ko-KR" sz="1600" dirty="0">
-                <a:solidFill>
-                  <a:sysClr val="windowText" lastClr="000000"/>
-                </a:solidFill>
-              </a:rPr>
-              <a:t>response/</a:t>
-            </a:r>
-            <a:r>
-              <a:rPr lang="en-US" altLang="ko-KR" sz="1600" dirty="0" err="1">
-                <a:solidFill>
-                  <a:sysClr val="windowText" lastClr="000000"/>
-                </a:solidFill>
-              </a:rPr>
-              <a:t>loginFail.jsp</a:t>
-            </a:r>
-            <a:endParaRPr lang="en-US" altLang="ko-KR" sz="1600" dirty="0" smtClean="0">
-              <a:solidFill>
-                <a:sysClr val="windowText" lastClr="000000"/>
-              </a:solidFill>
-            </a:endParaRPr>
-          </a:p>
-        </p:txBody>
-      </p:sp>
-      <p:sp>
-        <p:nvSpPr>
-          <p:cNvPr id="17" name="모서리가 둥근 직사각형 16">
-            <a:extLst>
-              <a:ext uri="{FF2B5EF4-FFF2-40B4-BE49-F238E27FC236}">
-                <a16:creationId xmlns="" xmlns:a16="http://schemas.microsoft.com/office/drawing/2014/main" id="{792DA8B4-17B2-454B-97AC-17311A4832C5}"/>
-              </a:ext>
-            </a:extLst>
-          </p:cNvPr>
-          <p:cNvSpPr/>
-          <p:nvPr/>
-        </p:nvSpPr>
-        <p:spPr>
-          <a:xfrm>
-            <a:off x="6209854" y="1988840"/>
-            <a:ext cx="2775593" cy="317650"/>
-          </a:xfrm>
-          <a:prstGeom prst="roundRect">
-            <a:avLst/>
-          </a:prstGeom>
-          <a:noFill/>
-          <a:ln w="12700">
-            <a:solidFill>
-              <a:schemeClr val="tx1"/>
-            </a:solidFill>
-          </a:ln>
-        </p:spPr>
-        <p:style>
-          <a:lnRef idx="2">
-            <a:schemeClr val="accent2"/>
-          </a:lnRef>
-          <a:fillRef idx="1">
-            <a:schemeClr val="lt1"/>
-          </a:fillRef>
-          <a:effectRef idx="0">
-            <a:schemeClr val="accent2"/>
-          </a:effectRef>
-          <a:fontRef idx="minor">
-            <a:schemeClr val="dk1"/>
-          </a:fontRef>
-        </p:style>
-        <p:txBody>
-          <a:bodyPr rtlCol="0" anchor="ctr"/>
-          <a:lstStyle/>
-          <a:p>
-            <a:pPr algn="ctr"/>
-            <a:r>
-              <a:rPr lang="en-US" altLang="ko-KR" sz="1600" dirty="0">
-                <a:solidFill>
-                  <a:sysClr val="windowText" lastClr="000000"/>
-                </a:solidFill>
-              </a:rPr>
-              <a:t>r</a:t>
-            </a:r>
-            <a:r>
-              <a:rPr lang="en-US" altLang="ko-KR" sz="1600" dirty="0" smtClean="0">
-                <a:solidFill>
-                  <a:sysClr val="windowText" lastClr="000000"/>
-                </a:solidFill>
-              </a:rPr>
-              <a:t>esponse/</a:t>
-            </a:r>
-            <a:r>
-              <a:rPr lang="en-US" altLang="ko-KR" sz="1600" dirty="0" err="1" smtClean="0">
-                <a:solidFill>
-                  <a:sysClr val="windowText" lastClr="000000"/>
-                </a:solidFill>
-              </a:rPr>
-              <a:t>loginProcess.jsp</a:t>
-            </a:r>
-            <a:endParaRPr lang="en-US" altLang="ko-KR" sz="1600" dirty="0" smtClean="0">
-              <a:solidFill>
-                <a:sysClr val="windowText" lastClr="000000"/>
-              </a:solidFill>
-            </a:endParaRPr>
-          </a:p>
-        </p:txBody>
-      </p:sp>
     </p:spTree>
     <p:extLst>
       <p:ext uri="{BB962C8B-B14F-4D97-AF65-F5344CB8AC3E}">
-        <p14:creationId xmlns:p14="http://schemas.microsoft.com/office/powerpoint/2010/main" val="3692608898"/>
+        <p14:creationId xmlns:p14="http://schemas.microsoft.com/office/powerpoint/2010/main" val="1775280610"/>
       </p:ext>
     </p:extLst>
   </p:cSld>
@@ -6047,7 +5867,7 @@
                   <a:srgbClr val="0070C0"/>
                 </a:solidFill>
               </a:rPr>
-              <a:t>객체로 </a:t>
+              <a:t>객체로</a:t>
             </a:r>
             <a:r>
               <a:rPr lang="en-US" altLang="ko-KR" sz="2000" b="1" dirty="0" smtClean="0">
@@ -6055,7 +5875,7 @@
                   <a:srgbClr val="0070C0"/>
                 </a:solidFill>
               </a:rPr>
-              <a:t>5</a:t>
+              <a:t> </a:t>
             </a:r>
             <a:r>
               <a:rPr lang="ko-KR" altLang="en-US" sz="2000" b="1" dirty="0" smtClean="0">
@@ -6063,23 +5883,7 @@
                   <a:srgbClr val="0070C0"/>
                 </a:solidFill>
               </a:rPr>
-              <a:t>초마다 </a:t>
-            </a:r>
-            <a:r>
-              <a:rPr lang="en-US" altLang="ko-KR" sz="2000" b="1" dirty="0" smtClean="0">
-                <a:solidFill>
-                  <a:srgbClr val="0070C0"/>
-                </a:solidFill>
-              </a:rPr>
-              <a:t>JSP </a:t>
-            </a:r>
-            <a:r>
-              <a:rPr lang="ko-KR" altLang="en-US" sz="2000" b="1" dirty="0" smtClean="0">
-                <a:solidFill>
-                  <a:srgbClr val="0070C0"/>
-                </a:solidFill>
-              </a:rPr>
-              <a:t>페이지 갱신하기</a:t>
+              <a:t>페이지 이동하기</a:t>
             </a:r>
             <a:endParaRPr lang="en-US" altLang="ko-KR" sz="2000" b="1" dirty="0" smtClean="0">
               <a:solidFill>
@@ -6091,7 +5895,7 @@
       </p:sp>
       <p:pic>
         <p:nvPicPr>
-          <p:cNvPr id="4" name="그림 3"/>
+          <p:cNvPr id="5" name="그림 4"/>
           <p:cNvPicPr>
             <a:picLocks noChangeAspect="1"/>
           </p:cNvPicPr>
@@ -6111,8 +5915,8 @@
         </p:blipFill>
         <p:spPr>
           <a:xfrm>
-            <a:off x="1856656" y="1916832"/>
-            <a:ext cx="4656224" cy="1325995"/>
+            <a:off x="1687353" y="1700808"/>
+            <a:ext cx="5107489" cy="3043028"/>
           </a:xfrm>
           <a:prstGeom prst="rect">
             <a:avLst/>
@@ -6128,7 +5932,7 @@
       </p:pic>
       <p:pic>
         <p:nvPicPr>
-          <p:cNvPr id="5" name="그림 4"/>
+          <p:cNvPr id="12" name="그림 11"/>
           <p:cNvPicPr>
             <a:picLocks noChangeAspect="1"/>
           </p:cNvPicPr>
@@ -6148,8 +5952,8 @@
         </p:blipFill>
         <p:spPr>
           <a:xfrm>
-            <a:off x="1856656" y="3573016"/>
-            <a:ext cx="4755292" cy="1432684"/>
+            <a:off x="1163303" y="5157191"/>
+            <a:ext cx="3513625" cy="792089"/>
           </a:xfrm>
           <a:prstGeom prst="rect">
             <a:avLst/>
@@ -6163,10 +5967,265 @@
           </a:ln>
         </p:spPr>
       </p:pic>
+      <p:pic>
+        <p:nvPicPr>
+          <p:cNvPr id="13" name="그림 12"/>
+          <p:cNvPicPr>
+            <a:picLocks noChangeAspect="1"/>
+          </p:cNvPicPr>
+          <p:nvPr/>
+        </p:nvPicPr>
+        <p:blipFill>
+          <a:blip r:embed="rId4">
+            <a:extLst>
+              <a:ext uri="{28A0092B-C50C-407E-A947-70E740481C1C}">
+                <a14:useLocalDpi xmlns:a14="http://schemas.microsoft.com/office/drawing/2010/main" val="0"/>
+              </a:ext>
+            </a:extLst>
+          </a:blip>
+          <a:stretch>
+            <a:fillRect/>
+          </a:stretch>
+        </p:blipFill>
+        <p:spPr>
+          <a:xfrm>
+            <a:off x="5050888" y="5131149"/>
+            <a:ext cx="4169833" cy="818131"/>
+          </a:xfrm>
+          <a:prstGeom prst="rect">
+            <a:avLst/>
+          </a:prstGeom>
+          <a:ln>
+            <a:solidFill>
+              <a:schemeClr val="bg1">
+                <a:lumMod val="85000"/>
+              </a:schemeClr>
+            </a:solidFill>
+          </a:ln>
+        </p:spPr>
+      </p:pic>
+      <p:sp>
+        <p:nvSpPr>
+          <p:cNvPr id="14" name="모서리가 둥근 직사각형 13">
+            <a:extLst>
+              <a:ext uri="{FF2B5EF4-FFF2-40B4-BE49-F238E27FC236}">
+                <a16:creationId xmlns:a16="http://schemas.microsoft.com/office/drawing/2014/main" id="{792DA8B4-17B2-454B-97AC-17311A4832C5}"/>
+              </a:ext>
+            </a:extLst>
+          </p:cNvPr>
+          <p:cNvSpPr/>
+          <p:nvPr/>
+        </p:nvSpPr>
+        <p:spPr>
+          <a:xfrm>
+            <a:off x="2144688" y="4972325"/>
+            <a:ext cx="2736304" cy="317650"/>
+          </a:xfrm>
+          <a:prstGeom prst="roundRect">
+            <a:avLst/>
+          </a:prstGeom>
+          <a:noFill/>
+          <a:ln w="12700">
+            <a:solidFill>
+              <a:schemeClr val="tx1"/>
+            </a:solidFill>
+          </a:ln>
+        </p:spPr>
+        <p:style>
+          <a:lnRef idx="2">
+            <a:schemeClr val="accent2"/>
+          </a:lnRef>
+          <a:fillRef idx="1">
+            <a:schemeClr val="lt1"/>
+          </a:fillRef>
+          <a:effectRef idx="0">
+            <a:schemeClr val="accent2"/>
+          </a:effectRef>
+          <a:fontRef idx="minor">
+            <a:schemeClr val="dk1"/>
+          </a:fontRef>
+        </p:style>
+        <p:txBody>
+          <a:bodyPr rtlCol="0" anchor="ctr"/>
+          <a:lstStyle/>
+          <a:p>
+            <a:pPr algn="ctr"/>
+            <a:r>
+              <a:rPr lang="en-US" altLang="ko-KR" sz="1600" dirty="0">
+                <a:solidFill>
+                  <a:sysClr val="windowText" lastClr="000000"/>
+                </a:solidFill>
+              </a:rPr>
+              <a:t>response/</a:t>
+            </a:r>
+            <a:r>
+              <a:rPr lang="en-US" altLang="ko-KR" sz="1600" dirty="0" err="1">
+                <a:solidFill>
+                  <a:sysClr val="windowText" lastClr="000000"/>
+                </a:solidFill>
+              </a:rPr>
+              <a:t>loginSuccess.jsp</a:t>
+            </a:r>
+            <a:endParaRPr lang="en-US" altLang="ko-KR" sz="1600" dirty="0" smtClean="0">
+              <a:solidFill>
+                <a:sysClr val="windowText" lastClr="000000"/>
+              </a:solidFill>
+            </a:endParaRPr>
+          </a:p>
+        </p:txBody>
+      </p:sp>
+      <p:sp>
+        <p:nvSpPr>
+          <p:cNvPr id="16" name="모서리가 둥근 직사각형 15">
+            <a:extLst>
+              <a:ext uri="{FF2B5EF4-FFF2-40B4-BE49-F238E27FC236}">
+                <a16:creationId xmlns:a16="http://schemas.microsoft.com/office/drawing/2014/main" id="{792DA8B4-17B2-454B-97AC-17311A4832C5}"/>
+              </a:ext>
+            </a:extLst>
+          </p:cNvPr>
+          <p:cNvSpPr/>
+          <p:nvPr/>
+        </p:nvSpPr>
+        <p:spPr>
+          <a:xfrm>
+            <a:off x="6845518" y="4972325"/>
+            <a:ext cx="2571978" cy="317650"/>
+          </a:xfrm>
+          <a:prstGeom prst="roundRect">
+            <a:avLst/>
+          </a:prstGeom>
+          <a:noFill/>
+          <a:ln w="12700">
+            <a:solidFill>
+              <a:schemeClr val="tx1"/>
+            </a:solidFill>
+          </a:ln>
+        </p:spPr>
+        <p:style>
+          <a:lnRef idx="2">
+            <a:schemeClr val="accent2"/>
+          </a:lnRef>
+          <a:fillRef idx="1">
+            <a:schemeClr val="lt1"/>
+          </a:fillRef>
+          <a:effectRef idx="0">
+            <a:schemeClr val="accent2"/>
+          </a:effectRef>
+          <a:fontRef idx="minor">
+            <a:schemeClr val="dk1"/>
+          </a:fontRef>
+        </p:style>
+        <p:txBody>
+          <a:bodyPr rtlCol="0" anchor="ctr"/>
+          <a:lstStyle/>
+          <a:p>
+            <a:pPr algn="ctr"/>
+            <a:r>
+              <a:rPr lang="en-US" altLang="ko-KR" sz="1600" dirty="0">
+                <a:solidFill>
+                  <a:sysClr val="windowText" lastClr="000000"/>
+                </a:solidFill>
+              </a:rPr>
+              <a:t>response/</a:t>
+            </a:r>
+            <a:r>
+              <a:rPr lang="en-US" altLang="ko-KR" sz="1600" dirty="0" err="1">
+                <a:solidFill>
+                  <a:sysClr val="windowText" lastClr="000000"/>
+                </a:solidFill>
+              </a:rPr>
+              <a:t>loginFail.jsp</a:t>
+            </a:r>
+            <a:endParaRPr lang="en-US" altLang="ko-KR" sz="1600" dirty="0" smtClean="0">
+              <a:solidFill>
+                <a:sysClr val="windowText" lastClr="000000"/>
+              </a:solidFill>
+            </a:endParaRPr>
+          </a:p>
+        </p:txBody>
+      </p:sp>
+      <p:sp>
+        <p:nvSpPr>
+          <p:cNvPr id="17" name="모서리가 둥근 직사각형 16">
+            <a:extLst>
+              <a:ext uri="{FF2B5EF4-FFF2-40B4-BE49-F238E27FC236}">
+                <a16:creationId xmlns:a16="http://schemas.microsoft.com/office/drawing/2014/main" id="{792DA8B4-17B2-454B-97AC-17311A4832C5}"/>
+              </a:ext>
+            </a:extLst>
+          </p:cNvPr>
+          <p:cNvSpPr/>
+          <p:nvPr/>
+        </p:nvSpPr>
+        <p:spPr>
+          <a:xfrm>
+            <a:off x="6209854" y="1988840"/>
+            <a:ext cx="2775593" cy="317650"/>
+          </a:xfrm>
+          <a:prstGeom prst="roundRect">
+            <a:avLst/>
+          </a:prstGeom>
+          <a:noFill/>
+          <a:ln w="12700">
+            <a:solidFill>
+              <a:schemeClr val="tx1"/>
+            </a:solidFill>
+          </a:ln>
+        </p:spPr>
+        <p:style>
+          <a:lnRef idx="2">
+            <a:schemeClr val="accent2"/>
+          </a:lnRef>
+          <a:fillRef idx="1">
+            <a:schemeClr val="lt1"/>
+          </a:fillRef>
+          <a:effectRef idx="0">
+            <a:schemeClr val="accent2"/>
+          </a:effectRef>
+          <a:fontRef idx="minor">
+            <a:schemeClr val="dk1"/>
+          </a:fontRef>
+        </p:style>
+        <p:txBody>
+          <a:bodyPr rtlCol="0" anchor="ctr"/>
+          <a:lstStyle/>
+          <a:p>
+            <a:pPr algn="ctr"/>
+            <a:r>
+              <a:rPr lang="en-US" altLang="ko-KR" sz="1600" dirty="0">
+                <a:solidFill>
+                  <a:sysClr val="windowText" lastClr="000000"/>
+                </a:solidFill>
+              </a:rPr>
+              <a:t>r</a:t>
+            </a:r>
+            <a:r>
+              <a:rPr lang="en-US" altLang="ko-KR" sz="1600" dirty="0" smtClean="0">
+                <a:solidFill>
+                  <a:sysClr val="windowText" lastClr="000000"/>
+                </a:solidFill>
+              </a:rPr>
+              <a:t>esponse/</a:t>
+            </a:r>
+            <a:r>
+              <a:rPr lang="en-US" altLang="ko-KR" sz="1600" dirty="0" err="1" smtClean="0">
+                <a:solidFill>
+                  <a:sysClr val="windowText" lastClr="000000"/>
+                </a:solidFill>
+              </a:rPr>
+              <a:t>loginProcess.jsp</a:t>
+            </a:r>
+            <a:endParaRPr lang="en-US" altLang="ko-KR" sz="1600" dirty="0" smtClean="0">
+              <a:solidFill>
+                <a:sysClr val="windowText" lastClr="000000"/>
+              </a:solidFill>
+            </a:endParaRPr>
+          </a:p>
+        </p:txBody>
+      </p:sp>
     </p:spTree>
     <p:extLst>
       <p:ext uri="{BB962C8B-B14F-4D97-AF65-F5344CB8AC3E}">
-        <p14:creationId xmlns:p14="http://schemas.microsoft.com/office/powerpoint/2010/main" val="3650917594"/>
+        <p14:creationId xmlns:p14="http://schemas.microsoft.com/office/powerpoint/2010/main" val="3692608898"/>
       </p:ext>
     </p:extLst>
   </p:cSld>
@@ -6245,10 +6304,13 @@
               <a:t> </a:t>
             </a:r>
             <a:r>
-              <a:rPr lang="ko-KR" altLang="en-US" dirty="0" smtClean="0"/>
-              <a:t>내장 객체</a:t>
-            </a:r>
-            <a:endParaRPr lang="ko-KR" altLang="en-US" dirty="0"/>
+              <a:rPr lang="en-US" altLang="ko-KR" dirty="0"/>
+              <a:t>response </a:t>
+            </a:r>
+            <a:r>
+              <a:rPr lang="ko-KR" altLang="en-US" dirty="0"/>
+              <a:t>객체</a:t>
+            </a:r>
           </a:p>
         </p:txBody>
       </p:sp>
@@ -6293,15 +6355,15 @@
                   <a:srgbClr val="0070C0"/>
                 </a:solidFill>
               </a:rPr>
-              <a:t>객체로 응답 </a:t>
-            </a:r>
-            <a:r>
-              <a:rPr lang="ko-KR" altLang="en-US" sz="2000" b="1" dirty="0" err="1" smtClean="0">
+              <a:t>객체로 </a:t>
+            </a:r>
+            <a:r>
+              <a:rPr lang="en-US" altLang="ko-KR" sz="2000" b="1" dirty="0" smtClean="0">
                 <a:solidFill>
                   <a:srgbClr val="0070C0"/>
                 </a:solidFill>
               </a:rPr>
-              <a:t>컨텐츠</a:t>
+              <a:t>5</a:t>
             </a:r>
             <a:r>
               <a:rPr lang="ko-KR" altLang="en-US" sz="2000" b="1" dirty="0" smtClean="0">
@@ -6309,7 +6371,23 @@
                   <a:srgbClr val="0070C0"/>
                 </a:solidFill>
               </a:rPr>
-              <a:t> 설정하기</a:t>
+              <a:t>초마다 </a:t>
+            </a:r>
+            <a:r>
+              <a:rPr lang="en-US" altLang="ko-KR" sz="2000" b="1" dirty="0" smtClean="0">
+                <a:solidFill>
+                  <a:srgbClr val="0070C0"/>
+                </a:solidFill>
+              </a:rPr>
+              <a:t>JSP </a:t>
+            </a:r>
+            <a:r>
+              <a:rPr lang="ko-KR" altLang="en-US" sz="2000" b="1" dirty="0" smtClean="0">
+                <a:solidFill>
+                  <a:srgbClr val="0070C0"/>
+                </a:solidFill>
+              </a:rPr>
+              <a:t>페이지 갱신하기</a:t>
             </a:r>
             <a:endParaRPr lang="en-US" altLang="ko-KR" sz="2000" b="1" dirty="0" smtClean="0">
               <a:solidFill>
@@ -6327,7 +6405,7 @@
           </p:cNvPicPr>
           <p:nvPr/>
         </p:nvPicPr>
-        <p:blipFill rotWithShape="1">
+        <p:blipFill>
           <a:blip r:embed="rId2">
             <a:extLst>
               <a:ext uri="{28A0092B-C50C-407E-A947-70E740481C1C}">
@@ -6335,22 +6413,22 @@
               </a:ext>
             </a:extLst>
           </a:blip>
-          <a:srcRect b="35111"/>
-          <a:stretch/>
+          <a:stretch>
+            <a:fillRect/>
+          </a:stretch>
         </p:blipFill>
         <p:spPr>
           <a:xfrm>
-            <a:off x="1274012" y="3475452"/>
-            <a:ext cx="6749753" cy="1555155"/>
+            <a:off x="1856656" y="1916832"/>
+            <a:ext cx="4656224" cy="1325995"/>
           </a:xfrm>
           <a:prstGeom prst="rect">
             <a:avLst/>
           </a:prstGeom>
           <a:ln>
             <a:solidFill>
-              <a:schemeClr val="accent5">
-                <a:lumMod val="20000"/>
-                <a:lumOff val="80000"/>
+              <a:schemeClr val="bg1">
+                <a:lumMod val="85000"/>
               </a:schemeClr>
             </a:solidFill>
           </a:ln>
@@ -6358,7 +6436,7 @@
       </p:pic>
       <p:pic>
         <p:nvPicPr>
-          <p:cNvPr id="3" name="그림 2"/>
+          <p:cNvPr id="5" name="그림 4"/>
           <p:cNvPicPr>
             <a:picLocks noChangeAspect="1"/>
           </p:cNvPicPr>
@@ -6378,8 +6456,8 @@
         </p:blipFill>
         <p:spPr>
           <a:xfrm>
-            <a:off x="1227211" y="1997627"/>
-            <a:ext cx="3421677" cy="1051651"/>
+            <a:off x="1856656" y="3573016"/>
+            <a:ext cx="4755292" cy="1432684"/>
           </a:xfrm>
           <a:prstGeom prst="rect">
             <a:avLst/>
@@ -6396,7 +6474,7 @@
     </p:spTree>
     <p:extLst>
       <p:ext uri="{BB962C8B-B14F-4D97-AF65-F5344CB8AC3E}">
-        <p14:creationId xmlns:p14="http://schemas.microsoft.com/office/powerpoint/2010/main" val="4129343674"/>
+        <p14:creationId xmlns:p14="http://schemas.microsoft.com/office/powerpoint/2010/main" val="3650917594"/>
       </p:ext>
     </p:extLst>
   </p:cSld>
@@ -6472,8 +6550,13 @@
             </a:r>
             <a:r>
               <a:rPr lang="ko-KR" altLang="en-US" dirty="0"/>
-              <a:t> 내장 객체</a:t>
-            </a:r>
+              <a:t> </a:t>
+            </a:r>
+            <a:r>
+              <a:rPr lang="ko-KR" altLang="en-US" dirty="0" smtClean="0"/>
+              <a:t>내장 객체</a:t>
+            </a:r>
+            <a:endParaRPr lang="ko-KR" altLang="en-US" dirty="0"/>
           </a:p>
         </p:txBody>
       </p:sp>
@@ -6485,7 +6568,7 @@
         </p:nvSpPr>
         <p:spPr>
           <a:xfrm>
-            <a:off x="992560" y="1062298"/>
+            <a:off x="992560" y="1056186"/>
             <a:ext cx="8280920" cy="494494"/>
           </a:xfrm>
           <a:prstGeom prst="rect">
@@ -6505,22 +6588,54 @@
               </a:lnSpc>
             </a:pPr>
             <a:r>
-              <a:rPr lang="ko-KR" altLang="en-US" sz="2000" b="1" dirty="0" smtClean="0"/>
-              <a:t>계산기 프로그램 구현</a:t>
-            </a:r>
-            <a:endParaRPr lang="en-US" altLang="ko-KR" sz="2000" b="1" dirty="0" smtClean="0"/>
+              <a:rPr lang="en-US" altLang="ko-KR" sz="2000" b="1" dirty="0" smtClean="0">
+                <a:solidFill>
+                  <a:srgbClr val="0070C0"/>
+                </a:solidFill>
+              </a:rPr>
+              <a:t>response </a:t>
+            </a:r>
+            <a:r>
+              <a:rPr lang="ko-KR" altLang="en-US" sz="2000" b="1" dirty="0" smtClean="0">
+                <a:solidFill>
+                  <a:srgbClr val="0070C0"/>
+                </a:solidFill>
+              </a:rPr>
+              <a:t>객체로 응답 </a:t>
+            </a:r>
+            <a:r>
+              <a:rPr lang="ko-KR" altLang="en-US" sz="2000" b="1" dirty="0" err="1" smtClean="0">
+                <a:solidFill>
+                  <a:srgbClr val="0070C0"/>
+                </a:solidFill>
+              </a:rPr>
+              <a:t>컨텐츠</a:t>
+            </a:r>
+            <a:r>
+              <a:rPr lang="ko-KR" altLang="en-US" sz="2000" b="1" dirty="0" smtClean="0">
+                <a:solidFill>
+                  <a:srgbClr val="0070C0"/>
+                </a:solidFill>
+              </a:rPr>
+              <a:t> 설정하기</a:t>
+            </a:r>
+            <a:endParaRPr lang="en-US" altLang="ko-KR" sz="2000" b="1" dirty="0" smtClean="0">
+              <a:solidFill>
+                <a:srgbClr val="0070C0"/>
+              </a:solidFill>
+            </a:endParaRPr>
           </a:p>
         </p:txBody>
       </p:sp>
       <p:pic>
         <p:nvPicPr>
-          <p:cNvPr id="2" name="그림 1"/>
+          <p:cNvPr id="4" name="그림 3"/>
           <p:cNvPicPr>
             <a:picLocks noChangeAspect="1"/>
           </p:cNvPicPr>
           <p:nvPr/>
         </p:nvPicPr>
-        <p:blipFill>
+        <p:blipFill rotWithShape="1">
           <a:blip r:embed="rId2">
             <a:extLst>
               <a:ext uri="{28A0092B-C50C-407E-A947-70E740481C1C}">
@@ -6528,22 +6643,22 @@
               </a:ext>
             </a:extLst>
           </a:blip>
-          <a:stretch>
-            <a:fillRect/>
-          </a:stretch>
+          <a:srcRect b="35111"/>
+          <a:stretch/>
         </p:blipFill>
         <p:spPr>
           <a:xfrm>
-            <a:off x="1359857" y="1844824"/>
-            <a:ext cx="7186283" cy="1493650"/>
+            <a:off x="1274012" y="3475452"/>
+            <a:ext cx="6749753" cy="1555155"/>
           </a:xfrm>
           <a:prstGeom prst="rect">
             <a:avLst/>
           </a:prstGeom>
           <a:ln>
             <a:solidFill>
-              <a:schemeClr val="bg1">
-                <a:lumMod val="85000"/>
+              <a:schemeClr val="accent5">
+                <a:lumMod val="20000"/>
+                <a:lumOff val="80000"/>
               </a:schemeClr>
             </a:solidFill>
           </a:ln>
@@ -6551,7 +6666,7 @@
       </p:pic>
       <p:pic>
         <p:nvPicPr>
-          <p:cNvPr id="5" name="그림 4"/>
+          <p:cNvPr id="3" name="그림 2"/>
           <p:cNvPicPr>
             <a:picLocks noChangeAspect="1"/>
           </p:cNvPicPr>
@@ -6571,8 +6686,8 @@
         </p:blipFill>
         <p:spPr>
           <a:xfrm>
-            <a:off x="1370067" y="3612976"/>
-            <a:ext cx="7176073" cy="1863817"/>
+            <a:off x="1227211" y="1997627"/>
+            <a:ext cx="3421677" cy="1051651"/>
           </a:xfrm>
           <a:prstGeom prst="rect">
             <a:avLst/>
@@ -6589,7 +6704,7 @@
     </p:spTree>
     <p:extLst>
       <p:ext uri="{BB962C8B-B14F-4D97-AF65-F5344CB8AC3E}">
-        <p14:creationId xmlns:p14="http://schemas.microsoft.com/office/powerpoint/2010/main" val="186017271"/>
+        <p14:creationId xmlns:p14="http://schemas.microsoft.com/office/powerpoint/2010/main" val="4129343674"/>
       </p:ext>
     </p:extLst>
   </p:cSld>
@@ -6665,6 +6780,199 @@
             </a:r>
             <a:r>
               <a:rPr lang="ko-KR" altLang="en-US" dirty="0"/>
+              <a:t> 내장 객체</a:t>
+            </a:r>
+          </a:p>
+        </p:txBody>
+      </p:sp>
+      <p:sp>
+        <p:nvSpPr>
+          <p:cNvPr id="11" name="TextBox 10"/>
+          <p:cNvSpPr txBox="1"/>
+          <p:nvPr/>
+        </p:nvSpPr>
+        <p:spPr>
+          <a:xfrm>
+            <a:off x="992560" y="1062298"/>
+            <a:ext cx="8280920" cy="494494"/>
+          </a:xfrm>
+          <a:prstGeom prst="rect">
+            <a:avLst/>
+          </a:prstGeom>
+          <a:noFill/>
+        </p:spPr>
+        <p:txBody>
+          <a:bodyPr wrap="square" rtlCol="0">
+            <a:spAutoFit/>
+          </a:bodyPr>
+          <a:lstStyle/>
+          <a:p>
+            <a:pPr>
+              <a:lnSpc>
+                <a:spcPct val="150000"/>
+              </a:lnSpc>
+            </a:pPr>
+            <a:r>
+              <a:rPr lang="ko-KR" altLang="en-US" sz="2000" b="1" dirty="0" smtClean="0"/>
+              <a:t>계산기 프로그램 구현</a:t>
+            </a:r>
+            <a:endParaRPr lang="en-US" altLang="ko-KR" sz="2000" b="1" dirty="0" smtClean="0"/>
+          </a:p>
+        </p:txBody>
+      </p:sp>
+      <p:pic>
+        <p:nvPicPr>
+          <p:cNvPr id="3" name="그림 2"/>
+          <p:cNvPicPr>
+            <a:picLocks noChangeAspect="1"/>
+          </p:cNvPicPr>
+          <p:nvPr/>
+        </p:nvPicPr>
+        <p:blipFill>
+          <a:blip r:embed="rId2">
+            <a:extLst>
+              <a:ext uri="{28A0092B-C50C-407E-A947-70E740481C1C}">
+                <a14:useLocalDpi xmlns:a14="http://schemas.microsoft.com/office/drawing/2010/main" val="0"/>
+              </a:ext>
+            </a:extLst>
+          </a:blip>
+          <a:stretch>
+            <a:fillRect/>
+          </a:stretch>
+        </p:blipFill>
+        <p:spPr>
+          <a:xfrm>
+            <a:off x="1064568" y="1791506"/>
+            <a:ext cx="7638416" cy="2049331"/>
+          </a:xfrm>
+          <a:prstGeom prst="rect">
+            <a:avLst/>
+          </a:prstGeom>
+          <a:ln>
+            <a:solidFill>
+              <a:schemeClr val="bg1">
+                <a:lumMod val="85000"/>
+              </a:schemeClr>
+            </a:solidFill>
+          </a:ln>
+        </p:spPr>
+      </p:pic>
+      <p:pic>
+        <p:nvPicPr>
+          <p:cNvPr id="6" name="그림 5"/>
+          <p:cNvPicPr>
+            <a:picLocks noChangeAspect="1"/>
+          </p:cNvPicPr>
+          <p:nvPr/>
+        </p:nvPicPr>
+        <p:blipFill>
+          <a:blip r:embed="rId3">
+            <a:extLst>
+              <a:ext uri="{28A0092B-C50C-407E-A947-70E740481C1C}">
+                <a14:useLocalDpi xmlns:a14="http://schemas.microsoft.com/office/drawing/2010/main" val="0"/>
+              </a:ext>
+            </a:extLst>
+          </a:blip>
+          <a:stretch>
+            <a:fillRect/>
+          </a:stretch>
+        </p:blipFill>
+        <p:spPr>
+          <a:xfrm>
+            <a:off x="1070136" y="4149080"/>
+            <a:ext cx="7632848" cy="1954838"/>
+          </a:xfrm>
+          <a:prstGeom prst="rect">
+            <a:avLst/>
+          </a:prstGeom>
+          <a:ln>
+            <a:solidFill>
+              <a:schemeClr val="bg1">
+                <a:lumMod val="85000"/>
+              </a:schemeClr>
+            </a:solidFill>
+          </a:ln>
+        </p:spPr>
+      </p:pic>
+    </p:spTree>
+    <p:extLst>
+      <p:ext uri="{BB962C8B-B14F-4D97-AF65-F5344CB8AC3E}">
+        <p14:creationId xmlns:p14="http://schemas.microsoft.com/office/powerpoint/2010/main" val="186017271"/>
+      </p:ext>
+    </p:extLst>
+  </p:cSld>
+  <p:clrMapOvr>
+    <a:masterClrMapping/>
+  </p:clrMapOvr>
+  <p:timing>
+    <p:tnLst>
+      <p:par>
+        <p:cTn id="1" dur="indefinite" restart="never" nodeType="tmRoot"/>
+      </p:par>
+    </p:tnLst>
+  </p:timing>
+</p:sld>
+</file>
+
+<file path=ppt/slides/slide19.xml><?xml version="1.0" encoding="utf-8"?>
+<p:sld xmlns:a="http://schemas.openxmlformats.org/drawingml/2006/main" xmlns:r="http://schemas.openxmlformats.org/officeDocument/2006/relationships" xmlns:p="http://schemas.openxmlformats.org/presentationml/2006/main">
+  <p:cSld>
+    <p:spTree>
+      <p:nvGrpSpPr>
+        <p:cNvPr id="1" name=""/>
+        <p:cNvGrpSpPr/>
+        <p:nvPr/>
+      </p:nvGrpSpPr>
+      <p:grpSpPr>
+        <a:xfrm>
+          <a:off x="0" y="0"/>
+          <a:ext cx="0" cy="0"/>
+          <a:chOff x="0" y="0"/>
+          <a:chExt cx="0" cy="0"/>
+        </a:xfrm>
+      </p:grpSpPr>
+      <p:sp>
+        <p:nvSpPr>
+          <p:cNvPr id="15" name="제목 5"/>
+          <p:cNvSpPr txBox="1">
+            <a:spLocks/>
+          </p:cNvSpPr>
+          <p:nvPr/>
+        </p:nvSpPr>
+        <p:spPr>
+          <a:xfrm>
+            <a:off x="0" y="-27384"/>
+            <a:ext cx="7995338" cy="854968"/>
+          </a:xfrm>
+          <a:prstGeom prst="rect">
+            <a:avLst/>
+          </a:prstGeom>
+        </p:spPr>
+        <p:txBody>
+          <a:bodyPr anchor="ctr" anchorCtr="0"/>
+          <a:lstStyle>
+            <a:lvl1pPr algn="l" defTabSz="914400" rtl="0" eaLnBrk="1" latinLnBrk="1" hangingPunct="1">
+              <a:spcBef>
+                <a:spcPct val="0"/>
+              </a:spcBef>
+              <a:buNone/>
+              <a:defRPr sz="3200" kern="1200">
+                <a:solidFill>
+                  <a:schemeClr val="bg1"/>
+                </a:solidFill>
+                <a:latin typeface="HY헤드라인M" panose="02030600000101010101" pitchFamily="18" charset="-127"/>
+                <a:ea typeface="HY헤드라인M" panose="02030600000101010101" pitchFamily="18" charset="-127"/>
+                <a:cs typeface="+mj-cs"/>
+              </a:defRPr>
+            </a:lvl1pPr>
+          </a:lstStyle>
+          <a:p>
+            <a:r>
+              <a:rPr lang="en-US" altLang="ko-KR" dirty="0" smtClean="0"/>
+              <a:t> </a:t>
+            </a:r>
+            <a:r>
+              <a:rPr lang="ko-KR" altLang="en-US" dirty="0"/>
               <a:t> </a:t>
             </a:r>
             <a:r>
@@ -6708,8 +7016,20 @@
                 <a:tableStyleId>{5940675A-B579-460E-94D1-54222C63F5DA}</a:tableStyleId>
               </a:tblPr>
               <a:tblGrid>
-                <a:gridCol w="1837073"/>
-                <a:gridCol w="6717546"/>
+                <a:gridCol w="1837073">
+                  <a:extLst>
+                    <a:ext uri="{9D8B030D-6E8A-4147-A177-3AD203B41FA5}">
+                      <a16:colId xmlns:a16="http://schemas.microsoft.com/office/drawing/2014/main" val="20000"/>
+                    </a:ext>
+                  </a:extLst>
+                </a:gridCol>
+                <a:gridCol w="6717546">
+                  <a:extLst>
+                    <a:ext uri="{9D8B030D-6E8A-4147-A177-3AD203B41FA5}">
+                      <a16:colId xmlns:a16="http://schemas.microsoft.com/office/drawing/2014/main" val="20001"/>
+                    </a:ext>
+                  </a:extLst>
+                </a:gridCol>
               </a:tblGrid>
               <a:tr h="440610">
                 <a:tc>
@@ -6760,6 +7080,11 @@
                     </a:solidFill>
                   </a:tcPr>
                 </a:tc>
+                <a:extLst>
+                  <a:ext uri="{0D108BD9-81ED-4DB2-BD59-A6C34878D82A}">
+                    <a16:rowId xmlns:a16="http://schemas.microsoft.com/office/drawing/2014/main" val="10000"/>
+                  </a:ext>
+                </a:extLst>
               </a:tr>
               <a:tr h="531971">
                 <a:tc>
@@ -6824,6 +7149,11 @@
                     </a:lnR>
                   </a:tcPr>
                 </a:tc>
+                <a:extLst>
+                  <a:ext uri="{0D108BD9-81ED-4DB2-BD59-A6C34878D82A}">
+                    <a16:rowId xmlns:a16="http://schemas.microsoft.com/office/drawing/2014/main" val="10001"/>
+                  </a:ext>
+                </a:extLst>
               </a:tr>
               <a:tr h="531971">
                 <a:tc>
@@ -6883,6 +7213,11 @@
                     </a:lnR>
                   </a:tcPr>
                 </a:tc>
+                <a:extLst>
+                  <a:ext uri="{0D108BD9-81ED-4DB2-BD59-A6C34878D82A}">
+                    <a16:rowId xmlns:a16="http://schemas.microsoft.com/office/drawing/2014/main" val="10002"/>
+                  </a:ext>
+                </a:extLst>
               </a:tr>
               <a:tr h="673927">
                 <a:tc>
@@ -6956,11 +7291,7 @@
                       </a:r>
                       <a:r>
                         <a:rPr lang="ko-KR" altLang="en-US" sz="1600" dirty="0" smtClean="0"/>
-                        <a:t>이용해 계산 기능 </a:t>
-                      </a:r>
-                      <a:r>
-                        <a:rPr lang="ko-KR" altLang="en-US" sz="1600" dirty="0" smtClean="0"/>
-                        <a:t>수행</a:t>
+                        <a:t>이용해 계산 기능 수행</a:t>
                       </a:r>
                       <a:endParaRPr lang="en-US" altLang="ko-KR" sz="1600" dirty="0" smtClean="0"/>
                     </a:p>
@@ -7007,6 +7338,11 @@
                     </a:lnR>
                   </a:tcPr>
                 </a:tc>
+                <a:extLst>
+                  <a:ext uri="{0D108BD9-81ED-4DB2-BD59-A6C34878D82A}">
+                    <a16:rowId xmlns:a16="http://schemas.microsoft.com/office/drawing/2014/main" val="10003"/>
+                  </a:ext>
+                </a:extLst>
               </a:tr>
               <a:tr h="673927">
                 <a:tc>
@@ -7019,7 +7355,6 @@
                         <a:rPr lang="en-US" altLang="ko-KR" sz="1800" dirty="0" smtClean="0"/>
                         <a:t> result2.jsp</a:t>
                       </a:r>
-                      <a:endParaRPr lang="en-US" altLang="ko-KR" sz="1800" dirty="0" smtClean="0"/>
                     </a:p>
                   </a:txBody>
                   <a:tcPr anchor="ctr">
@@ -7127,6 +7462,11 @@
                     </a:lnR>
                   </a:tcPr>
                 </a:tc>
+                <a:extLst>
+                  <a:ext uri="{0D108BD9-81ED-4DB2-BD59-A6C34878D82A}">
+                    <a16:rowId xmlns:a16="http://schemas.microsoft.com/office/drawing/2014/main" val="10004"/>
+                  </a:ext>
+                </a:extLst>
               </a:tr>
               <a:tr h="531971">
                 <a:tc>
@@ -7197,6 +7537,11 @@
                     </a:lnR>
                   </a:tcPr>
                 </a:tc>
+                <a:extLst>
+                  <a:ext uri="{0D108BD9-81ED-4DB2-BD59-A6C34878D82A}">
+                    <a16:rowId xmlns:a16="http://schemas.microsoft.com/office/drawing/2014/main" val="10005"/>
+                  </a:ext>
+                </a:extLst>
               </a:tr>
             </a:tbl>
           </a:graphicData>
@@ -7287,257 +7632,6 @@
     <p:extLst>
       <p:ext uri="{BB962C8B-B14F-4D97-AF65-F5344CB8AC3E}">
         <p14:creationId xmlns:p14="http://schemas.microsoft.com/office/powerpoint/2010/main" val="83699283"/>
-      </p:ext>
-    </p:extLst>
-  </p:cSld>
-  <p:clrMapOvr>
-    <a:masterClrMapping/>
-  </p:clrMapOvr>
-  <p:timing>
-    <p:tnLst>
-      <p:par>
-        <p:cTn id="1" dur="indefinite" restart="never" nodeType="tmRoot"/>
-      </p:par>
-    </p:tnLst>
-  </p:timing>
-</p:sld>
-</file>
-
-<file path=ppt/slides/slide19.xml><?xml version="1.0" encoding="utf-8"?>
-<p:sld xmlns:a="http://schemas.openxmlformats.org/drawingml/2006/main" xmlns:r="http://schemas.openxmlformats.org/officeDocument/2006/relationships" xmlns:p="http://schemas.openxmlformats.org/presentationml/2006/main">
-  <p:cSld>
-    <p:spTree>
-      <p:nvGrpSpPr>
-        <p:cNvPr id="1" name=""/>
-        <p:cNvGrpSpPr/>
-        <p:nvPr/>
-      </p:nvGrpSpPr>
-      <p:grpSpPr>
-        <a:xfrm>
-          <a:off x="0" y="0"/>
-          <a:ext cx="0" cy="0"/>
-          <a:chOff x="0" y="0"/>
-          <a:chExt cx="0" cy="0"/>
-        </a:xfrm>
-      </p:grpSpPr>
-      <p:sp>
-        <p:nvSpPr>
-          <p:cNvPr id="15" name="제목 5"/>
-          <p:cNvSpPr txBox="1">
-            <a:spLocks/>
-          </p:cNvSpPr>
-          <p:nvPr/>
-        </p:nvSpPr>
-        <p:spPr>
-          <a:xfrm>
-            <a:off x="0" y="-27384"/>
-            <a:ext cx="7995338" cy="854968"/>
-          </a:xfrm>
-          <a:prstGeom prst="rect">
-            <a:avLst/>
-          </a:prstGeom>
-        </p:spPr>
-        <p:txBody>
-          <a:bodyPr anchor="ctr" anchorCtr="0"/>
-          <a:lstStyle>
-            <a:lvl1pPr algn="l" defTabSz="914400" rtl="0" eaLnBrk="1" latinLnBrk="1" hangingPunct="1">
-              <a:spcBef>
-                <a:spcPct val="0"/>
-              </a:spcBef>
-              <a:buNone/>
-              <a:defRPr sz="3200" kern="1200">
-                <a:solidFill>
-                  <a:schemeClr val="bg1"/>
-                </a:solidFill>
-                <a:latin typeface="HY헤드라인M" panose="02030600000101010101" pitchFamily="18" charset="-127"/>
-                <a:ea typeface="HY헤드라인M" panose="02030600000101010101" pitchFamily="18" charset="-127"/>
-                <a:cs typeface="+mj-cs"/>
-              </a:defRPr>
-            </a:lvl1pPr>
-          </a:lstStyle>
-          <a:p>
-            <a:r>
-              <a:rPr lang="en-US" altLang="ko-KR" dirty="0" smtClean="0"/>
-              <a:t> </a:t>
-            </a:r>
-            <a:r>
-              <a:rPr lang="ko-KR" altLang="en-US" dirty="0"/>
-              <a:t> </a:t>
-            </a:r>
-            <a:r>
-              <a:rPr lang="en-US" altLang="ko-KR" dirty="0"/>
-              <a:t>JSP </a:t>
-            </a:r>
-            <a:r>
-              <a:rPr lang="ko-KR" altLang="en-US" dirty="0" err="1"/>
-              <a:t>빈즈</a:t>
-            </a:r>
-            <a:r>
-              <a:rPr lang="ko-KR" altLang="en-US" dirty="0"/>
-              <a:t> </a:t>
-            </a:r>
-            <a:r>
-              <a:rPr lang="ko-KR" altLang="en-US" dirty="0" smtClean="0"/>
-              <a:t>프로그래밍</a:t>
-            </a:r>
-            <a:endParaRPr lang="ko-KR" altLang="en-US" dirty="0"/>
-          </a:p>
-        </p:txBody>
-      </p:sp>
-      <p:sp>
-        <p:nvSpPr>
-          <p:cNvPr id="10" name="TextBox 9"/>
-          <p:cNvSpPr txBox="1"/>
-          <p:nvPr/>
-        </p:nvSpPr>
-        <p:spPr>
-          <a:xfrm>
-            <a:off x="992560" y="1002794"/>
-            <a:ext cx="8280920" cy="507831"/>
-          </a:xfrm>
-          <a:prstGeom prst="rect">
-            <a:avLst/>
-          </a:prstGeom>
-          <a:noFill/>
-        </p:spPr>
-        <p:txBody>
-          <a:bodyPr wrap="square" rtlCol="0">
-            <a:spAutoFit/>
-          </a:bodyPr>
-          <a:lstStyle/>
-          <a:p>
-            <a:pPr>
-              <a:lnSpc>
-                <a:spcPct val="150000"/>
-              </a:lnSpc>
-            </a:pPr>
-            <a:r>
-              <a:rPr lang="ko-KR" altLang="en-US" b="1" dirty="0" smtClean="0"/>
-              <a:t>계산기 프로그램 </a:t>
-            </a:r>
-            <a:r>
-              <a:rPr lang="en-US" altLang="ko-KR" b="1" dirty="0" smtClean="0"/>
-              <a:t>– </a:t>
-            </a:r>
-            <a:r>
-              <a:rPr lang="ko-KR" altLang="en-US" b="1" dirty="0" smtClean="0"/>
-              <a:t>자바 </a:t>
-            </a:r>
-            <a:r>
-              <a:rPr lang="ko-KR" altLang="en-US" b="1" dirty="0" err="1" smtClean="0"/>
-              <a:t>빈즈로</a:t>
-            </a:r>
-            <a:r>
-              <a:rPr lang="ko-KR" altLang="en-US" b="1" dirty="0" smtClean="0"/>
-              <a:t> 구현</a:t>
-            </a:r>
-            <a:endParaRPr lang="en-US" altLang="ko-KR" b="1" dirty="0" smtClean="0"/>
-          </a:p>
-        </p:txBody>
-      </p:sp>
-      <p:pic>
-        <p:nvPicPr>
-          <p:cNvPr id="4" name="그림 3"/>
-          <p:cNvPicPr>
-            <a:picLocks noChangeAspect="1"/>
-          </p:cNvPicPr>
-          <p:nvPr/>
-        </p:nvPicPr>
-        <p:blipFill>
-          <a:blip r:embed="rId2">
-            <a:extLst>
-              <a:ext uri="{28A0092B-C50C-407E-A947-70E740481C1C}">
-                <a14:useLocalDpi xmlns:a14="http://schemas.microsoft.com/office/drawing/2010/main" val="0"/>
-              </a:ext>
-            </a:extLst>
-          </a:blip>
-          <a:stretch>
-            <a:fillRect/>
-          </a:stretch>
-        </p:blipFill>
-        <p:spPr>
-          <a:xfrm>
-            <a:off x="1361554" y="1510625"/>
-            <a:ext cx="6736664" cy="4640982"/>
-          </a:xfrm>
-          <a:prstGeom prst="rect">
-            <a:avLst/>
-          </a:prstGeom>
-          <a:ln>
-            <a:solidFill>
-              <a:schemeClr val="bg1">
-                <a:lumMod val="85000"/>
-              </a:schemeClr>
-            </a:solidFill>
-          </a:ln>
-        </p:spPr>
-      </p:pic>
-      <p:sp>
-        <p:nvSpPr>
-          <p:cNvPr id="11" name="모서리가 둥근 직사각형 10">
-            <a:extLst>
-              <a:ext uri="{FF2B5EF4-FFF2-40B4-BE49-F238E27FC236}">
-                <a16:creationId xmlns:a16="http://schemas.microsoft.com/office/drawing/2014/main" xmlns="" id="{792DA8B4-17B2-454B-97AC-17311A4832C5}"/>
-              </a:ext>
-            </a:extLst>
-          </p:cNvPr>
-          <p:cNvSpPr/>
-          <p:nvPr/>
-        </p:nvSpPr>
-        <p:spPr>
-          <a:xfrm>
-            <a:off x="7113240" y="2194199"/>
-            <a:ext cx="1605617" cy="317650"/>
-          </a:xfrm>
-          <a:prstGeom prst="roundRect">
-            <a:avLst/>
-          </a:prstGeom>
-          <a:noFill/>
-          <a:ln w="12700">
-            <a:solidFill>
-              <a:schemeClr val="tx1"/>
-            </a:solidFill>
-          </a:ln>
-        </p:spPr>
-        <p:style>
-          <a:lnRef idx="2">
-            <a:schemeClr val="accent2"/>
-          </a:lnRef>
-          <a:fillRef idx="1">
-            <a:schemeClr val="lt1"/>
-          </a:fillRef>
-          <a:effectRef idx="0">
-            <a:schemeClr val="accent2"/>
-          </a:effectRef>
-          <a:fontRef idx="minor">
-            <a:schemeClr val="dk1"/>
-          </a:fontRef>
-        </p:style>
-        <p:txBody>
-          <a:bodyPr rtlCol="0" anchor="ctr"/>
-          <a:lstStyle/>
-          <a:p>
-            <a:pPr algn="ctr"/>
-            <a:r>
-              <a:rPr lang="en-US" altLang="ko-KR" sz="1600" dirty="0" err="1" smtClean="0">
-                <a:solidFill>
-                  <a:sysClr val="windowText" lastClr="000000"/>
-                </a:solidFill>
-              </a:rPr>
-              <a:t>claculator.jsp</a:t>
-            </a:r>
-            <a:endParaRPr lang="en-US" altLang="ko-KR" sz="1600" dirty="0" smtClean="0">
-              <a:solidFill>
-                <a:sysClr val="windowText" lastClr="000000"/>
-              </a:solidFill>
-            </a:endParaRPr>
-          </a:p>
-        </p:txBody>
-      </p:sp>
-    </p:spTree>
-    <p:extLst>
-      <p:ext uri="{BB962C8B-B14F-4D97-AF65-F5344CB8AC3E}">
-        <p14:creationId xmlns:p14="http://schemas.microsoft.com/office/powerpoint/2010/main" val="2534035005"/>
       </p:ext>
     </p:extLst>
   </p:cSld>
@@ -7707,9 +7801,27 @@
                 <a:tableStyleId>{5940675A-B579-460E-94D1-54222C63F5DA}</a:tableStyleId>
               </a:tblPr>
               <a:tblGrid>
-                <a:gridCol w="2808312"/>
-                <a:gridCol w="1440160"/>
-                <a:gridCol w="4392488"/>
+                <a:gridCol w="2808312">
+                  <a:extLst>
+                    <a:ext uri="{9D8B030D-6E8A-4147-A177-3AD203B41FA5}">
+                      <a16:colId xmlns:a16="http://schemas.microsoft.com/office/drawing/2014/main" val="20000"/>
+                    </a:ext>
+                  </a:extLst>
+                </a:gridCol>
+                <a:gridCol w="1440160">
+                  <a:extLst>
+                    <a:ext uri="{9D8B030D-6E8A-4147-A177-3AD203B41FA5}">
+                      <a16:colId xmlns:a16="http://schemas.microsoft.com/office/drawing/2014/main" val="20001"/>
+                    </a:ext>
+                  </a:extLst>
+                </a:gridCol>
+                <a:gridCol w="4392488">
+                  <a:extLst>
+                    <a:ext uri="{9D8B030D-6E8A-4147-A177-3AD203B41FA5}">
+                      <a16:colId xmlns:a16="http://schemas.microsoft.com/office/drawing/2014/main" val="20002"/>
+                    </a:ext>
+                  </a:extLst>
+                </a:gridCol>
               </a:tblGrid>
               <a:tr h="432048">
                 <a:tc>
@@ -7781,6 +7893,11 @@
                     </a:solidFill>
                   </a:tcPr>
                 </a:tc>
+                <a:extLst>
+                  <a:ext uri="{0D108BD9-81ED-4DB2-BD59-A6C34878D82A}">
+                    <a16:rowId xmlns:a16="http://schemas.microsoft.com/office/drawing/2014/main" val="10000"/>
+                  </a:ext>
+                </a:extLst>
               </a:tr>
               <a:tr h="432048">
                 <a:tc>
@@ -7863,6 +7980,11 @@
                     </a:lnR>
                   </a:tcPr>
                 </a:tc>
+                <a:extLst>
+                  <a:ext uri="{0D108BD9-81ED-4DB2-BD59-A6C34878D82A}">
+                    <a16:rowId xmlns:a16="http://schemas.microsoft.com/office/drawing/2014/main" val="10001"/>
+                  </a:ext>
+                </a:extLst>
               </a:tr>
               <a:tr h="432048">
                 <a:tc>
@@ -7976,6 +8098,11 @@
                     </a:lnR>
                   </a:tcPr>
                 </a:tc>
+                <a:extLst>
+                  <a:ext uri="{0D108BD9-81ED-4DB2-BD59-A6C34878D82A}">
+                    <a16:rowId xmlns:a16="http://schemas.microsoft.com/office/drawing/2014/main" val="10002"/>
+                  </a:ext>
+                </a:extLst>
               </a:tr>
               <a:tr h="432048">
                 <a:tc>
@@ -8073,6 +8200,11 @@
                     </a:lnR>
                   </a:tcPr>
                 </a:tc>
+                <a:extLst>
+                  <a:ext uri="{0D108BD9-81ED-4DB2-BD59-A6C34878D82A}">
+                    <a16:rowId xmlns:a16="http://schemas.microsoft.com/office/drawing/2014/main" val="10003"/>
+                  </a:ext>
+                </a:extLst>
               </a:tr>
             </a:tbl>
           </a:graphicData>
@@ -8362,12 +8494,49 @@
           </a:p>
         </p:txBody>
       </p:sp>
+      <p:pic>
+        <p:nvPicPr>
+          <p:cNvPr id="2" name="그림 1"/>
+          <p:cNvPicPr>
+            <a:picLocks noChangeAspect="1"/>
+          </p:cNvPicPr>
+          <p:nvPr/>
+        </p:nvPicPr>
+        <p:blipFill>
+          <a:blip r:embed="rId2">
+            <a:extLst>
+              <a:ext uri="{28A0092B-C50C-407E-A947-70E740481C1C}">
+                <a14:useLocalDpi xmlns:a14="http://schemas.microsoft.com/office/drawing/2010/main" val="0"/>
+              </a:ext>
+            </a:extLst>
+          </a:blip>
+          <a:stretch>
+            <a:fillRect/>
+          </a:stretch>
+        </p:blipFill>
+        <p:spPr>
+          <a:xfrm>
+            <a:off x="1424608" y="1534154"/>
+            <a:ext cx="6208969" cy="4825997"/>
+          </a:xfrm>
+          <a:prstGeom prst="rect">
+            <a:avLst/>
+          </a:prstGeom>
+          <a:ln>
+            <a:solidFill>
+              <a:schemeClr val="bg1">
+                <a:lumMod val="85000"/>
+              </a:schemeClr>
+            </a:solidFill>
+          </a:ln>
+        </p:spPr>
+      </p:pic>
       <p:sp>
         <p:nvSpPr>
           <p:cNvPr id="11" name="모서리가 둥근 직사각형 10">
             <a:extLst>
               <a:ext uri="{FF2B5EF4-FFF2-40B4-BE49-F238E27FC236}">
-                <a16:creationId xmlns:a16="http://schemas.microsoft.com/office/drawing/2014/main" xmlns="" id="{792DA8B4-17B2-454B-97AC-17311A4832C5}"/>
+                <a16:creationId xmlns:a16="http://schemas.microsoft.com/office/drawing/2014/main" id="{792DA8B4-17B2-454B-97AC-17311A4832C5}"/>
               </a:ext>
             </a:extLst>
           </p:cNvPr>
@@ -8376,8 +8545,8 @@
         </p:nvSpPr>
         <p:spPr>
           <a:xfrm>
-            <a:off x="7421002" y="2194199"/>
-            <a:ext cx="1008112" cy="317650"/>
+            <a:off x="6830768" y="2348880"/>
+            <a:ext cx="1605617" cy="317650"/>
           </a:xfrm>
           <a:prstGeom prst="roundRect">
             <a:avLst/>
@@ -8409,20 +8578,12 @@
           <a:p>
             <a:pPr algn="ctr"/>
             <a:r>
-              <a:rPr lang="en-US" altLang="ko-KR" sz="1600" dirty="0">
+              <a:rPr lang="en-US" altLang="ko-KR" sz="1600" dirty="0" err="1" smtClean="0">
                 <a:solidFill>
                   <a:sysClr val="windowText" lastClr="000000"/>
                 </a:solidFill>
               </a:rPr>
-              <a:t>c</a:t>
-            </a:r>
-            <a:r>
-              <a:rPr lang="en-US" altLang="ko-KR" sz="1600" dirty="0" smtClean="0">
-                <a:solidFill>
-                  <a:sysClr val="windowText" lastClr="000000"/>
-                </a:solidFill>
-              </a:rPr>
-              <a:t>alc.css</a:t>
+              <a:t>claculator.jsp</a:t>
             </a:r>
             <a:endParaRPr lang="en-US" altLang="ko-KR" sz="1600" dirty="0" smtClean="0">
               <a:solidFill>
@@ -8432,84 +8593,10 @@
           </a:p>
         </p:txBody>
       </p:sp>
-      <p:pic>
-        <p:nvPicPr>
-          <p:cNvPr id="2" name="그림 1"/>
-          <p:cNvPicPr>
-            <a:picLocks noChangeAspect="1"/>
-          </p:cNvPicPr>
-          <p:nvPr/>
-        </p:nvPicPr>
-        <p:blipFill>
-          <a:blip r:embed="rId2">
-            <a:extLst>
-              <a:ext uri="{28A0092B-C50C-407E-A947-70E740481C1C}">
-                <a14:useLocalDpi xmlns:a14="http://schemas.microsoft.com/office/drawing/2010/main" val="0"/>
-              </a:ext>
-            </a:extLst>
-          </a:blip>
-          <a:stretch>
-            <a:fillRect/>
-          </a:stretch>
-        </p:blipFill>
-        <p:spPr>
-          <a:xfrm>
-            <a:off x="1173530" y="1700808"/>
-            <a:ext cx="3959490" cy="4059142"/>
-          </a:xfrm>
-          <a:prstGeom prst="rect">
-            <a:avLst/>
-          </a:prstGeom>
-          <a:ln>
-            <a:solidFill>
-              <a:schemeClr val="bg1">
-                <a:lumMod val="85000"/>
-              </a:schemeClr>
-            </a:solidFill>
-          </a:ln>
-        </p:spPr>
-      </p:pic>
-      <p:pic>
-        <p:nvPicPr>
-          <p:cNvPr id="3" name="그림 2"/>
-          <p:cNvPicPr>
-            <a:picLocks noChangeAspect="1"/>
-          </p:cNvPicPr>
-          <p:nvPr/>
-        </p:nvPicPr>
-        <p:blipFill>
-          <a:blip r:embed="rId3">
-            <a:extLst>
-              <a:ext uri="{28A0092B-C50C-407E-A947-70E740481C1C}">
-                <a14:useLocalDpi xmlns:a14="http://schemas.microsoft.com/office/drawing/2010/main" val="0"/>
-              </a:ext>
-            </a:extLst>
-          </a:blip>
-          <a:stretch>
-            <a:fillRect/>
-          </a:stretch>
-        </p:blipFill>
-        <p:spPr>
-          <a:xfrm>
-            <a:off x="5458138" y="2609302"/>
-            <a:ext cx="2972058" cy="1882303"/>
-          </a:xfrm>
-          <a:prstGeom prst="rect">
-            <a:avLst/>
-          </a:prstGeom>
-          <a:ln>
-            <a:solidFill>
-              <a:schemeClr val="bg1">
-                <a:lumMod val="85000"/>
-              </a:schemeClr>
-            </a:solidFill>
-          </a:ln>
-        </p:spPr>
-      </p:pic>
     </p:spTree>
     <p:extLst>
       <p:ext uri="{BB962C8B-B14F-4D97-AF65-F5344CB8AC3E}">
-        <p14:creationId xmlns:p14="http://schemas.microsoft.com/office/powerpoint/2010/main" val="3225504178"/>
+        <p14:creationId xmlns:p14="http://schemas.microsoft.com/office/powerpoint/2010/main" val="2534035005"/>
       </p:ext>
     </p:extLst>
   </p:cSld>
@@ -8732,7 +8819,7 @@
           <p:cNvPr id="8" name="모서리가 둥근 직사각형 7">
             <a:extLst>
               <a:ext uri="{FF2B5EF4-FFF2-40B4-BE49-F238E27FC236}">
-                <a16:creationId xmlns:a16="http://schemas.microsoft.com/office/drawing/2014/main" xmlns="" id="{792DA8B4-17B2-454B-97AC-17311A4832C5}"/>
+                <a16:creationId xmlns:a16="http://schemas.microsoft.com/office/drawing/2014/main" id="{792DA8B4-17B2-454B-97AC-17311A4832C5}"/>
               </a:ext>
             </a:extLst>
           </p:cNvPr>
@@ -8930,7 +9017,7 @@
           <p:cNvPr id="6" name="모서리가 둥근 직사각형 5">
             <a:extLst>
               <a:ext uri="{FF2B5EF4-FFF2-40B4-BE49-F238E27FC236}">
-                <a16:creationId xmlns:a16="http://schemas.microsoft.com/office/drawing/2014/main" xmlns="" id="{792DA8B4-17B2-454B-97AC-17311A4832C5}"/>
+                <a16:creationId xmlns:a16="http://schemas.microsoft.com/office/drawing/2014/main" id="{792DA8B4-17B2-454B-97AC-17311A4832C5}"/>
               </a:ext>
             </a:extLst>
           </p:cNvPr>
@@ -9009,6 +9096,10 @@
           </a:bodyPr>
           <a:lstStyle/>
           <a:p>
+            <a:pPr marL="285750" indent="-285750">
+              <a:buFont typeface="Wingdings" panose="05000000000000000000" pitchFamily="2" charset="2"/>
+              <a:buChar char="§"/>
+            </a:pPr>
             <a:r>
               <a:rPr lang="en-US" altLang="ko-KR" dirty="0" smtClean="0"/>
               <a:t>Calculator</a:t>
@@ -9019,11 +9110,19 @@
             </a:r>
             <a:r>
               <a:rPr lang="en-US" altLang="ko-KR" dirty="0" smtClean="0"/>
-              <a:t> import</a:t>
+              <a:t> </a:t>
+            </a:r>
+            <a:r>
+              <a:rPr lang="en-US" altLang="ko-KR" dirty="0" smtClean="0"/>
+              <a:t>import </a:t>
             </a:r>
             <a:r>
               <a:rPr lang="ko-KR" altLang="en-US" dirty="0" smtClean="0"/>
-              <a:t>해서 구현</a:t>
+              <a:t>해서 </a:t>
+            </a:r>
+            <a:r>
+              <a:rPr lang="ko-KR" altLang="en-US" dirty="0" smtClean="0"/>
+              <a:t>구현</a:t>
             </a:r>
             <a:endParaRPr lang="ko-KR" altLang="en-US" dirty="0"/>
           </a:p>
@@ -9147,6 +9246,10 @@
           </a:bodyPr>
           <a:lstStyle/>
           <a:p>
+            <a:pPr marL="285750" indent="-285750">
+              <a:buFont typeface="Wingdings" panose="05000000000000000000" pitchFamily="2" charset="2"/>
+              <a:buChar char="§"/>
+            </a:pPr>
             <a:r>
               <a:rPr lang="en-US" altLang="ko-KR" dirty="0" err="1" smtClean="0"/>
               <a:t>useBean</a:t>
@@ -9165,7 +9268,7 @@
       </p:sp>
       <p:pic>
         <p:nvPicPr>
-          <p:cNvPr id="4" name="그림 3"/>
+          <p:cNvPr id="3" name="그림 2"/>
           <p:cNvPicPr>
             <a:picLocks noChangeAspect="1"/>
           </p:cNvPicPr>
@@ -9185,8 +9288,8 @@
         </p:blipFill>
         <p:spPr>
           <a:xfrm>
-            <a:off x="1271029" y="1796561"/>
-            <a:ext cx="6707761" cy="3744553"/>
+            <a:off x="992560" y="1941390"/>
+            <a:ext cx="8161727" cy="3406435"/>
           </a:xfrm>
           <a:prstGeom prst="rect">
             <a:avLst/>
@@ -9205,7 +9308,7 @@
           <p:cNvPr id="6" name="모서리가 둥근 직사각형 5">
             <a:extLst>
               <a:ext uri="{FF2B5EF4-FFF2-40B4-BE49-F238E27FC236}">
-                <a16:creationId xmlns:a16="http://schemas.microsoft.com/office/drawing/2014/main" xmlns="" id="{792DA8B4-17B2-454B-97AC-17311A4832C5}"/>
+                <a16:creationId xmlns:a16="http://schemas.microsoft.com/office/drawing/2014/main" id="{792DA8B4-17B2-454B-97AC-17311A4832C5}"/>
               </a:ext>
             </a:extLst>
           </p:cNvPr>
@@ -9214,7 +9317,7 @@
         </p:nvSpPr>
         <p:spPr>
           <a:xfrm>
-            <a:off x="6692163" y="1637736"/>
+            <a:off x="8121352" y="2348880"/>
             <a:ext cx="1314146" cy="317650"/>
           </a:xfrm>
           <a:prstGeom prst="roundRect">
@@ -9585,7 +9688,7 @@
           <p:cNvPr id="16" name="모서리가 둥근 직사각형 15">
             <a:extLst>
               <a:ext uri="{FF2B5EF4-FFF2-40B4-BE49-F238E27FC236}">
-                <a16:creationId xmlns:a16="http://schemas.microsoft.com/office/drawing/2014/main" xmlns="" id="{792DA8B4-17B2-454B-97AC-17311A4832C5}"/>
+                <a16:creationId xmlns:a16="http://schemas.microsoft.com/office/drawing/2014/main" id="{792DA8B4-17B2-454B-97AC-17311A4832C5}"/>
               </a:ext>
             </a:extLst>
           </p:cNvPr>
@@ -9968,7 +10071,7 @@
           <p:cNvPr id="16" name="모서리가 둥근 직사각형 15">
             <a:extLst>
               <a:ext uri="{FF2B5EF4-FFF2-40B4-BE49-F238E27FC236}">
-                <a16:creationId xmlns:a16="http://schemas.microsoft.com/office/drawing/2014/main" xmlns="" id="{792DA8B4-17B2-454B-97AC-17311A4832C5}"/>
+                <a16:creationId xmlns:a16="http://schemas.microsoft.com/office/drawing/2014/main" id="{792DA8B4-17B2-454B-97AC-17311A4832C5}"/>
               </a:ext>
             </a:extLst>
           </p:cNvPr>
@@ -10382,7 +10485,7 @@
           <p:cNvPr id="7" name="모서리가 둥근 직사각형 6">
             <a:extLst>
               <a:ext uri="{FF2B5EF4-FFF2-40B4-BE49-F238E27FC236}">
-                <a16:creationId xmlns:a16="http://schemas.microsoft.com/office/drawing/2014/main" xmlns="" id="{792DA8B4-17B2-454B-97AC-17311A4832C5}"/>
+                <a16:creationId xmlns:a16="http://schemas.microsoft.com/office/drawing/2014/main" id="{792DA8B4-17B2-454B-97AC-17311A4832C5}"/>
               </a:ext>
             </a:extLst>
           </p:cNvPr>
@@ -10723,7 +10826,7 @@
           <p:cNvPr id="8" name="모서리가 둥근 직사각형 7">
             <a:extLst>
               <a:ext uri="{FF2B5EF4-FFF2-40B4-BE49-F238E27FC236}">
-                <a16:creationId xmlns:a16="http://schemas.microsoft.com/office/drawing/2014/main" xmlns="" id="{792DA8B4-17B2-454B-97AC-17311A4832C5}"/>
+                <a16:creationId xmlns:a16="http://schemas.microsoft.com/office/drawing/2014/main" id="{792DA8B4-17B2-454B-97AC-17311A4832C5}"/>
               </a:ext>
             </a:extLst>
           </p:cNvPr>
@@ -10912,7 +11015,7 @@
           <p:cNvPr id="7" name="모서리가 둥근 직사각형 6">
             <a:extLst>
               <a:ext uri="{FF2B5EF4-FFF2-40B4-BE49-F238E27FC236}">
-                <a16:creationId xmlns="" xmlns:a16="http://schemas.microsoft.com/office/drawing/2014/main" id="{792DA8B4-17B2-454B-97AC-17311A4832C5}"/>
+                <a16:creationId xmlns:a16="http://schemas.microsoft.com/office/drawing/2014/main" id="{792DA8B4-17B2-454B-97AC-17311A4832C5}"/>
               </a:ext>
             </a:extLst>
           </p:cNvPr>
@@ -11130,7 +11233,7 @@
           <p:cNvPr id="7" name="모서리가 둥근 직사각형 6">
             <a:extLst>
               <a:ext uri="{FF2B5EF4-FFF2-40B4-BE49-F238E27FC236}">
-                <a16:creationId xmlns="" xmlns:a16="http://schemas.microsoft.com/office/drawing/2014/main" id="{792DA8B4-17B2-454B-97AC-17311A4832C5}"/>
+                <a16:creationId xmlns:a16="http://schemas.microsoft.com/office/drawing/2014/main" id="{792DA8B4-17B2-454B-97AC-17311A4832C5}"/>
               </a:ext>
             </a:extLst>
           </p:cNvPr>
@@ -11366,7 +11469,7 @@
         </p:nvCxnSpPr>
         <p:spPr>
           <a:xfrm>
-            <a:off x="6069124" y="2636912"/>
+            <a:off x="4880991" y="2859570"/>
             <a:ext cx="360040" cy="0"/>
           </a:xfrm>
           <a:prstGeom prst="straightConnector1">
@@ -11398,7 +11501,7 @@
       </p:cxnSp>
       <p:pic>
         <p:nvPicPr>
-          <p:cNvPr id="4" name="그림 3"/>
+          <p:cNvPr id="2" name="그림 1"/>
           <p:cNvPicPr>
             <a:picLocks noChangeAspect="1"/>
           </p:cNvPicPr>
@@ -11418,8 +11521,8 @@
         </p:blipFill>
         <p:spPr>
           <a:xfrm>
-            <a:off x="1584513" y="4293096"/>
-            <a:ext cx="5472609" cy="1215276"/>
+            <a:off x="1064567" y="2239535"/>
+            <a:ext cx="3600402" cy="1333481"/>
           </a:xfrm>
           <a:prstGeom prst="rect">
             <a:avLst/>
@@ -11435,7 +11538,7 @@
       </p:pic>
       <p:pic>
         <p:nvPicPr>
-          <p:cNvPr id="6" name="그림 5"/>
+          <p:cNvPr id="3" name="그림 2"/>
           <p:cNvPicPr>
             <a:picLocks noChangeAspect="1"/>
           </p:cNvPicPr>
@@ -11455,8 +11558,8 @@
         </p:blipFill>
         <p:spPr>
           <a:xfrm>
-            <a:off x="4520952" y="3284984"/>
-            <a:ext cx="4397121" cy="716342"/>
+            <a:off x="5529064" y="2402331"/>
+            <a:ext cx="3744416" cy="870794"/>
           </a:xfrm>
           <a:prstGeom prst="rect">
             <a:avLst/>
@@ -11470,113 +11573,6 @@
           </a:ln>
         </p:spPr>
       </p:pic>
-      <p:pic>
-        <p:nvPicPr>
-          <p:cNvPr id="7" name="그림 6"/>
-          <p:cNvPicPr>
-            <a:picLocks noChangeAspect="1"/>
-          </p:cNvPicPr>
-          <p:nvPr/>
-        </p:nvPicPr>
-        <p:blipFill>
-          <a:blip r:embed="rId4">
-            <a:extLst>
-              <a:ext uri="{28A0092B-C50C-407E-A947-70E740481C1C}">
-                <a14:useLocalDpi xmlns:a14="http://schemas.microsoft.com/office/drawing/2010/main" val="0"/>
-              </a:ext>
-            </a:extLst>
-          </a:blip>
-          <a:stretch>
-            <a:fillRect/>
-          </a:stretch>
-        </p:blipFill>
-        <p:spPr>
-          <a:xfrm>
-            <a:off x="1568624" y="1969549"/>
-            <a:ext cx="4282811" cy="1165961"/>
-          </a:xfrm>
-          <a:prstGeom prst="rect">
-            <a:avLst/>
-          </a:prstGeom>
-          <a:ln>
-            <a:solidFill>
-              <a:schemeClr val="bg1">
-                <a:lumMod val="85000"/>
-              </a:schemeClr>
-            </a:solidFill>
-          </a:ln>
-        </p:spPr>
-      </p:pic>
-      <p:sp>
-        <p:nvSpPr>
-          <p:cNvPr id="10" name="모서리가 둥근 직사각형 9">
-            <a:extLst>
-              <a:ext uri="{FF2B5EF4-FFF2-40B4-BE49-F238E27FC236}">
-                <a16:creationId xmlns="" xmlns:a16="http://schemas.microsoft.com/office/drawing/2014/main" id="{792DA8B4-17B2-454B-97AC-17311A4832C5}"/>
-              </a:ext>
-            </a:extLst>
-          </p:cNvPr>
-          <p:cNvSpPr/>
-          <p:nvPr/>
-        </p:nvSpPr>
-        <p:spPr>
-          <a:xfrm>
-            <a:off x="1568624" y="3821306"/>
-            <a:ext cx="2448272" cy="360040"/>
-          </a:xfrm>
-          <a:prstGeom prst="roundRect">
-            <a:avLst/>
-          </a:prstGeom>
-          <a:noFill/>
-          <a:ln w="12700">
-            <a:solidFill>
-              <a:schemeClr val="tx1"/>
-            </a:solidFill>
-          </a:ln>
-        </p:spPr>
-        <p:style>
-          <a:lnRef idx="2">
-            <a:schemeClr val="accent2"/>
-          </a:lnRef>
-          <a:fillRef idx="1">
-            <a:schemeClr val="lt1"/>
-          </a:fillRef>
-          <a:effectRef idx="0">
-            <a:schemeClr val="accent2"/>
-          </a:effectRef>
-          <a:fontRef idx="minor">
-            <a:schemeClr val="dk1"/>
-          </a:fontRef>
-        </p:style>
-        <p:txBody>
-          <a:bodyPr rtlCol="0" anchor="ctr"/>
-          <a:lstStyle/>
-          <a:p>
-            <a:pPr algn="ctr"/>
-            <a:r>
-              <a:rPr lang="en-US" altLang="ko-KR" sz="1600" dirty="0" smtClean="0">
-                <a:solidFill>
-                  <a:sysClr val="windowText" lastClr="000000"/>
-                </a:solidFill>
-              </a:rPr>
-              <a:t>request/</a:t>
-            </a:r>
-            <a:r>
-              <a:rPr lang="en-US" altLang="ko-KR" sz="1600" dirty="0" err="1" smtClean="0">
-                <a:solidFill>
-                  <a:sysClr val="windowText" lastClr="000000"/>
-                </a:solidFill>
-              </a:rPr>
-              <a:t>request.jsp</a:t>
-            </a:r>
-            <a:endParaRPr lang="en-US" altLang="ko-KR" sz="1600" dirty="0" smtClean="0">
-              <a:solidFill>
-                <a:sysClr val="windowText" lastClr="000000"/>
-              </a:solidFill>
-            </a:endParaRPr>
-          </a:p>
-        </p:txBody>
-      </p:sp>
     </p:spTree>
     <p:extLst>
       <p:ext uri="{BB962C8B-B14F-4D97-AF65-F5344CB8AC3E}">
@@ -11780,7 +11776,7 @@
           <p:cNvPr id="7" name="모서리가 둥근 직사각형 6">
             <a:extLst>
               <a:ext uri="{FF2B5EF4-FFF2-40B4-BE49-F238E27FC236}">
-                <a16:creationId xmlns="" xmlns:a16="http://schemas.microsoft.com/office/drawing/2014/main" id="{792DA8B4-17B2-454B-97AC-17311A4832C5}"/>
+                <a16:creationId xmlns:a16="http://schemas.microsoft.com/office/drawing/2014/main" id="{792DA8B4-17B2-454B-97AC-17311A4832C5}"/>
               </a:ext>
             </a:extLst>
           </p:cNvPr>
@@ -11954,7 +11950,7 @@
           <p:cNvPr id="5" name="모서리가 둥근 직사각형 4">
             <a:extLst>
               <a:ext uri="{FF2B5EF4-FFF2-40B4-BE49-F238E27FC236}">
-                <a16:creationId xmlns="" xmlns:a16="http://schemas.microsoft.com/office/drawing/2014/main" id="{792DA8B4-17B2-454B-97AC-17311A4832C5}"/>
+                <a16:creationId xmlns:a16="http://schemas.microsoft.com/office/drawing/2014/main" id="{792DA8B4-17B2-454B-97AC-17311A4832C5}"/>
               </a:ext>
             </a:extLst>
           </p:cNvPr>
@@ -12238,7 +12234,7 @@
           <p:cNvPr id="9" name="모서리가 둥근 직사각형 8">
             <a:extLst>
               <a:ext uri="{FF2B5EF4-FFF2-40B4-BE49-F238E27FC236}">
-                <a16:creationId xmlns="" xmlns:a16="http://schemas.microsoft.com/office/drawing/2014/main" id="{792DA8B4-17B2-454B-97AC-17311A4832C5}"/>
+                <a16:creationId xmlns:a16="http://schemas.microsoft.com/office/drawing/2014/main" id="{792DA8B4-17B2-454B-97AC-17311A4832C5}"/>
               </a:ext>
             </a:extLst>
           </p:cNvPr>
@@ -12449,7 +12445,7 @@
           <p:cNvPr id="9" name="모서리가 둥근 직사각형 8">
             <a:extLst>
               <a:ext uri="{FF2B5EF4-FFF2-40B4-BE49-F238E27FC236}">
-                <a16:creationId xmlns="" xmlns:a16="http://schemas.microsoft.com/office/drawing/2014/main" id="{792DA8B4-17B2-454B-97AC-17311A4832C5}"/>
+                <a16:creationId xmlns:a16="http://schemas.microsoft.com/office/drawing/2014/main" id="{792DA8B4-17B2-454B-97AC-17311A4832C5}"/>
               </a:ext>
             </a:extLst>
           </p:cNvPr>
@@ -13014,9 +13010,50 @@
           </a:p>
         </p:txBody>
       </p:sp>
+      <p:sp>
+        <p:nvSpPr>
+          <p:cNvPr id="5" name="TextBox 4"/>
+          <p:cNvSpPr txBox="1"/>
+          <p:nvPr/>
+        </p:nvSpPr>
+        <p:spPr>
+          <a:xfrm>
+            <a:off x="704528" y="1124744"/>
+            <a:ext cx="8280920" cy="553998"/>
+          </a:xfrm>
+          <a:prstGeom prst="rect">
+            <a:avLst/>
+          </a:prstGeom>
+          <a:noFill/>
+        </p:spPr>
+        <p:txBody>
+          <a:bodyPr wrap="square" rtlCol="0">
+            <a:spAutoFit/>
+          </a:bodyPr>
+          <a:lstStyle/>
+          <a:p>
+            <a:pPr marL="342900" indent="-342900">
+              <a:lnSpc>
+                <a:spcPct val="150000"/>
+              </a:lnSpc>
+              <a:buFont typeface="Wingdings" panose="05000000000000000000" pitchFamily="2" charset="2"/>
+              <a:buChar char="Ø"/>
+            </a:pPr>
+            <a:r>
+              <a:rPr lang="en-US" altLang="ko-KR" sz="2000" b="1" dirty="0" smtClean="0"/>
+              <a:t>request</a:t>
+            </a:r>
+            <a:r>
+              <a:rPr lang="ko-KR" altLang="en-US" sz="2000" b="1" dirty="0" smtClean="0"/>
+              <a:t>객체를 이용한 이름 등록하기</a:t>
+            </a:r>
+            <a:endParaRPr lang="en-US" altLang="ko-KR" sz="2000" b="1" dirty="0" smtClean="0"/>
+          </a:p>
+        </p:txBody>
+      </p:sp>
       <p:pic>
         <p:nvPicPr>
-          <p:cNvPr id="3" name="그림 2"/>
+          <p:cNvPr id="4" name="그림 3"/>
           <p:cNvPicPr>
             <a:picLocks noChangeAspect="1"/>
           </p:cNvPicPr>
@@ -13036,8 +13073,8 @@
         </p:blipFill>
         <p:spPr>
           <a:xfrm>
-            <a:off x="1307179" y="2060848"/>
-            <a:ext cx="6688159" cy="2376264"/>
+            <a:off x="1568624" y="2514962"/>
+            <a:ext cx="5737405" cy="1274078"/>
           </a:xfrm>
           <a:prstGeom prst="rect">
             <a:avLst/>
@@ -13053,10 +13090,10 @@
       </p:pic>
       <p:sp>
         <p:nvSpPr>
-          <p:cNvPr id="6" name="모서리가 둥근 직사각형 5">
+          <p:cNvPr id="10" name="모서리가 둥근 직사각형 9">
             <a:extLst>
               <a:ext uri="{FF2B5EF4-FFF2-40B4-BE49-F238E27FC236}">
-                <a16:creationId xmlns="" xmlns:a16="http://schemas.microsoft.com/office/drawing/2014/main" id="{792DA8B4-17B2-454B-97AC-17311A4832C5}"/>
+                <a16:creationId xmlns:a16="http://schemas.microsoft.com/office/drawing/2014/main" id="{792DA8B4-17B2-454B-97AC-17311A4832C5}"/>
               </a:ext>
             </a:extLst>
           </p:cNvPr>
@@ -13065,7 +13102,7 @@
         </p:nvSpPr>
         <p:spPr>
           <a:xfrm>
-            <a:off x="5509811" y="1567875"/>
+            <a:off x="1568624" y="1916832"/>
             <a:ext cx="2448272" cy="360040"/>
           </a:xfrm>
           <a:prstGeom prst="roundRect">
@@ -13111,7 +13148,7 @@
                   <a:sysClr val="windowText" lastClr="000000"/>
                 </a:solidFill>
               </a:rPr>
-              <a:t>process.jsp</a:t>
+              <a:t>request.jsp</a:t>
             </a:r>
             <a:endParaRPr lang="en-US" altLang="ko-KR" sz="1600" dirty="0" smtClean="0">
               <a:solidFill>
@@ -13124,7 +13161,7 @@
     </p:spTree>
     <p:extLst>
       <p:ext uri="{BB962C8B-B14F-4D97-AF65-F5344CB8AC3E}">
-        <p14:creationId xmlns:p14="http://schemas.microsoft.com/office/powerpoint/2010/main" val="3062505241"/>
+        <p14:creationId xmlns:p14="http://schemas.microsoft.com/office/powerpoint/2010/main" val="2868627952"/>
       </p:ext>
     </p:extLst>
   </p:cSld>
@@ -13214,50 +13251,9 @@
           </a:p>
         </p:txBody>
       </p:sp>
-      <p:sp>
-        <p:nvSpPr>
-          <p:cNvPr id="5" name="TextBox 4"/>
-          <p:cNvSpPr txBox="1"/>
-          <p:nvPr/>
-        </p:nvSpPr>
-        <p:spPr>
-          <a:xfrm>
-            <a:off x="704528" y="1124744"/>
-            <a:ext cx="8280920" cy="494494"/>
-          </a:xfrm>
-          <a:prstGeom prst="rect">
-            <a:avLst/>
-          </a:prstGeom>
-          <a:noFill/>
-        </p:spPr>
-        <p:txBody>
-          <a:bodyPr wrap="square" rtlCol="0">
-            <a:spAutoFit/>
-          </a:bodyPr>
-          <a:lstStyle/>
-          <a:p>
-            <a:pPr marL="342900" indent="-342900">
-              <a:lnSpc>
-                <a:spcPct val="150000"/>
-              </a:lnSpc>
-              <a:buFont typeface="Wingdings" panose="05000000000000000000" pitchFamily="2" charset="2"/>
-              <a:buChar char="Ø"/>
-            </a:pPr>
-            <a:r>
-              <a:rPr lang="en-US" altLang="ko-KR" sz="2000" b="1" dirty="0" smtClean="0"/>
-              <a:t>HTTP </a:t>
-            </a:r>
-            <a:r>
-              <a:rPr lang="ko-KR" altLang="en-US" sz="2000" b="1" dirty="0" smtClean="0"/>
-              <a:t>헤더 정보 값 출력하기</a:t>
-            </a:r>
-            <a:endParaRPr lang="en-US" altLang="ko-KR" sz="2000" b="1" dirty="0" smtClean="0"/>
-          </a:p>
-        </p:txBody>
-      </p:sp>
       <p:pic>
         <p:nvPicPr>
-          <p:cNvPr id="7" name="그림 6"/>
+          <p:cNvPr id="3" name="그림 2"/>
           <p:cNvPicPr>
             <a:picLocks noChangeAspect="1"/>
           </p:cNvPicPr>
@@ -13277,128 +13273,8 @@
         </p:blipFill>
         <p:spPr>
           <a:xfrm>
-            <a:off x="4448944" y="3662468"/>
-            <a:ext cx="4757270" cy="2862876"/>
-          </a:xfrm>
-          <a:prstGeom prst="rect">
-            <a:avLst/>
-          </a:prstGeom>
-          <a:ln>
-            <a:solidFill>
-              <a:schemeClr val="accent3">
-                <a:lumMod val="20000"/>
-                <a:lumOff val="80000"/>
-              </a:schemeClr>
-            </a:solidFill>
-          </a:ln>
-        </p:spPr>
-      </p:pic>
-      <p:sp>
-        <p:nvSpPr>
-          <p:cNvPr id="3" name="TextBox 2"/>
-          <p:cNvSpPr txBox="1"/>
-          <p:nvPr/>
-        </p:nvSpPr>
-        <p:spPr>
-          <a:xfrm>
-            <a:off x="1136576" y="1619238"/>
-            <a:ext cx="7992888" cy="783356"/>
-          </a:xfrm>
-          <a:prstGeom prst="rect">
-            <a:avLst/>
-          </a:prstGeom>
-          <a:noFill/>
-        </p:spPr>
-        <p:txBody>
-          <a:bodyPr wrap="square" rtlCol="0">
-            <a:spAutoFit/>
-          </a:bodyPr>
-          <a:lstStyle/>
-          <a:p>
-            <a:pPr>
-              <a:lnSpc>
-                <a:spcPct val="150000"/>
-              </a:lnSpc>
-            </a:pPr>
-            <a:r>
-              <a:rPr lang="ko-KR" altLang="en-US" sz="1600" dirty="0" smtClean="0"/>
-              <a:t>웹 브라우저는 </a:t>
-            </a:r>
-            <a:r>
-              <a:rPr lang="en-US" altLang="ko-KR" sz="1600" dirty="0" smtClean="0"/>
-              <a:t>HTTP </a:t>
-            </a:r>
-            <a:r>
-              <a:rPr lang="ko-KR" altLang="en-US" sz="1600" dirty="0" smtClean="0"/>
-              <a:t>헤더에 부가적인 정보를 담아 서버로 전송한다</a:t>
-            </a:r>
-            <a:r>
-              <a:rPr lang="en-US" altLang="ko-KR" sz="1600" dirty="0" smtClean="0"/>
-              <a:t>.</a:t>
-            </a:r>
-          </a:p>
-          <a:p>
-            <a:pPr>
-              <a:lnSpc>
-                <a:spcPct val="150000"/>
-              </a:lnSpc>
-            </a:pPr>
-            <a:r>
-              <a:rPr lang="en-US" altLang="ko-KR" sz="1600" dirty="0" smtClean="0"/>
-              <a:t>request </a:t>
-            </a:r>
-            <a:r>
-              <a:rPr lang="ko-KR" altLang="en-US" sz="1600" dirty="0" smtClean="0"/>
-              <a:t>내장 객체는 헤더 정보나 쿠키 관련 정보를 </a:t>
-            </a:r>
-            <a:r>
-              <a:rPr lang="ko-KR" altLang="en-US" sz="1600" dirty="0" err="1" smtClean="0"/>
-              <a:t>얻을수</a:t>
-            </a:r>
-            <a:r>
-              <a:rPr lang="ko-KR" altLang="en-US" sz="1600" dirty="0" smtClean="0"/>
-              <a:t> 있는 </a:t>
-            </a:r>
-            <a:r>
-              <a:rPr lang="ko-KR" altLang="en-US" sz="1600" dirty="0" err="1" smtClean="0"/>
-              <a:t>메서드를</a:t>
-            </a:r>
-            <a:r>
-              <a:rPr lang="ko-KR" altLang="en-US" sz="1600" dirty="0" smtClean="0"/>
-              <a:t> 제공한다</a:t>
-            </a:r>
-            <a:r>
-              <a:rPr lang="en-US" altLang="ko-KR" sz="1600" dirty="0" smtClean="0"/>
-              <a:t>.</a:t>
-            </a:r>
-            <a:endParaRPr lang="ko-KR" altLang="en-US" sz="1600" dirty="0"/>
-          </a:p>
-        </p:txBody>
-      </p:sp>
-      <p:pic>
-        <p:nvPicPr>
-          <p:cNvPr id="4" name="그림 3"/>
-          <p:cNvPicPr>
-            <a:picLocks noChangeAspect="1"/>
-          </p:cNvPicPr>
-          <p:nvPr/>
-        </p:nvPicPr>
-        <p:blipFill>
-          <a:blip r:embed="rId3">
-            <a:extLst>
-              <a:ext uri="{28A0092B-C50C-407E-A947-70E740481C1C}">
-                <a14:useLocalDpi xmlns:a14="http://schemas.microsoft.com/office/drawing/2010/main" val="0"/>
-              </a:ext>
-            </a:extLst>
-          </a:blip>
-          <a:stretch>
-            <a:fillRect/>
-          </a:stretch>
-        </p:blipFill>
-        <p:spPr>
-          <a:xfrm>
-            <a:off x="1280592" y="2636912"/>
-            <a:ext cx="4541914" cy="906859"/>
+            <a:off x="1307179" y="2060848"/>
+            <a:ext cx="7296173" cy="2592288"/>
           </a:xfrm>
           <a:prstGeom prst="rect">
             <a:avLst/>
@@ -13412,10 +13288,80 @@
           </a:ln>
         </p:spPr>
       </p:pic>
+      <p:sp>
+        <p:nvSpPr>
+          <p:cNvPr id="6" name="모서리가 둥근 직사각형 5">
+            <a:extLst>
+              <a:ext uri="{FF2B5EF4-FFF2-40B4-BE49-F238E27FC236}">
+                <a16:creationId xmlns:a16="http://schemas.microsoft.com/office/drawing/2014/main" id="{792DA8B4-17B2-454B-97AC-17311A4832C5}"/>
+              </a:ext>
+            </a:extLst>
+          </p:cNvPr>
+          <p:cNvSpPr/>
+          <p:nvPr/>
+        </p:nvSpPr>
+        <p:spPr>
+          <a:xfrm>
+            <a:off x="6135422" y="1556792"/>
+            <a:ext cx="2448272" cy="360040"/>
+          </a:xfrm>
+          <a:prstGeom prst="roundRect">
+            <a:avLst/>
+          </a:prstGeom>
+          <a:noFill/>
+          <a:ln w="12700">
+            <a:solidFill>
+              <a:schemeClr val="tx1"/>
+            </a:solidFill>
+          </a:ln>
+        </p:spPr>
+        <p:style>
+          <a:lnRef idx="2">
+            <a:schemeClr val="accent2"/>
+          </a:lnRef>
+          <a:fillRef idx="1">
+            <a:schemeClr val="lt1"/>
+          </a:fillRef>
+          <a:effectRef idx="0">
+            <a:schemeClr val="accent2"/>
+          </a:effectRef>
+          <a:fontRef idx="minor">
+            <a:schemeClr val="dk1"/>
+          </a:fontRef>
+        </p:style>
+        <p:txBody>
+          <a:bodyPr rtlCol="0" anchor="ctr"/>
+          <a:lstStyle/>
+          <a:p>
+            <a:pPr algn="ctr"/>
+            <a:r>
+              <a:rPr lang="en-US" altLang="ko-KR" sz="1600" dirty="0" smtClean="0">
+                <a:solidFill>
+                  <a:sysClr val="windowText" lastClr="000000"/>
+                </a:solidFill>
+              </a:rPr>
+              <a:t>request/</a:t>
+            </a:r>
+            <a:r>
+              <a:rPr lang="en-US" altLang="ko-KR" sz="1600" dirty="0" err="1" smtClean="0">
+                <a:solidFill>
+                  <a:sysClr val="windowText" lastClr="000000"/>
+                </a:solidFill>
+              </a:rPr>
+              <a:t>process.jsp</a:t>
+            </a:r>
+            <a:endParaRPr lang="en-US" altLang="ko-KR" sz="1600" dirty="0" smtClean="0">
+              <a:solidFill>
+                <a:sysClr val="windowText" lastClr="000000"/>
+              </a:solidFill>
+            </a:endParaRPr>
+          </a:p>
+        </p:txBody>
+      </p:sp>
     </p:spTree>
     <p:extLst>
       <p:ext uri="{BB962C8B-B14F-4D97-AF65-F5344CB8AC3E}">
-        <p14:creationId xmlns:p14="http://schemas.microsoft.com/office/powerpoint/2010/main" val="2312859384"/>
+        <p14:creationId xmlns:p14="http://schemas.microsoft.com/office/powerpoint/2010/main" val="3062505241"/>
       </p:ext>
     </p:extLst>
   </p:cSld>
@@ -13548,7 +13494,7 @@
       </p:sp>
       <p:pic>
         <p:nvPicPr>
-          <p:cNvPr id="2" name="그림 1"/>
+          <p:cNvPr id="7" name="그림 6"/>
           <p:cNvPicPr>
             <a:picLocks noChangeAspect="1"/>
           </p:cNvPicPr>
@@ -13568,8 +13514,128 @@
         </p:blipFill>
         <p:spPr>
           <a:xfrm>
-            <a:off x="1423311" y="2348880"/>
-            <a:ext cx="6843353" cy="1775614"/>
+            <a:off x="2004867" y="3861049"/>
+            <a:ext cx="4244278" cy="2554162"/>
+          </a:xfrm>
+          <a:prstGeom prst="rect">
+            <a:avLst/>
+          </a:prstGeom>
+          <a:ln>
+            <a:solidFill>
+              <a:schemeClr val="accent3">
+                <a:lumMod val="20000"/>
+                <a:lumOff val="80000"/>
+              </a:schemeClr>
+            </a:solidFill>
+          </a:ln>
+        </p:spPr>
+      </p:pic>
+      <p:sp>
+        <p:nvSpPr>
+          <p:cNvPr id="3" name="TextBox 2"/>
+          <p:cNvSpPr txBox="1"/>
+          <p:nvPr/>
+        </p:nvSpPr>
+        <p:spPr>
+          <a:xfrm>
+            <a:off x="1136576" y="1619238"/>
+            <a:ext cx="7992888" cy="783356"/>
+          </a:xfrm>
+          <a:prstGeom prst="rect">
+            <a:avLst/>
+          </a:prstGeom>
+          <a:noFill/>
+        </p:spPr>
+        <p:txBody>
+          <a:bodyPr wrap="square" rtlCol="0">
+            <a:spAutoFit/>
+          </a:bodyPr>
+          <a:lstStyle/>
+          <a:p>
+            <a:pPr>
+              <a:lnSpc>
+                <a:spcPct val="150000"/>
+              </a:lnSpc>
+            </a:pPr>
+            <a:r>
+              <a:rPr lang="ko-KR" altLang="en-US" sz="1600" dirty="0" smtClean="0"/>
+              <a:t>웹 브라우저는 </a:t>
+            </a:r>
+            <a:r>
+              <a:rPr lang="en-US" altLang="ko-KR" sz="1600" dirty="0" smtClean="0"/>
+              <a:t>HTTP </a:t>
+            </a:r>
+            <a:r>
+              <a:rPr lang="ko-KR" altLang="en-US" sz="1600" dirty="0" smtClean="0"/>
+              <a:t>헤더에 부가적인 정보를 담아 서버로 전송한다</a:t>
+            </a:r>
+            <a:r>
+              <a:rPr lang="en-US" altLang="ko-KR" sz="1600" dirty="0" smtClean="0"/>
+              <a:t>.</a:t>
+            </a:r>
+          </a:p>
+          <a:p>
+            <a:pPr>
+              <a:lnSpc>
+                <a:spcPct val="150000"/>
+              </a:lnSpc>
+            </a:pPr>
+            <a:r>
+              <a:rPr lang="en-US" altLang="ko-KR" sz="1600" dirty="0" smtClean="0"/>
+              <a:t>request </a:t>
+            </a:r>
+            <a:r>
+              <a:rPr lang="ko-KR" altLang="en-US" sz="1600" dirty="0" smtClean="0"/>
+              <a:t>내장 객체는 헤더 정보나 쿠키 관련 정보를 </a:t>
+            </a:r>
+            <a:r>
+              <a:rPr lang="ko-KR" altLang="en-US" sz="1600" dirty="0" err="1" smtClean="0"/>
+              <a:t>얻을수</a:t>
+            </a:r>
+            <a:r>
+              <a:rPr lang="ko-KR" altLang="en-US" sz="1600" dirty="0" smtClean="0"/>
+              <a:t> 있는 </a:t>
+            </a:r>
+            <a:r>
+              <a:rPr lang="ko-KR" altLang="en-US" sz="1600" dirty="0" err="1" smtClean="0"/>
+              <a:t>메서드를</a:t>
+            </a:r>
+            <a:r>
+              <a:rPr lang="ko-KR" altLang="en-US" sz="1600" dirty="0" smtClean="0"/>
+              <a:t> 제공한다</a:t>
+            </a:r>
+            <a:r>
+              <a:rPr lang="en-US" altLang="ko-KR" sz="1600" dirty="0" smtClean="0"/>
+              <a:t>.</a:t>
+            </a:r>
+            <a:endParaRPr lang="ko-KR" altLang="en-US" sz="1600" dirty="0"/>
+          </a:p>
+        </p:txBody>
+      </p:sp>
+      <p:pic>
+        <p:nvPicPr>
+          <p:cNvPr id="2" name="그림 1"/>
+          <p:cNvPicPr>
+            <a:picLocks noChangeAspect="1"/>
+          </p:cNvPicPr>
+          <p:nvPr/>
+        </p:nvPicPr>
+        <p:blipFill>
+          <a:blip r:embed="rId3">
+            <a:extLst>
+              <a:ext uri="{28A0092B-C50C-407E-A947-70E740481C1C}">
+                <a14:useLocalDpi xmlns:a14="http://schemas.microsoft.com/office/drawing/2010/main" val="0"/>
+              </a:ext>
+            </a:extLst>
+          </a:blip>
+          <a:stretch>
+            <a:fillRect/>
+          </a:stretch>
+        </p:blipFill>
+        <p:spPr>
+          <a:xfrm>
+            <a:off x="2004866" y="2542413"/>
+            <a:ext cx="3985605" cy="1082134"/>
           </a:xfrm>
           <a:prstGeom prst="rect">
             <a:avLst/>
@@ -13583,67 +13649,10 @@
           </a:ln>
         </p:spPr>
       </p:pic>
-      <p:sp>
-        <p:nvSpPr>
-          <p:cNvPr id="6" name="모서리가 둥근 직사각형 5">
-            <a:extLst>
-              <a:ext uri="{FF2B5EF4-FFF2-40B4-BE49-F238E27FC236}">
-                <a16:creationId xmlns="" xmlns:a16="http://schemas.microsoft.com/office/drawing/2014/main" id="{792DA8B4-17B2-454B-97AC-17311A4832C5}"/>
-              </a:ext>
-            </a:extLst>
-          </p:cNvPr>
-          <p:cNvSpPr/>
-          <p:nvPr/>
-        </p:nvSpPr>
-        <p:spPr>
-          <a:xfrm>
-            <a:off x="5818392" y="1743607"/>
-            <a:ext cx="2448272" cy="360040"/>
-          </a:xfrm>
-          <a:prstGeom prst="roundRect">
-            <a:avLst/>
-          </a:prstGeom>
-          <a:noFill/>
-          <a:ln w="12700">
-            <a:solidFill>
-              <a:schemeClr val="tx1"/>
-            </a:solidFill>
-          </a:ln>
-        </p:spPr>
-        <p:style>
-          <a:lnRef idx="2">
-            <a:schemeClr val="accent2"/>
-          </a:lnRef>
-          <a:fillRef idx="1">
-            <a:schemeClr val="lt1"/>
-          </a:fillRef>
-          <a:effectRef idx="0">
-            <a:schemeClr val="accent2"/>
-          </a:effectRef>
-          <a:fontRef idx="minor">
-            <a:schemeClr val="dk1"/>
-          </a:fontRef>
-        </p:style>
-        <p:txBody>
-          <a:bodyPr rtlCol="0" anchor="ctr"/>
-          <a:lstStyle/>
-          <a:p>
-            <a:pPr algn="ctr"/>
-            <a:r>
-              <a:rPr lang="en-US" altLang="ko-KR" sz="1600" dirty="0" smtClean="0">
-                <a:solidFill>
-                  <a:sysClr val="windowText" lastClr="000000"/>
-                </a:solidFill>
-              </a:rPr>
-              <a:t>request/request2.jsp</a:t>
-            </a:r>
-          </a:p>
-        </p:txBody>
-      </p:sp>
     </p:spTree>
     <p:extLst>
       <p:ext uri="{BB962C8B-B14F-4D97-AF65-F5344CB8AC3E}">
-        <p14:creationId xmlns:p14="http://schemas.microsoft.com/office/powerpoint/2010/main" val="1665817833"/>
+        <p14:creationId xmlns:p14="http://schemas.microsoft.com/office/powerpoint/2010/main" val="2312859384"/>
       </p:ext>
     </p:extLst>
   </p:cSld>
@@ -13742,7 +13751,7 @@
         <p:spPr>
           <a:xfrm>
             <a:off x="704528" y="1124744"/>
-            <a:ext cx="8280920" cy="553998"/>
+            <a:ext cx="8280920" cy="494494"/>
           </a:xfrm>
           <a:prstGeom prst="rect">
             <a:avLst/>
@@ -13768,7 +13777,7 @@
             </a:r>
             <a:r>
               <a:rPr lang="ko-KR" altLang="en-US" sz="2000" b="1" dirty="0" smtClean="0"/>
-              <a:t>헤더의 모든 정보 값 출력하기</a:t>
+              <a:t>헤더 정보 값 출력하기</a:t>
             </a:r>
             <a:endParaRPr lang="en-US" altLang="ko-KR" sz="2000" b="1" dirty="0" smtClean="0"/>
           </a:p>
@@ -13776,7 +13785,7 @@
       </p:sp>
       <p:pic>
         <p:nvPicPr>
-          <p:cNvPr id="3" name="그림 2"/>
+          <p:cNvPr id="2" name="그림 1"/>
           <p:cNvPicPr>
             <a:picLocks noChangeAspect="1"/>
           </p:cNvPicPr>
@@ -13796,8 +13805,8 @@
         </p:blipFill>
         <p:spPr>
           <a:xfrm>
-            <a:off x="1219938" y="1844824"/>
-            <a:ext cx="5555462" cy="4023709"/>
+            <a:off x="1423311" y="2678879"/>
+            <a:ext cx="6843353" cy="1775614"/>
           </a:xfrm>
           <a:prstGeom prst="rect">
             <a:avLst/>
@@ -13811,10 +13820,67 @@
           </a:ln>
         </p:spPr>
       </p:pic>
+      <p:sp>
+        <p:nvSpPr>
+          <p:cNvPr id="6" name="모서리가 둥근 직사각형 5">
+            <a:extLst>
+              <a:ext uri="{FF2B5EF4-FFF2-40B4-BE49-F238E27FC236}">
+                <a16:creationId xmlns:a16="http://schemas.microsoft.com/office/drawing/2014/main" id="{792DA8B4-17B2-454B-97AC-17311A4832C5}"/>
+              </a:ext>
+            </a:extLst>
+          </p:cNvPr>
+          <p:cNvSpPr/>
+          <p:nvPr/>
+        </p:nvSpPr>
+        <p:spPr>
+          <a:xfrm>
+            <a:off x="5818392" y="1985479"/>
+            <a:ext cx="2448272" cy="360040"/>
+          </a:xfrm>
+          <a:prstGeom prst="roundRect">
+            <a:avLst/>
+          </a:prstGeom>
+          <a:noFill/>
+          <a:ln w="12700">
+            <a:solidFill>
+              <a:schemeClr val="tx1"/>
+            </a:solidFill>
+          </a:ln>
+        </p:spPr>
+        <p:style>
+          <a:lnRef idx="2">
+            <a:schemeClr val="accent2"/>
+          </a:lnRef>
+          <a:fillRef idx="1">
+            <a:schemeClr val="lt1"/>
+          </a:fillRef>
+          <a:effectRef idx="0">
+            <a:schemeClr val="accent2"/>
+          </a:effectRef>
+          <a:fontRef idx="minor">
+            <a:schemeClr val="dk1"/>
+          </a:fontRef>
+        </p:style>
+        <p:txBody>
+          <a:bodyPr rtlCol="0" anchor="ctr"/>
+          <a:lstStyle/>
+          <a:p>
+            <a:pPr algn="ctr"/>
+            <a:r>
+              <a:rPr lang="en-US" altLang="ko-KR" sz="1600" dirty="0" smtClean="0">
+                <a:solidFill>
+                  <a:sysClr val="windowText" lastClr="000000"/>
+                </a:solidFill>
+              </a:rPr>
+              <a:t>request/header1.jsp</a:t>
+            </a:r>
+          </a:p>
+        </p:txBody>
+      </p:sp>
     </p:spTree>
     <p:extLst>
       <p:ext uri="{BB962C8B-B14F-4D97-AF65-F5344CB8AC3E}">
-        <p14:creationId xmlns:p14="http://schemas.microsoft.com/office/powerpoint/2010/main" val="3648149007"/>
+        <p14:creationId xmlns:p14="http://schemas.microsoft.com/office/powerpoint/2010/main" val="1665817833"/>
       </p:ext>
     </p:extLst>
   </p:cSld>
@@ -13947,7 +14013,7 @@
       </p:sp>
       <p:pic>
         <p:nvPicPr>
-          <p:cNvPr id="3" name="그림 2"/>
+          <p:cNvPr id="4" name="그림 3"/>
           <p:cNvPicPr>
             <a:picLocks noChangeAspect="1"/>
           </p:cNvPicPr>
@@ -13967,8 +14033,8 @@
         </p:blipFill>
         <p:spPr>
           <a:xfrm>
-            <a:off x="848544" y="1916832"/>
-            <a:ext cx="8479146" cy="2880320"/>
+            <a:off x="1136576" y="1772816"/>
+            <a:ext cx="7120249" cy="4414554"/>
           </a:xfrm>
           <a:prstGeom prst="rect">
             <a:avLst/>
@@ -13985,7 +14051,7 @@
     </p:spTree>
     <p:extLst>
       <p:ext uri="{BB962C8B-B14F-4D97-AF65-F5344CB8AC3E}">
-        <p14:creationId xmlns:p14="http://schemas.microsoft.com/office/powerpoint/2010/main" val="994204076"/>
+        <p14:creationId xmlns:p14="http://schemas.microsoft.com/office/powerpoint/2010/main" val="3648149007"/>
       </p:ext>
     </p:extLst>
   </p:cSld>
@@ -14084,7 +14150,7 @@
         <p:spPr>
           <a:xfrm>
             <a:off x="704528" y="1124744"/>
-            <a:ext cx="8280920" cy="494494"/>
+            <a:ext cx="8280920" cy="553998"/>
           </a:xfrm>
           <a:prstGeom prst="rect">
             <a:avLst/>
@@ -14105,139 +14171,20 @@
               <a:buChar char="Ø"/>
             </a:pPr>
             <a:r>
+              <a:rPr lang="en-US" altLang="ko-KR" sz="2000" b="1" dirty="0" smtClean="0"/>
+              <a:t>HTTP </a:t>
+            </a:r>
+            <a:r>
               <a:rPr lang="ko-KR" altLang="en-US" sz="2000" b="1" dirty="0" smtClean="0"/>
-              <a:t>웹 브라우저 및 서버 정보 값 출력하기</a:t>
+              <a:t>헤더의 모든 정보 값 출력하기</a:t>
             </a:r>
             <a:endParaRPr lang="en-US" altLang="ko-KR" sz="2000" b="1" dirty="0" smtClean="0"/>
-          </a:p>
-        </p:txBody>
-      </p:sp>
-      <p:sp>
-        <p:nvSpPr>
-          <p:cNvPr id="7" name="TextBox 6"/>
-          <p:cNvSpPr txBox="1"/>
-          <p:nvPr/>
-        </p:nvSpPr>
-        <p:spPr>
-          <a:xfrm>
-            <a:off x="1136576" y="1619238"/>
-            <a:ext cx="7992888" cy="1200329"/>
-          </a:xfrm>
-          <a:prstGeom prst="rect">
-            <a:avLst/>
-          </a:prstGeom>
-          <a:noFill/>
-        </p:spPr>
-        <p:txBody>
-          <a:bodyPr wrap="square" rtlCol="0">
-            <a:spAutoFit/>
-          </a:bodyPr>
-          <a:lstStyle/>
-          <a:p>
-            <a:pPr>
-              <a:lnSpc>
-                <a:spcPct val="150000"/>
-              </a:lnSpc>
-            </a:pPr>
-            <a:r>
-              <a:rPr lang="en-US" altLang="ko-KR" sz="1600" dirty="0"/>
-              <a:t>r</a:t>
-            </a:r>
-            <a:r>
-              <a:rPr lang="en-US" altLang="ko-KR" sz="1600" dirty="0" smtClean="0"/>
-              <a:t>equest </a:t>
-            </a:r>
-            <a:r>
-              <a:rPr lang="ko-KR" altLang="en-US" sz="1600" dirty="0" smtClean="0"/>
-              <a:t>내장 객체의 웹 브라우저와 서버 관련 </a:t>
-            </a:r>
-            <a:r>
-              <a:rPr lang="ko-KR" altLang="en-US" sz="1600" dirty="0" err="1" smtClean="0"/>
-              <a:t>메소드를</a:t>
-            </a:r>
-            <a:r>
-              <a:rPr lang="ko-KR" altLang="en-US" sz="1600" dirty="0" smtClean="0"/>
-              <a:t> 이용하여 서버 정보 출력</a:t>
-            </a:r>
-            <a:endParaRPr lang="en-US" altLang="ko-KR" sz="1600" dirty="0" smtClean="0"/>
-          </a:p>
-          <a:p>
-            <a:pPr>
-              <a:lnSpc>
-                <a:spcPct val="150000"/>
-              </a:lnSpc>
-            </a:pPr>
-            <a:r>
-              <a:rPr lang="ko-KR" altLang="en-US" sz="1600" dirty="0" smtClean="0"/>
-              <a:t>웹 브라우저 정보 </a:t>
-            </a:r>
-            <a:r>
-              <a:rPr lang="en-US" altLang="ko-KR" sz="1600" dirty="0" smtClean="0"/>
-              <a:t>– </a:t>
-            </a:r>
-            <a:r>
-              <a:rPr lang="ko-KR" altLang="en-US" sz="1600" dirty="0" smtClean="0"/>
-              <a:t>클라이언트 </a:t>
-            </a:r>
-            <a:r>
-              <a:rPr lang="en-US" altLang="ko-KR" sz="1600" dirty="0" smtClean="0"/>
-              <a:t>IP, </a:t>
-            </a:r>
-            <a:r>
-              <a:rPr lang="ko-KR" altLang="en-US" sz="1600" dirty="0" smtClean="0"/>
-              <a:t>요청 정보길이</a:t>
-            </a:r>
-            <a:r>
-              <a:rPr lang="en-US" altLang="ko-KR" sz="1600" dirty="0" smtClean="0"/>
-              <a:t>, </a:t>
-            </a:r>
-            <a:r>
-              <a:rPr lang="ko-KR" altLang="en-US" sz="1600" dirty="0" smtClean="0"/>
-              <a:t>전송방식</a:t>
-            </a:r>
-            <a:r>
-              <a:rPr lang="en-US" altLang="ko-KR" sz="1600" dirty="0" smtClean="0"/>
-              <a:t>, </a:t>
-            </a:r>
-            <a:r>
-              <a:rPr lang="ko-KR" altLang="en-US" sz="1600" dirty="0" smtClean="0"/>
-              <a:t>요청 </a:t>
-            </a:r>
-            <a:r>
-              <a:rPr lang="en-US" altLang="ko-KR" sz="1600" dirty="0" smtClean="0"/>
-              <a:t>URI </a:t>
-            </a:r>
-            <a:r>
-              <a:rPr lang="ko-KR" altLang="en-US" sz="1600" dirty="0" smtClean="0"/>
-              <a:t>등</a:t>
-            </a:r>
-            <a:endParaRPr lang="en-US" altLang="ko-KR" sz="1600" dirty="0" smtClean="0"/>
-          </a:p>
-          <a:p>
-            <a:pPr>
-              <a:lnSpc>
-                <a:spcPct val="150000"/>
-              </a:lnSpc>
-            </a:pPr>
-            <a:r>
-              <a:rPr lang="ko-KR" altLang="en-US" sz="1600" dirty="0" smtClean="0"/>
-              <a:t>서버 정보 </a:t>
-            </a:r>
-            <a:r>
-              <a:rPr lang="en-US" altLang="ko-KR" sz="1600" dirty="0" smtClean="0"/>
-              <a:t>– </a:t>
-            </a:r>
-            <a:r>
-              <a:rPr lang="ko-KR" altLang="en-US" sz="1600" dirty="0" smtClean="0"/>
-              <a:t>서버 이름과 포트</a:t>
-            </a:r>
-            <a:endParaRPr lang="en-US" altLang="ko-KR" sz="1600" dirty="0" smtClean="0"/>
           </a:p>
         </p:txBody>
       </p:sp>
       <p:pic>
         <p:nvPicPr>
-          <p:cNvPr id="8" name="그림 7"/>
+          <p:cNvPr id="3" name="그림 2"/>
           <p:cNvPicPr>
             <a:picLocks noChangeAspect="1"/>
           </p:cNvPicPr>
@@ -14257,8 +14204,8 @@
         </p:blipFill>
         <p:spPr>
           <a:xfrm>
-            <a:off x="5944344" y="3071145"/>
-            <a:ext cx="3348372" cy="2156024"/>
+            <a:off x="848544" y="2132856"/>
+            <a:ext cx="8479146" cy="3240360"/>
           </a:xfrm>
           <a:prstGeom prst="rect">
             <a:avLst/>
@@ -14272,47 +14219,67 @@
           </a:ln>
         </p:spPr>
       </p:pic>
-      <p:pic>
-        <p:nvPicPr>
-          <p:cNvPr id="2" name="그림 1"/>
-          <p:cNvPicPr>
-            <a:picLocks noChangeAspect="1"/>
-          </p:cNvPicPr>
-          <p:nvPr/>
-        </p:nvPicPr>
-        <p:blipFill>
-          <a:blip r:embed="rId3">
+      <p:sp>
+        <p:nvSpPr>
+          <p:cNvPr id="6" name="모서리가 둥근 직사각형 5">
             <a:extLst>
-              <a:ext uri="{28A0092B-C50C-407E-A947-70E740481C1C}">
-                <a14:useLocalDpi xmlns:a14="http://schemas.microsoft.com/office/drawing/2010/main" val="0"/>
+              <a:ext uri="{FF2B5EF4-FFF2-40B4-BE49-F238E27FC236}">
+                <a16:creationId xmlns:a16="http://schemas.microsoft.com/office/drawing/2014/main" id="{792DA8B4-17B2-454B-97AC-17311A4832C5}"/>
               </a:ext>
             </a:extLst>
-          </a:blip>
-          <a:stretch>
-            <a:fillRect/>
-          </a:stretch>
-        </p:blipFill>
-        <p:spPr>
-          <a:xfrm>
-            <a:off x="1280592" y="3077510"/>
-            <a:ext cx="4381880" cy="1257409"/>
-          </a:xfrm>
-          <a:prstGeom prst="rect">
-            <a:avLst/>
-          </a:prstGeom>
-          <a:ln>
+          </p:cNvPr>
+          <p:cNvSpPr/>
+          <p:nvPr/>
+        </p:nvSpPr>
+        <p:spPr>
+          <a:xfrm>
+            <a:off x="6465168" y="1844824"/>
+            <a:ext cx="2448272" cy="360040"/>
+          </a:xfrm>
+          <a:prstGeom prst="roundRect">
+            <a:avLst/>
+          </a:prstGeom>
+          <a:noFill/>
+          <a:ln w="12700">
             <a:solidFill>
-              <a:schemeClr val="bg1">
-                <a:lumMod val="85000"/>
-              </a:schemeClr>
+              <a:schemeClr val="tx1"/>
             </a:solidFill>
           </a:ln>
         </p:spPr>
-      </p:pic>
+        <p:style>
+          <a:lnRef idx="2">
+            <a:schemeClr val="accent2"/>
+          </a:lnRef>
+          <a:fillRef idx="1">
+            <a:schemeClr val="lt1"/>
+          </a:fillRef>
+          <a:effectRef idx="0">
+            <a:schemeClr val="accent2"/>
+          </a:effectRef>
+          <a:fontRef idx="minor">
+            <a:schemeClr val="dk1"/>
+          </a:fontRef>
+        </p:style>
+        <p:txBody>
+          <a:bodyPr rtlCol="0" anchor="ctr"/>
+          <a:lstStyle/>
+          <a:p>
+            <a:pPr algn="ctr"/>
+            <a:r>
+              <a:rPr lang="en-US" altLang="ko-KR" sz="1600" dirty="0" smtClean="0">
+                <a:solidFill>
+                  <a:sysClr val="windowText" lastClr="000000"/>
+                </a:solidFill>
+              </a:rPr>
+              <a:t>request/header2.jsp</a:t>
+            </a:r>
+          </a:p>
+        </p:txBody>
+      </p:sp>
     </p:spTree>
     <p:extLst>
       <p:ext uri="{BB962C8B-B14F-4D97-AF65-F5344CB8AC3E}">
-        <p14:creationId xmlns:p14="http://schemas.microsoft.com/office/powerpoint/2010/main" val="1467869550"/>
+        <p14:creationId xmlns:p14="http://schemas.microsoft.com/office/powerpoint/2010/main" val="994204076"/>
       </p:ext>
     </p:extLst>
   </p:cSld>

--- a/ppt/jsp_ppt/3장. jsp 내장 객체 및 폼.pptx
+++ b/ppt/jsp_ppt/3장. jsp 내장 객체 및 폼.pptx
@@ -5,7 +5,7 @@
     <p:sldMasterId id="2147483648" r:id="rId1"/>
   </p:sldMasterIdLst>
   <p:notesMasterIdLst>
-    <p:notesMasterId r:id="rId37"/>
+    <p:notesMasterId r:id="rId36"/>
   </p:notesMasterIdLst>
   <p:sldIdLst>
     <p:sldId id="256" r:id="rId2"/>
@@ -34,15 +34,14 @@
     <p:sldId id="397" r:id="rId25"/>
     <p:sldId id="398" r:id="rId26"/>
     <p:sldId id="399" r:id="rId27"/>
-    <p:sldId id="400" r:id="rId28"/>
-    <p:sldId id="402" r:id="rId29"/>
-    <p:sldId id="403" r:id="rId30"/>
-    <p:sldId id="401" r:id="rId31"/>
-    <p:sldId id="404" r:id="rId32"/>
-    <p:sldId id="405" r:id="rId33"/>
-    <p:sldId id="406" r:id="rId34"/>
-    <p:sldId id="409" r:id="rId35"/>
-    <p:sldId id="410" r:id="rId36"/>
+    <p:sldId id="413" r:id="rId28"/>
+    <p:sldId id="414" r:id="rId29"/>
+    <p:sldId id="402" r:id="rId30"/>
+    <p:sldId id="403" r:id="rId31"/>
+    <p:sldId id="401" r:id="rId32"/>
+    <p:sldId id="404" r:id="rId33"/>
+    <p:sldId id="405" r:id="rId34"/>
+    <p:sldId id="406" r:id="rId35"/>
   </p:sldIdLst>
   <p:sldSz cx="9906000" cy="6858000" type="A4"/>
   <p:notesSz cx="6858000" cy="9144000"/>
@@ -9110,19 +9109,11 @@
             </a:r>
             <a:r>
               <a:rPr lang="en-US" altLang="ko-KR" dirty="0" smtClean="0"/>
-              <a:t> </a:t>
-            </a:r>
-            <a:r>
-              <a:rPr lang="en-US" altLang="ko-KR" dirty="0" smtClean="0"/>
-              <a:t>import </a:t>
+              <a:t> import </a:t>
             </a:r>
             <a:r>
               <a:rPr lang="ko-KR" altLang="en-US" dirty="0" smtClean="0"/>
-              <a:t>해서 </a:t>
-            </a:r>
-            <a:r>
-              <a:rPr lang="ko-KR" altLang="en-US" dirty="0" smtClean="0"/>
-              <a:t>구현</a:t>
+              <a:t>해서 구현</a:t>
             </a:r>
             <a:endParaRPr lang="ko-KR" altLang="en-US" dirty="0"/>
           </a:p>
@@ -10199,13 +10190,13 @@
       </p:pic>
       <p:pic>
         <p:nvPicPr>
-          <p:cNvPr id="6" name="그림 5"/>
+          <p:cNvPr id="2" name="그림 1"/>
           <p:cNvPicPr>
             <a:picLocks noChangeAspect="1"/>
           </p:cNvPicPr>
           <p:nvPr/>
         </p:nvPicPr>
-        <p:blipFill>
+        <p:blipFill rotWithShape="1">
           <a:blip r:embed="rId3">
             <a:extLst>
               <a:ext uri="{28A0092B-C50C-407E-A947-70E740481C1C}">
@@ -10213,14 +10204,13 @@
               </a:ext>
             </a:extLst>
           </a:blip>
-          <a:stretch>
-            <a:fillRect/>
-          </a:stretch>
+          <a:srcRect r="17420" b="25806"/>
+          <a:stretch/>
         </p:blipFill>
         <p:spPr>
           <a:xfrm>
-            <a:off x="1245160" y="4437112"/>
-            <a:ext cx="3779848" cy="1478408"/>
+            <a:off x="1397697" y="4340812"/>
+            <a:ext cx="3600401" cy="1679510"/>
           </a:xfrm>
           <a:prstGeom prst="rect">
             <a:avLst/>
@@ -10236,7 +10226,7 @@
       </p:pic>
       <p:pic>
         <p:nvPicPr>
-          <p:cNvPr id="7" name="그림 6"/>
+          <p:cNvPr id="8" name="그림 7"/>
           <p:cNvPicPr>
             <a:picLocks noChangeAspect="1"/>
           </p:cNvPicPr>
@@ -10256,8 +10246,8 @@
         </p:blipFill>
         <p:spPr>
           <a:xfrm>
-            <a:off x="5313040" y="4653136"/>
-            <a:ext cx="4145640" cy="1013548"/>
+            <a:off x="5398909" y="4509120"/>
+            <a:ext cx="4118861" cy="1368152"/>
           </a:xfrm>
           <a:prstGeom prst="rect">
             <a:avLst/>
@@ -10445,7 +10435,7 @@
       </p:sp>
       <p:pic>
         <p:nvPicPr>
-          <p:cNvPr id="4" name="그림 3"/>
+          <p:cNvPr id="2" name="그림 1"/>
           <p:cNvPicPr>
             <a:picLocks noChangeAspect="1"/>
           </p:cNvPicPr>
@@ -10465,8 +10455,8 @@
         </p:blipFill>
         <p:spPr>
           <a:xfrm>
-            <a:off x="1136576" y="2276872"/>
-            <a:ext cx="7405384" cy="2592288"/>
+            <a:off x="1064568" y="1815836"/>
+            <a:ext cx="7358952" cy="3891270"/>
           </a:xfrm>
           <a:prstGeom prst="rect">
             <a:avLst/>
@@ -10494,8 +10484,8 @@
         </p:nvSpPr>
         <p:spPr>
           <a:xfrm>
-            <a:off x="6597744" y="1815836"/>
-            <a:ext cx="1944216" cy="317650"/>
+            <a:off x="7041232" y="1988840"/>
+            <a:ext cx="2232248" cy="317650"/>
           </a:xfrm>
           <a:prstGeom prst="roundRect">
             <a:avLst/>
@@ -10532,7 +10522,7 @@
                   <a:sysClr val="windowText" lastClr="000000"/>
                 </a:solidFill>
               </a:rPr>
-              <a:t>get/</a:t>
+              <a:t>request/</a:t>
             </a:r>
             <a:r>
               <a:rPr lang="en-US" altLang="ko-KR" sz="1600" dirty="0" err="1" smtClean="0">
@@ -10589,54 +10579,7 @@
       </p:grpSpPr>
       <p:sp>
         <p:nvSpPr>
-          <p:cNvPr id="10" name="TextBox 9"/>
-          <p:cNvSpPr txBox="1"/>
-          <p:nvPr/>
-        </p:nvSpPr>
-        <p:spPr>
-          <a:xfrm>
-            <a:off x="776536" y="980728"/>
-            <a:ext cx="8496944" cy="494494"/>
-          </a:xfrm>
-          <a:prstGeom prst="rect">
-            <a:avLst/>
-          </a:prstGeom>
-          <a:noFill/>
-        </p:spPr>
-        <p:txBody>
-          <a:bodyPr wrap="square" rtlCol="0">
-            <a:spAutoFit/>
-          </a:bodyPr>
-          <a:lstStyle/>
-          <a:p>
-            <a:pPr>
-              <a:lnSpc>
-                <a:spcPct val="150000"/>
-              </a:lnSpc>
-            </a:pPr>
-            <a:r>
-              <a:rPr lang="en-US" altLang="ko-KR" sz="2000" b="1" dirty="0" smtClean="0"/>
-              <a:t>JSP</a:t>
-            </a:r>
-            <a:r>
-              <a:rPr lang="ko-KR" altLang="en-US" sz="2000" b="1" dirty="0" smtClean="0"/>
-              <a:t>에서 쿼리 </a:t>
-            </a:r>
-            <a:r>
-              <a:rPr lang="ko-KR" altLang="en-US" sz="2000" b="1" dirty="0" err="1" smtClean="0"/>
-              <a:t>스트링</a:t>
-            </a:r>
-            <a:r>
-              <a:rPr lang="ko-KR" altLang="en-US" sz="2000" b="1" dirty="0" smtClean="0"/>
-              <a:t> 링크하기</a:t>
-            </a:r>
-            <a:endParaRPr lang="en-US" altLang="ko-KR" sz="2000" b="1" dirty="0" smtClean="0"/>
-          </a:p>
-        </p:txBody>
-      </p:sp>
-      <p:sp>
-        <p:nvSpPr>
-          <p:cNvPr id="6" name="제목 5"/>
+          <p:cNvPr id="15" name="제목 5"/>
           <p:cNvSpPr txBox="1">
             <a:spLocks/>
           </p:cNvSpPr>
@@ -10645,7 +10588,7 @@
         <p:spPr>
           <a:xfrm>
             <a:off x="0" y="-27384"/>
-            <a:ext cx="8337376" cy="854968"/>
+            <a:ext cx="7995338" cy="854968"/>
           </a:xfrm>
           <a:prstGeom prst="rect">
             <a:avLst/>
@@ -10676,37 +10619,43 @@
             </a:r>
             <a:r>
               <a:rPr lang="ko-KR" altLang="en-US" dirty="0"/>
-              <a:t> </a:t>
-            </a:r>
-            <a:r>
-              <a:rPr lang="en-US" altLang="ko-KR" b="1" dirty="0" smtClean="0">
-                <a:latin typeface="휴먼엑스포" panose="02030504000101010101" pitchFamily="18" charset="-127"/>
-                <a:ea typeface="휴먼엑스포" panose="02030504000101010101" pitchFamily="18" charset="-127"/>
-              </a:rPr>
-              <a:t>Get</a:t>
-            </a:r>
-            <a:r>
-              <a:rPr lang="ko-KR" altLang="en-US" b="1" dirty="0" smtClean="0">
-                <a:latin typeface="휴먼엑스포" panose="02030504000101010101" pitchFamily="18" charset="-127"/>
-                <a:ea typeface="휴먼엑스포" panose="02030504000101010101" pitchFamily="18" charset="-127"/>
-              </a:rPr>
-              <a:t>과 </a:t>
-            </a:r>
-            <a:r>
-              <a:rPr lang="en-US" altLang="ko-KR" b="1" dirty="0" smtClean="0">
-                <a:latin typeface="휴먼엑스포" panose="02030504000101010101" pitchFamily="18" charset="-127"/>
-                <a:ea typeface="휴먼엑스포" panose="02030504000101010101" pitchFamily="18" charset="-127"/>
-              </a:rPr>
-              <a:t>Post </a:t>
-            </a:r>
-            <a:r>
-              <a:rPr lang="ko-KR" altLang="en-US" b="1" dirty="0" smtClean="0">
-                <a:latin typeface="휴먼엑스포" panose="02030504000101010101" pitchFamily="18" charset="-127"/>
-                <a:ea typeface="휴먼엑스포" panose="02030504000101010101" pitchFamily="18" charset="-127"/>
-              </a:rPr>
-              <a:t>방식</a:t>
-            </a:r>
-            <a:endParaRPr lang="ko-KR" altLang="en-US" dirty="0"/>
+              <a:t> 폼 데이터 처리</a:t>
+            </a:r>
+          </a:p>
+        </p:txBody>
+      </p:sp>
+      <p:sp>
+        <p:nvSpPr>
+          <p:cNvPr id="11" name="TextBox 10"/>
+          <p:cNvSpPr txBox="1"/>
+          <p:nvPr/>
+        </p:nvSpPr>
+        <p:spPr>
+          <a:xfrm>
+            <a:off x="992560" y="1056186"/>
+            <a:ext cx="8280920" cy="494494"/>
+          </a:xfrm>
+          <a:prstGeom prst="rect">
+            <a:avLst/>
+          </a:prstGeom>
+          <a:noFill/>
+        </p:spPr>
+        <p:txBody>
+          <a:bodyPr wrap="square" rtlCol="0">
+            <a:spAutoFit/>
+          </a:bodyPr>
+          <a:lstStyle/>
+          <a:p>
+            <a:pPr>
+              <a:lnSpc>
+                <a:spcPct val="150000"/>
+              </a:lnSpc>
+            </a:pPr>
+            <a:r>
+              <a:rPr lang="ko-KR" altLang="en-US" sz="2000" b="1" dirty="0" smtClean="0"/>
+              <a:t>다중 선택 처리 실습 문제</a:t>
+            </a:r>
+            <a:endParaRPr lang="en-US" altLang="ko-KR" sz="2000" b="1" dirty="0" smtClean="0"/>
           </a:p>
         </p:txBody>
       </p:sp>
@@ -10732,8 +10681,8 @@
         </p:blipFill>
         <p:spPr>
           <a:xfrm>
-            <a:off x="1352600" y="3789038"/>
-            <a:ext cx="5982219" cy="975445"/>
+            <a:off x="1280592" y="1988840"/>
+            <a:ext cx="4122778" cy="1211685"/>
           </a:xfrm>
           <a:prstGeom prst="rect">
             <a:avLst/>
@@ -10749,7 +10698,7 @@
       </p:pic>
       <p:pic>
         <p:nvPicPr>
-          <p:cNvPr id="5" name="그림 4"/>
+          <p:cNvPr id="4" name="그림 3"/>
           <p:cNvPicPr>
             <a:picLocks noChangeAspect="1"/>
           </p:cNvPicPr>
@@ -10769,8 +10718,8 @@
         </p:blipFill>
         <p:spPr>
           <a:xfrm>
-            <a:off x="1352600" y="1772816"/>
-            <a:ext cx="3505504" cy="1676545"/>
+            <a:off x="1280592" y="3472814"/>
+            <a:ext cx="7992888" cy="1871613"/>
           </a:xfrm>
           <a:prstGeom prst="rect">
             <a:avLst/>
@@ -10784,117 +10733,10 @@
           </a:ln>
         </p:spPr>
       </p:pic>
-      <p:pic>
-        <p:nvPicPr>
-          <p:cNvPr id="7" name="그림 6"/>
-          <p:cNvPicPr>
-            <a:picLocks noChangeAspect="1"/>
-          </p:cNvPicPr>
-          <p:nvPr/>
-        </p:nvPicPr>
-        <p:blipFill>
-          <a:blip r:embed="rId4">
-            <a:extLst>
-              <a:ext uri="{28A0092B-C50C-407E-A947-70E740481C1C}">
-                <a14:useLocalDpi xmlns:a14="http://schemas.microsoft.com/office/drawing/2010/main" val="0"/>
-              </a:ext>
-            </a:extLst>
-          </a:blip>
-          <a:stretch>
-            <a:fillRect/>
-          </a:stretch>
-        </p:blipFill>
-        <p:spPr>
-          <a:xfrm>
-            <a:off x="3112973" y="5013176"/>
-            <a:ext cx="4221846" cy="1265030"/>
-          </a:xfrm>
-          <a:prstGeom prst="rect">
-            <a:avLst/>
-          </a:prstGeom>
-          <a:ln>
-            <a:solidFill>
-              <a:schemeClr val="bg1">
-                <a:lumMod val="85000"/>
-              </a:schemeClr>
-            </a:solidFill>
-          </a:ln>
-        </p:spPr>
-      </p:pic>
-      <p:sp>
-        <p:nvSpPr>
-          <p:cNvPr id="8" name="모서리가 둥근 직사각형 7">
-            <a:extLst>
-              <a:ext uri="{FF2B5EF4-FFF2-40B4-BE49-F238E27FC236}">
-                <a16:creationId xmlns:a16="http://schemas.microsoft.com/office/drawing/2014/main" id="{792DA8B4-17B2-454B-97AC-17311A4832C5}"/>
-              </a:ext>
-            </a:extLst>
-          </p:cNvPr>
-          <p:cNvSpPr/>
-          <p:nvPr/>
-        </p:nvSpPr>
-        <p:spPr>
-          <a:xfrm>
-            <a:off x="5390603" y="3290536"/>
-            <a:ext cx="1944216" cy="317650"/>
-          </a:xfrm>
-          <a:prstGeom prst="roundRect">
-            <a:avLst/>
-          </a:prstGeom>
-          <a:noFill/>
-          <a:ln w="12700">
-            <a:solidFill>
-              <a:schemeClr val="tx1"/>
-            </a:solidFill>
-          </a:ln>
-        </p:spPr>
-        <p:style>
-          <a:lnRef idx="2">
-            <a:schemeClr val="accent2"/>
-          </a:lnRef>
-          <a:fillRef idx="1">
-            <a:schemeClr val="lt1"/>
-          </a:fillRef>
-          <a:effectRef idx="0">
-            <a:schemeClr val="accent2"/>
-          </a:effectRef>
-          <a:fontRef idx="minor">
-            <a:schemeClr val="dk1"/>
-          </a:fontRef>
-        </p:style>
-        <p:txBody>
-          <a:bodyPr rtlCol="0" anchor="ctr"/>
-          <a:lstStyle/>
-          <a:p>
-            <a:pPr algn="ctr"/>
-            <a:r>
-              <a:rPr lang="en-US" altLang="ko-KR" sz="1600" dirty="0" smtClean="0">
-                <a:solidFill>
-                  <a:sysClr val="windowText" lastClr="000000"/>
-                </a:solidFill>
-              </a:rPr>
-              <a:t>get/</a:t>
-            </a:r>
-            <a:r>
-              <a:rPr lang="en-US" altLang="ko-KR" sz="1600" dirty="0" err="1" smtClean="0">
-                <a:solidFill>
-                  <a:sysClr val="windowText" lastClr="000000"/>
-                </a:solidFill>
-              </a:rPr>
-              <a:t>hello.jsp</a:t>
-            </a:r>
-            <a:endParaRPr lang="en-US" altLang="ko-KR" sz="1600" dirty="0" smtClean="0">
-              <a:solidFill>
-                <a:sysClr val="windowText" lastClr="000000"/>
-              </a:solidFill>
-            </a:endParaRPr>
-          </a:p>
-        </p:txBody>
-      </p:sp>
     </p:spTree>
     <p:extLst>
       <p:ext uri="{BB962C8B-B14F-4D97-AF65-F5344CB8AC3E}">
-        <p14:creationId xmlns:p14="http://schemas.microsoft.com/office/powerpoint/2010/main" val="755884637"/>
+        <p14:creationId xmlns:p14="http://schemas.microsoft.com/office/powerpoint/2010/main" val="2620649662"/>
       </p:ext>
     </p:extLst>
   </p:cSld>
@@ -11004,77 +10846,15 @@
             </a:pPr>
             <a:r>
               <a:rPr lang="ko-KR" altLang="en-US" sz="2000" b="1" dirty="0" smtClean="0"/>
-              <a:t>폼 데이터 처리</a:t>
+              <a:t>다중 선택 처리 실습 문제</a:t>
             </a:r>
             <a:endParaRPr lang="en-US" altLang="ko-KR" sz="2000" b="1" dirty="0" smtClean="0"/>
-          </a:p>
-        </p:txBody>
-      </p:sp>
-      <p:sp>
-        <p:nvSpPr>
-          <p:cNvPr id="7" name="모서리가 둥근 직사각형 6">
-            <a:extLst>
-              <a:ext uri="{FF2B5EF4-FFF2-40B4-BE49-F238E27FC236}">
-                <a16:creationId xmlns:a16="http://schemas.microsoft.com/office/drawing/2014/main" id="{792DA8B4-17B2-454B-97AC-17311A4832C5}"/>
-              </a:ext>
-            </a:extLst>
-          </p:cNvPr>
-          <p:cNvSpPr/>
-          <p:nvPr/>
-        </p:nvSpPr>
-        <p:spPr>
-          <a:xfrm>
-            <a:off x="1352599" y="1661053"/>
-            <a:ext cx="1656185" cy="317650"/>
-          </a:xfrm>
-          <a:prstGeom prst="roundRect">
-            <a:avLst/>
-          </a:prstGeom>
-          <a:noFill/>
-          <a:ln w="12700">
-            <a:solidFill>
-              <a:schemeClr val="tx1"/>
-            </a:solidFill>
-          </a:ln>
-        </p:spPr>
-        <p:style>
-          <a:lnRef idx="2">
-            <a:schemeClr val="accent2"/>
-          </a:lnRef>
-          <a:fillRef idx="1">
-            <a:schemeClr val="lt1"/>
-          </a:fillRef>
-          <a:effectRef idx="0">
-            <a:schemeClr val="accent2"/>
-          </a:effectRef>
-          <a:fontRef idx="minor">
-            <a:schemeClr val="dk1"/>
-          </a:fontRef>
-        </p:style>
-        <p:txBody>
-          <a:bodyPr rtlCol="0" anchor="ctr"/>
-          <a:lstStyle/>
-          <a:p>
-            <a:pPr algn="ctr"/>
-            <a:r>
-              <a:rPr lang="en-US" altLang="ko-KR" sz="1600" dirty="0" err="1" smtClean="0">
-                <a:solidFill>
-                  <a:sysClr val="windowText" lastClr="000000"/>
-                </a:solidFill>
-              </a:rPr>
-              <a:t>joinForm.jsp</a:t>
-            </a:r>
-            <a:endParaRPr lang="en-US" altLang="ko-KR" sz="1600" dirty="0" smtClean="0">
-              <a:solidFill>
-                <a:sysClr val="windowText" lastClr="000000"/>
-              </a:solidFill>
-            </a:endParaRPr>
           </a:p>
         </p:txBody>
       </p:sp>
       <p:pic>
         <p:nvPicPr>
-          <p:cNvPr id="6" name="그림 5"/>
+          <p:cNvPr id="2" name="그림 1"/>
           <p:cNvPicPr>
             <a:picLocks noChangeAspect="1"/>
           </p:cNvPicPr>
@@ -11094,8 +10874,8 @@
         </p:blipFill>
         <p:spPr>
           <a:xfrm>
-            <a:off x="1352600" y="2132856"/>
-            <a:ext cx="7060220" cy="3933462"/>
+            <a:off x="1424608" y="1916832"/>
+            <a:ext cx="4656224" cy="1295512"/>
           </a:xfrm>
           <a:prstGeom prst="rect">
             <a:avLst/>
@@ -11109,10 +10889,47 @@
           </a:ln>
         </p:spPr>
       </p:pic>
+      <p:pic>
+        <p:nvPicPr>
+          <p:cNvPr id="5" name="그림 4"/>
+          <p:cNvPicPr>
+            <a:picLocks noChangeAspect="1"/>
+          </p:cNvPicPr>
+          <p:nvPr/>
+        </p:nvPicPr>
+        <p:blipFill>
+          <a:blip r:embed="rId3">
+            <a:extLst>
+              <a:ext uri="{28A0092B-C50C-407E-A947-70E740481C1C}">
+                <a14:useLocalDpi xmlns:a14="http://schemas.microsoft.com/office/drawing/2010/main" val="0"/>
+              </a:ext>
+            </a:extLst>
+          </a:blip>
+          <a:stretch>
+            <a:fillRect/>
+          </a:stretch>
+        </p:blipFill>
+        <p:spPr>
+          <a:xfrm>
+            <a:off x="1424608" y="3394315"/>
+            <a:ext cx="6048672" cy="2674441"/>
+          </a:xfrm>
+          <a:prstGeom prst="rect">
+            <a:avLst/>
+          </a:prstGeom>
+          <a:ln>
+            <a:solidFill>
+              <a:schemeClr val="bg1">
+                <a:lumMod val="85000"/>
+              </a:schemeClr>
+            </a:solidFill>
+          </a:ln>
+        </p:spPr>
+      </p:pic>
     </p:spTree>
     <p:extLst>
       <p:ext uri="{BB962C8B-B14F-4D97-AF65-F5344CB8AC3E}">
-        <p14:creationId xmlns:p14="http://schemas.microsoft.com/office/powerpoint/2010/main" val="1291850896"/>
+        <p14:creationId xmlns:p14="http://schemas.microsoft.com/office/powerpoint/2010/main" val="3449844133"/>
       </p:ext>
     </p:extLst>
   </p:cSld>
@@ -11292,7 +11109,7 @@
       </p:sp>
       <p:pic>
         <p:nvPicPr>
-          <p:cNvPr id="4" name="그림 3"/>
+          <p:cNvPr id="6" name="그림 5"/>
           <p:cNvPicPr>
             <a:picLocks noChangeAspect="1"/>
           </p:cNvPicPr>
@@ -11312,8 +11129,8 @@
         </p:blipFill>
         <p:spPr>
           <a:xfrm>
-            <a:off x="848544" y="2132856"/>
-            <a:ext cx="8315739" cy="3660806"/>
+            <a:off x="1352600" y="2132856"/>
+            <a:ext cx="7060220" cy="3933462"/>
           </a:xfrm>
           <a:prstGeom prst="rect">
             <a:avLst/>
@@ -11330,7 +11147,7 @@
     </p:spTree>
     <p:extLst>
       <p:ext uri="{BB962C8B-B14F-4D97-AF65-F5344CB8AC3E}">
-        <p14:creationId xmlns:p14="http://schemas.microsoft.com/office/powerpoint/2010/main" val="3728096814"/>
+        <p14:creationId xmlns:p14="http://schemas.microsoft.com/office/powerpoint/2010/main" val="1291850896"/>
       </p:ext>
     </p:extLst>
   </p:cSld>
@@ -11652,13 +11469,8 @@
             </a:r>
             <a:r>
               <a:rPr lang="ko-KR" altLang="en-US" dirty="0"/>
-              <a:t> </a:t>
-            </a:r>
-            <a:r>
-              <a:rPr lang="ko-KR" altLang="en-US" dirty="0" smtClean="0"/>
-              <a:t>폼 데이터 처리</a:t>
-            </a:r>
-            <a:endParaRPr lang="ko-KR" altLang="en-US" dirty="0"/>
+              <a:t> 폼 데이터 처리</a:t>
+            </a:r>
           </a:p>
         </p:txBody>
       </p:sp>
@@ -11697,80 +11509,6 @@
           </a:p>
         </p:txBody>
       </p:sp>
-      <p:pic>
-        <p:nvPicPr>
-          <p:cNvPr id="2" name="그림 1"/>
-          <p:cNvPicPr>
-            <a:picLocks noChangeAspect="1"/>
-          </p:cNvPicPr>
-          <p:nvPr/>
-        </p:nvPicPr>
-        <p:blipFill>
-          <a:blip r:embed="rId2">
-            <a:extLst>
-              <a:ext uri="{28A0092B-C50C-407E-A947-70E740481C1C}">
-                <a14:useLocalDpi xmlns:a14="http://schemas.microsoft.com/office/drawing/2010/main" val="0"/>
-              </a:ext>
-            </a:extLst>
-          </a:blip>
-          <a:stretch>
-            <a:fillRect/>
-          </a:stretch>
-        </p:blipFill>
-        <p:spPr>
-          <a:xfrm>
-            <a:off x="1568624" y="1772816"/>
-            <a:ext cx="3223540" cy="3917020"/>
-          </a:xfrm>
-          <a:prstGeom prst="rect">
-            <a:avLst/>
-          </a:prstGeom>
-          <a:ln>
-            <a:solidFill>
-              <a:schemeClr val="bg1">
-                <a:lumMod val="85000"/>
-              </a:schemeClr>
-            </a:solidFill>
-          </a:ln>
-        </p:spPr>
-      </p:pic>
-      <p:pic>
-        <p:nvPicPr>
-          <p:cNvPr id="5" name="그림 4"/>
-          <p:cNvPicPr>
-            <a:picLocks noChangeAspect="1"/>
-          </p:cNvPicPr>
-          <p:nvPr/>
-        </p:nvPicPr>
-        <p:blipFill>
-          <a:blip r:embed="rId3">
-            <a:extLst>
-              <a:ext uri="{28A0092B-C50C-407E-A947-70E740481C1C}">
-                <a14:useLocalDpi xmlns:a14="http://schemas.microsoft.com/office/drawing/2010/main" val="0"/>
-              </a:ext>
-            </a:extLst>
-          </a:blip>
-          <a:stretch>
-            <a:fillRect/>
-          </a:stretch>
-        </p:blipFill>
-        <p:spPr>
-          <a:xfrm>
-            <a:off x="5336400" y="2276872"/>
-            <a:ext cx="4061812" cy="2651990"/>
-          </a:xfrm>
-          <a:prstGeom prst="rect">
-            <a:avLst/>
-          </a:prstGeom>
-          <a:ln>
-            <a:solidFill>
-              <a:schemeClr val="bg1">
-                <a:lumMod val="85000"/>
-              </a:schemeClr>
-            </a:solidFill>
-          </a:ln>
-        </p:spPr>
-      </p:pic>
       <p:sp>
         <p:nvSpPr>
           <p:cNvPr id="7" name="모서리가 둥근 직사각형 6">
@@ -11785,18 +11523,17 @@
         </p:nvSpPr>
         <p:spPr>
           <a:xfrm>
-            <a:off x="5097016" y="4058208"/>
-            <a:ext cx="1872208" cy="360040"/>
+            <a:off x="1352599" y="1661053"/>
+            <a:ext cx="1656185" cy="317650"/>
           </a:xfrm>
           <a:prstGeom prst="roundRect">
             <a:avLst/>
           </a:prstGeom>
           <a:noFill/>
-          <a:ln>
+          <a:ln w="12700">
             <a:solidFill>
-              <a:srgbClr val="C00000"/>
+              <a:schemeClr val="tx1"/>
             </a:solidFill>
-            <a:prstDash val="sysDot"/>
           </a:ln>
         </p:spPr>
         <p:style>
@@ -11818,7 +11555,15 @@
           <a:lstStyle/>
           <a:p>
             <a:pPr algn="ctr"/>
-            <a:endParaRPr lang="ko-KR" altLang="en-US" sz="1300" dirty="0">
+            <a:r>
+              <a:rPr lang="en-US" altLang="ko-KR" sz="1600" dirty="0" err="1" smtClean="0">
+                <a:solidFill>
+                  <a:sysClr val="windowText" lastClr="000000"/>
+                </a:solidFill>
+              </a:rPr>
+              <a:t>joinForm.jsp</a:t>
+            </a:r>
+            <a:endParaRPr lang="en-US" altLang="ko-KR" sz="1600" dirty="0" smtClean="0">
               <a:solidFill>
                 <a:sysClr val="windowText" lastClr="000000"/>
               </a:solidFill>
@@ -11826,10 +11571,47 @@
           </a:p>
         </p:txBody>
       </p:sp>
+      <p:pic>
+        <p:nvPicPr>
+          <p:cNvPr id="4" name="그림 3"/>
+          <p:cNvPicPr>
+            <a:picLocks noChangeAspect="1"/>
+          </p:cNvPicPr>
+          <p:nvPr/>
+        </p:nvPicPr>
+        <p:blipFill>
+          <a:blip r:embed="rId2">
+            <a:extLst>
+              <a:ext uri="{28A0092B-C50C-407E-A947-70E740481C1C}">
+                <a14:useLocalDpi xmlns:a14="http://schemas.microsoft.com/office/drawing/2010/main" val="0"/>
+              </a:ext>
+            </a:extLst>
+          </a:blip>
+          <a:stretch>
+            <a:fillRect/>
+          </a:stretch>
+        </p:blipFill>
+        <p:spPr>
+          <a:xfrm>
+            <a:off x="848544" y="2132856"/>
+            <a:ext cx="8315739" cy="3660806"/>
+          </a:xfrm>
+          <a:prstGeom prst="rect">
+            <a:avLst/>
+          </a:prstGeom>
+          <a:ln>
+            <a:solidFill>
+              <a:schemeClr val="bg1">
+                <a:lumMod val="85000"/>
+              </a:schemeClr>
+            </a:solidFill>
+          </a:ln>
+        </p:spPr>
+      </p:pic>
     </p:spTree>
     <p:extLst>
       <p:ext uri="{BB962C8B-B14F-4D97-AF65-F5344CB8AC3E}">
-        <p14:creationId xmlns:p14="http://schemas.microsoft.com/office/powerpoint/2010/main" val="1890127307"/>
+        <p14:creationId xmlns:p14="http://schemas.microsoft.com/office/powerpoint/2010/main" val="3728096814"/>
       </p:ext>
     </p:extLst>
   </p:cSld>
@@ -11905,8 +11687,13 @@
             </a:r>
             <a:r>
               <a:rPr lang="ko-KR" altLang="en-US" dirty="0"/>
-              <a:t> 폼 데이터 처리</a:t>
-            </a:r>
+              <a:t> </a:t>
+            </a:r>
+            <a:r>
+              <a:rPr lang="ko-KR" altLang="en-US" dirty="0" smtClean="0"/>
+              <a:t>폼 데이터 처리</a:t>
+            </a:r>
+            <a:endParaRPr lang="ko-KR" altLang="en-US" dirty="0"/>
           </a:p>
         </p:txBody>
       </p:sp>
@@ -11945,9 +11732,83 @@
           </a:p>
         </p:txBody>
       </p:sp>
-      <p:sp>
-        <p:nvSpPr>
-          <p:cNvPr id="5" name="모서리가 둥근 직사각형 4">
+      <p:pic>
+        <p:nvPicPr>
+          <p:cNvPr id="2" name="그림 1"/>
+          <p:cNvPicPr>
+            <a:picLocks noChangeAspect="1"/>
+          </p:cNvPicPr>
+          <p:nvPr/>
+        </p:nvPicPr>
+        <p:blipFill>
+          <a:blip r:embed="rId2">
+            <a:extLst>
+              <a:ext uri="{28A0092B-C50C-407E-A947-70E740481C1C}">
+                <a14:useLocalDpi xmlns:a14="http://schemas.microsoft.com/office/drawing/2010/main" val="0"/>
+              </a:ext>
+            </a:extLst>
+          </a:blip>
+          <a:stretch>
+            <a:fillRect/>
+          </a:stretch>
+        </p:blipFill>
+        <p:spPr>
+          <a:xfrm>
+            <a:off x="1568624" y="1772816"/>
+            <a:ext cx="3223540" cy="3917020"/>
+          </a:xfrm>
+          <a:prstGeom prst="rect">
+            <a:avLst/>
+          </a:prstGeom>
+          <a:ln>
+            <a:solidFill>
+              <a:schemeClr val="bg1">
+                <a:lumMod val="85000"/>
+              </a:schemeClr>
+            </a:solidFill>
+          </a:ln>
+        </p:spPr>
+      </p:pic>
+      <p:pic>
+        <p:nvPicPr>
+          <p:cNvPr id="5" name="그림 4"/>
+          <p:cNvPicPr>
+            <a:picLocks noChangeAspect="1"/>
+          </p:cNvPicPr>
+          <p:nvPr/>
+        </p:nvPicPr>
+        <p:blipFill>
+          <a:blip r:embed="rId3">
+            <a:extLst>
+              <a:ext uri="{28A0092B-C50C-407E-A947-70E740481C1C}">
+                <a14:useLocalDpi xmlns:a14="http://schemas.microsoft.com/office/drawing/2010/main" val="0"/>
+              </a:ext>
+            </a:extLst>
+          </a:blip>
+          <a:stretch>
+            <a:fillRect/>
+          </a:stretch>
+        </p:blipFill>
+        <p:spPr>
+          <a:xfrm>
+            <a:off x="5336400" y="2276872"/>
+            <a:ext cx="4061812" cy="2651990"/>
+          </a:xfrm>
+          <a:prstGeom prst="rect">
+            <a:avLst/>
+          </a:prstGeom>
+          <a:ln>
+            <a:solidFill>
+              <a:schemeClr val="bg1">
+                <a:lumMod val="85000"/>
+              </a:schemeClr>
+            </a:solidFill>
+          </a:ln>
+        </p:spPr>
+      </p:pic>
+      <p:sp>
+        <p:nvSpPr>
+          <p:cNvPr id="7" name="모서리가 둥근 직사각형 6">
             <a:extLst>
               <a:ext uri="{FF2B5EF4-FFF2-40B4-BE49-F238E27FC236}">
                 <a16:creationId xmlns:a16="http://schemas.microsoft.com/office/drawing/2014/main" id="{792DA8B4-17B2-454B-97AC-17311A4832C5}"/>
@@ -11959,17 +11820,18 @@
         </p:nvSpPr>
         <p:spPr>
           <a:xfrm>
-            <a:off x="4969970" y="1504866"/>
-            <a:ext cx="1959971" cy="317650"/>
+            <a:off x="5097016" y="4058208"/>
+            <a:ext cx="1872208" cy="360040"/>
           </a:xfrm>
           <a:prstGeom prst="roundRect">
             <a:avLst/>
           </a:prstGeom>
           <a:noFill/>
-          <a:ln w="12700">
+          <a:ln>
             <a:solidFill>
-              <a:schemeClr val="tx1"/>
+              <a:srgbClr val="C00000"/>
             </a:solidFill>
+            <a:prstDash val="sysDot"/>
           </a:ln>
         </p:spPr>
         <p:style>
@@ -11991,15 +11853,7 @@
           <a:lstStyle/>
           <a:p>
             <a:pPr algn="ctr"/>
-            <a:r>
-              <a:rPr lang="en-US" altLang="ko-KR" sz="1600" dirty="0" err="1" smtClean="0">
-                <a:solidFill>
-                  <a:sysClr val="windowText" lastClr="000000"/>
-                </a:solidFill>
-              </a:rPr>
-              <a:t>JoinProcess.jsp</a:t>
-            </a:r>
-            <a:endParaRPr lang="en-US" altLang="ko-KR" sz="1600" dirty="0" smtClean="0">
+            <a:endParaRPr lang="ko-KR" altLang="en-US" sz="1300" dirty="0">
               <a:solidFill>
                 <a:sysClr val="windowText" lastClr="000000"/>
               </a:solidFill>
@@ -12007,48 +11861,10 @@
           </a:p>
         </p:txBody>
       </p:sp>
-      <p:pic>
-        <p:nvPicPr>
-          <p:cNvPr id="3" name="그림 2"/>
-          <p:cNvPicPr>
-            <a:picLocks noChangeAspect="1"/>
-          </p:cNvPicPr>
-          <p:nvPr/>
-        </p:nvPicPr>
-        <p:blipFill>
-          <a:blip r:embed="rId2">
-            <a:extLst>
-              <a:ext uri="{28A0092B-C50C-407E-A947-70E740481C1C}">
-                <a14:useLocalDpi xmlns:a14="http://schemas.microsoft.com/office/drawing/2010/main" val="0"/>
-              </a:ext>
-            </a:extLst>
-          </a:blip>
-          <a:stretch>
-            <a:fillRect/>
-          </a:stretch>
-        </p:blipFill>
-        <p:spPr>
-          <a:xfrm>
-            <a:off x="1569098" y="1916832"/>
-            <a:ext cx="5387211" cy="4368192"/>
-          </a:xfrm>
-          <a:prstGeom prst="rect">
-            <a:avLst/>
-          </a:prstGeom>
-          <a:ln>
-            <a:solidFill>
-              <a:schemeClr val="accent5">
-                <a:lumMod val="20000"/>
-                <a:lumOff val="80000"/>
-              </a:schemeClr>
-            </a:solidFill>
-          </a:ln>
-        </p:spPr>
-      </p:pic>
     </p:spTree>
     <p:extLst>
       <p:ext uri="{BB962C8B-B14F-4D97-AF65-F5344CB8AC3E}">
-        <p14:creationId xmlns:p14="http://schemas.microsoft.com/office/powerpoint/2010/main" val="2805783387"/>
+        <p14:creationId xmlns:p14="http://schemas.microsoft.com/office/powerpoint/2010/main" val="1890127307"/>
       </p:ext>
     </p:extLst>
   </p:cSld>
@@ -12138,7 +11954,7 @@
         <p:spPr>
           <a:xfrm>
             <a:off x="992560" y="1056186"/>
-            <a:ext cx="8280920" cy="553998"/>
+            <a:ext cx="8280920" cy="494494"/>
           </a:xfrm>
           <a:prstGeom prst="rect">
             <a:avLst/>
@@ -12157,81 +11973,16 @@
               </a:lnSpc>
             </a:pPr>
             <a:r>
-              <a:rPr lang="en-US" altLang="ko-KR" sz="2000" b="1" dirty="0" smtClean="0"/>
-              <a:t>Hobby </a:t>
-            </a:r>
-            <a:r>
               <a:rPr lang="ko-KR" altLang="en-US" sz="2000" b="1" dirty="0" smtClean="0"/>
-              <a:t>항목 </a:t>
-            </a:r>
-            <a:r>
-              <a:rPr lang="en-US" altLang="ko-KR" sz="2000" b="1" dirty="0" smtClean="0"/>
-              <a:t>– </a:t>
-            </a:r>
-            <a:r>
-              <a:rPr lang="ko-KR" altLang="en-US" sz="2000" b="1" dirty="0" smtClean="0"/>
-              <a:t>배열 </a:t>
-            </a:r>
-            <a:r>
-              <a:rPr lang="en-US" altLang="ko-KR" sz="2000" b="1" dirty="0" smtClean="0"/>
-              <a:t>: </a:t>
-            </a:r>
-            <a:r>
-              <a:rPr lang="en-US" altLang="ko-KR" sz="2000" b="1" dirty="0" err="1" smtClean="0"/>
-              <a:t>getParameterValues</a:t>
-            </a:r>
-            <a:r>
-              <a:rPr lang="en-US" altLang="ko-KR" sz="2000" b="1" dirty="0" smtClean="0"/>
-              <a:t>() </a:t>
-            </a:r>
-            <a:r>
-              <a:rPr lang="ko-KR" altLang="en-US" sz="2000" b="1" dirty="0" err="1" smtClean="0"/>
-              <a:t>메서드</a:t>
+              <a:t>폼 데이터 처리</a:t>
             </a:r>
             <a:endParaRPr lang="en-US" altLang="ko-KR" sz="2000" b="1" dirty="0" smtClean="0"/>
           </a:p>
         </p:txBody>
       </p:sp>
-      <p:pic>
-        <p:nvPicPr>
-          <p:cNvPr id="3" name="그림 2"/>
-          <p:cNvPicPr>
-            <a:picLocks noChangeAspect="1"/>
-          </p:cNvPicPr>
-          <p:nvPr/>
-        </p:nvPicPr>
-        <p:blipFill>
-          <a:blip r:embed="rId2">
-            <a:extLst>
-              <a:ext uri="{28A0092B-C50C-407E-A947-70E740481C1C}">
-                <a14:useLocalDpi xmlns:a14="http://schemas.microsoft.com/office/drawing/2010/main" val="0"/>
-              </a:ext>
-            </a:extLst>
-          </a:blip>
-          <a:stretch>
-            <a:fillRect/>
-          </a:stretch>
-        </p:blipFill>
-        <p:spPr>
-          <a:xfrm>
-            <a:off x="776536" y="1844824"/>
-            <a:ext cx="7861903" cy="3575388"/>
-          </a:xfrm>
-          <a:prstGeom prst="rect">
-            <a:avLst/>
-          </a:prstGeom>
-          <a:ln>
-            <a:solidFill>
-              <a:schemeClr val="bg1">
-                <a:lumMod val="85000"/>
-              </a:schemeClr>
-            </a:solidFill>
-          </a:ln>
-        </p:spPr>
-      </p:pic>
-      <p:sp>
-        <p:nvSpPr>
-          <p:cNvPr id="9" name="모서리가 둥근 직사각형 8">
+      <p:sp>
+        <p:nvSpPr>
+          <p:cNvPr id="5" name="모서리가 둥근 직사각형 4">
             <a:extLst>
               <a:ext uri="{FF2B5EF4-FFF2-40B4-BE49-F238E27FC236}">
                 <a16:creationId xmlns:a16="http://schemas.microsoft.com/office/drawing/2014/main" id="{792DA8B4-17B2-454B-97AC-17311A4832C5}"/>
@@ -12243,18 +11994,17 @@
         </p:nvSpPr>
         <p:spPr>
           <a:xfrm>
-            <a:off x="4953000" y="3140968"/>
-            <a:ext cx="3888432" cy="1008112"/>
+            <a:off x="4969970" y="1504866"/>
+            <a:ext cx="1959971" cy="317650"/>
           </a:xfrm>
           <a:prstGeom prst="roundRect">
             <a:avLst/>
           </a:prstGeom>
           <a:noFill/>
-          <a:ln>
+          <a:ln w="12700">
             <a:solidFill>
               <a:schemeClr val="tx1"/>
             </a:solidFill>
-            <a:prstDash val="sysDot"/>
           </a:ln>
         </p:spPr>
         <p:style>
@@ -12276,7 +12026,15 @@
           <a:lstStyle/>
           <a:p>
             <a:pPr algn="ctr"/>
-            <a:endParaRPr lang="ko-KR" altLang="en-US" sz="1300" dirty="0">
+            <a:r>
+              <a:rPr lang="en-US" altLang="ko-KR" sz="1600" dirty="0" err="1" smtClean="0">
+                <a:solidFill>
+                  <a:sysClr val="windowText" lastClr="000000"/>
+                </a:solidFill>
+              </a:rPr>
+              <a:t>JoinProcess.jsp</a:t>
+            </a:r>
+            <a:endParaRPr lang="en-US" altLang="ko-KR" sz="1600" dirty="0" smtClean="0">
               <a:solidFill>
                 <a:sysClr val="windowText" lastClr="000000"/>
               </a:solidFill>
@@ -12284,10 +12042,48 @@
           </a:p>
         </p:txBody>
       </p:sp>
+      <p:pic>
+        <p:nvPicPr>
+          <p:cNvPr id="3" name="그림 2"/>
+          <p:cNvPicPr>
+            <a:picLocks noChangeAspect="1"/>
+          </p:cNvPicPr>
+          <p:nvPr/>
+        </p:nvPicPr>
+        <p:blipFill>
+          <a:blip r:embed="rId2">
+            <a:extLst>
+              <a:ext uri="{28A0092B-C50C-407E-A947-70E740481C1C}">
+                <a14:useLocalDpi xmlns:a14="http://schemas.microsoft.com/office/drawing/2010/main" val="0"/>
+              </a:ext>
+            </a:extLst>
+          </a:blip>
+          <a:stretch>
+            <a:fillRect/>
+          </a:stretch>
+        </p:blipFill>
+        <p:spPr>
+          <a:xfrm>
+            <a:off x="1569098" y="1916832"/>
+            <a:ext cx="5387211" cy="4368192"/>
+          </a:xfrm>
+          <a:prstGeom prst="rect">
+            <a:avLst/>
+          </a:prstGeom>
+          <a:ln>
+            <a:solidFill>
+              <a:schemeClr val="accent5">
+                <a:lumMod val="20000"/>
+                <a:lumOff val="80000"/>
+              </a:schemeClr>
+            </a:solidFill>
+          </a:ln>
+        </p:spPr>
+      </p:pic>
     </p:spTree>
     <p:extLst>
       <p:ext uri="{BB962C8B-B14F-4D97-AF65-F5344CB8AC3E}">
-        <p14:creationId xmlns:p14="http://schemas.microsoft.com/office/powerpoint/2010/main" val="3390757411"/>
+        <p14:creationId xmlns:p14="http://schemas.microsoft.com/office/powerpoint/2010/main" val="2805783387"/>
       </p:ext>
     </p:extLst>
   </p:cSld>
@@ -12377,7 +12173,7 @@
         <p:spPr>
           <a:xfrm>
             <a:off x="992560" y="1056186"/>
-            <a:ext cx="8280920" cy="494494"/>
+            <a:ext cx="8280920" cy="553998"/>
           </a:xfrm>
           <a:prstGeom prst="rect">
             <a:avLst/>
@@ -12396,8 +12192,36 @@
               </a:lnSpc>
             </a:pPr>
             <a:r>
+              <a:rPr lang="en-US" altLang="ko-KR" sz="2000" b="1" dirty="0" smtClean="0"/>
+              <a:t>Hobby </a:t>
+            </a:r>
+            <a:r>
               <a:rPr lang="ko-KR" altLang="en-US" sz="2000" b="1" dirty="0" smtClean="0"/>
-              <a:t>폼 데이터 처리</a:t>
+              <a:t>항목 </a:t>
+            </a:r>
+            <a:r>
+              <a:rPr lang="en-US" altLang="ko-KR" sz="2000" b="1" dirty="0" smtClean="0"/>
+              <a:t>– </a:t>
+            </a:r>
+            <a:r>
+              <a:rPr lang="ko-KR" altLang="en-US" sz="2000" b="1" dirty="0" smtClean="0"/>
+              <a:t>배열 </a:t>
+            </a:r>
+            <a:r>
+              <a:rPr lang="en-US" altLang="ko-KR" sz="2000" b="1" dirty="0" smtClean="0"/>
+              <a:t>: </a:t>
+            </a:r>
+            <a:r>
+              <a:rPr lang="en-US" altLang="ko-KR" sz="2000" b="1" dirty="0" err="1" smtClean="0"/>
+              <a:t>getParameterValues</a:t>
+            </a:r>
+            <a:r>
+              <a:rPr lang="en-US" altLang="ko-KR" sz="2000" b="1" dirty="0" smtClean="0"/>
+              <a:t>() </a:t>
+            </a:r>
+            <a:r>
+              <a:rPr lang="ko-KR" altLang="en-US" sz="2000" b="1" dirty="0" err="1" smtClean="0"/>
+              <a:t>메서드</a:t>
             </a:r>
             <a:endParaRPr lang="en-US" altLang="ko-KR" sz="2000" b="1" dirty="0" smtClean="0"/>
           </a:p>
@@ -12425,8 +12249,8 @@
         </p:blipFill>
         <p:spPr>
           <a:xfrm>
-            <a:off x="3386404" y="1019066"/>
-            <a:ext cx="6172834" cy="5340934"/>
+            <a:off x="776536" y="1844824"/>
+            <a:ext cx="7861903" cy="3575388"/>
           </a:xfrm>
           <a:prstGeom prst="rect">
             <a:avLst/>
@@ -12454,8 +12278,8 @@
         </p:nvSpPr>
         <p:spPr>
           <a:xfrm>
-            <a:off x="3728864" y="3392995"/>
-            <a:ext cx="5830374" cy="296537"/>
+            <a:off x="4953000" y="3140968"/>
+            <a:ext cx="3888432" cy="1008112"/>
           </a:xfrm>
           <a:prstGeom prst="roundRect">
             <a:avLst/>
@@ -12495,46 +12319,10 @@
           </a:p>
         </p:txBody>
       </p:sp>
-      <p:pic>
-        <p:nvPicPr>
-          <p:cNvPr id="2" name="그림 1"/>
-          <p:cNvPicPr>
-            <a:picLocks noChangeAspect="1"/>
-          </p:cNvPicPr>
-          <p:nvPr/>
-        </p:nvPicPr>
-        <p:blipFill rotWithShape="1">
-          <a:blip r:embed="rId3">
-            <a:extLst>
-              <a:ext uri="{28A0092B-C50C-407E-A947-70E740481C1C}">
-                <a14:useLocalDpi xmlns:a14="http://schemas.microsoft.com/office/drawing/2010/main" val="0"/>
-              </a:ext>
-            </a:extLst>
-          </a:blip>
-          <a:srcRect r="35655"/>
-          <a:stretch/>
-        </p:blipFill>
-        <p:spPr>
-          <a:xfrm>
-            <a:off x="560512" y="1844824"/>
-            <a:ext cx="2657716" cy="2606266"/>
-          </a:xfrm>
-          <a:prstGeom prst="rect">
-            <a:avLst/>
-          </a:prstGeom>
-          <a:ln>
-            <a:solidFill>
-              <a:schemeClr val="bg1">
-                <a:lumMod val="85000"/>
-              </a:schemeClr>
-            </a:solidFill>
-          </a:ln>
-        </p:spPr>
-      </p:pic>
     </p:spTree>
     <p:extLst>
       <p:ext uri="{BB962C8B-B14F-4D97-AF65-F5344CB8AC3E}">
-        <p14:creationId xmlns:p14="http://schemas.microsoft.com/office/powerpoint/2010/main" val="2940389042"/>
+        <p14:creationId xmlns:p14="http://schemas.microsoft.com/office/powerpoint/2010/main" val="3390757411"/>
       </p:ext>
     </p:extLst>
   </p:cSld>
@@ -12644,7 +12432,7 @@
             </a:pPr>
             <a:r>
               <a:rPr lang="ko-KR" altLang="en-US" sz="2000" b="1" dirty="0" smtClean="0"/>
-              <a:t>다중 선택 처리 실습 문제</a:t>
+              <a:t>폼 데이터 처리</a:t>
             </a:r>
             <a:endParaRPr lang="en-US" altLang="ko-KR" sz="2000" b="1" dirty="0" smtClean="0"/>
           </a:p>
@@ -12672,8 +12460,8 @@
         </p:blipFill>
         <p:spPr>
           <a:xfrm>
-            <a:off x="1280592" y="1988840"/>
-            <a:ext cx="4122778" cy="1211685"/>
+            <a:off x="3386404" y="1019066"/>
+            <a:ext cx="6172834" cy="5340934"/>
           </a:xfrm>
           <a:prstGeom prst="rect">
             <a:avLst/>
@@ -12687,15 +12475,70 @@
           </a:ln>
         </p:spPr>
       </p:pic>
+      <p:sp>
+        <p:nvSpPr>
+          <p:cNvPr id="9" name="모서리가 둥근 직사각형 8">
+            <a:extLst>
+              <a:ext uri="{FF2B5EF4-FFF2-40B4-BE49-F238E27FC236}">
+                <a16:creationId xmlns:a16="http://schemas.microsoft.com/office/drawing/2014/main" id="{792DA8B4-17B2-454B-97AC-17311A4832C5}"/>
+              </a:ext>
+            </a:extLst>
+          </p:cNvPr>
+          <p:cNvSpPr/>
+          <p:nvPr/>
+        </p:nvSpPr>
+        <p:spPr>
+          <a:xfrm>
+            <a:off x="3728864" y="3392995"/>
+            <a:ext cx="5830374" cy="296537"/>
+          </a:xfrm>
+          <a:prstGeom prst="roundRect">
+            <a:avLst/>
+          </a:prstGeom>
+          <a:noFill/>
+          <a:ln>
+            <a:solidFill>
+              <a:schemeClr val="tx1"/>
+            </a:solidFill>
+            <a:prstDash val="sysDot"/>
+          </a:ln>
+        </p:spPr>
+        <p:style>
+          <a:lnRef idx="2">
+            <a:schemeClr val="accent2"/>
+          </a:lnRef>
+          <a:fillRef idx="1">
+            <a:schemeClr val="lt1"/>
+          </a:fillRef>
+          <a:effectRef idx="0">
+            <a:schemeClr val="accent2"/>
+          </a:effectRef>
+          <a:fontRef idx="minor">
+            <a:schemeClr val="dk1"/>
+          </a:fontRef>
+        </p:style>
+        <p:txBody>
+          <a:bodyPr rtlCol="0" anchor="ctr"/>
+          <a:lstStyle/>
+          <a:p>
+            <a:pPr algn="ctr"/>
+            <a:endParaRPr lang="ko-KR" altLang="en-US" sz="1300" dirty="0">
+              <a:solidFill>
+                <a:sysClr val="windowText" lastClr="000000"/>
+              </a:solidFill>
+            </a:endParaRPr>
+          </a:p>
+        </p:txBody>
+      </p:sp>
       <p:pic>
         <p:nvPicPr>
-          <p:cNvPr id="4" name="그림 3"/>
+          <p:cNvPr id="2" name="그림 1"/>
           <p:cNvPicPr>
             <a:picLocks noChangeAspect="1"/>
           </p:cNvPicPr>
           <p:nvPr/>
         </p:nvPicPr>
-        <p:blipFill>
+        <p:blipFill rotWithShape="1">
           <a:blip r:embed="rId3">
             <a:extLst>
               <a:ext uri="{28A0092B-C50C-407E-A947-70E740481C1C}">
@@ -12703,14 +12546,13 @@
               </a:ext>
             </a:extLst>
           </a:blip>
-          <a:stretch>
-            <a:fillRect/>
-          </a:stretch>
+          <a:srcRect r="35655"/>
+          <a:stretch/>
         </p:blipFill>
         <p:spPr>
           <a:xfrm>
-            <a:off x="1280592" y="3472814"/>
-            <a:ext cx="7992888" cy="1871613"/>
+            <a:off x="560512" y="1844824"/>
+            <a:ext cx="2657716" cy="2606266"/>
           </a:xfrm>
           <a:prstGeom prst="rect">
             <a:avLst/>
@@ -12727,200 +12569,7 @@
     </p:spTree>
     <p:extLst>
       <p:ext uri="{BB962C8B-B14F-4D97-AF65-F5344CB8AC3E}">
-        <p14:creationId xmlns:p14="http://schemas.microsoft.com/office/powerpoint/2010/main" val="2707717429"/>
-      </p:ext>
-    </p:extLst>
-  </p:cSld>
-  <p:clrMapOvr>
-    <a:masterClrMapping/>
-  </p:clrMapOvr>
-  <p:timing>
-    <p:tnLst>
-      <p:par>
-        <p:cTn id="1" dur="indefinite" restart="never" nodeType="tmRoot"/>
-      </p:par>
-    </p:tnLst>
-  </p:timing>
-</p:sld>
-</file>
-
-<file path=ppt/slides/slide35.xml><?xml version="1.0" encoding="utf-8"?>
-<p:sld xmlns:a="http://schemas.openxmlformats.org/drawingml/2006/main" xmlns:r="http://schemas.openxmlformats.org/officeDocument/2006/relationships" xmlns:p="http://schemas.openxmlformats.org/presentationml/2006/main">
-  <p:cSld>
-    <p:spTree>
-      <p:nvGrpSpPr>
-        <p:cNvPr id="1" name=""/>
-        <p:cNvGrpSpPr/>
-        <p:nvPr/>
-      </p:nvGrpSpPr>
-      <p:grpSpPr>
-        <a:xfrm>
-          <a:off x="0" y="0"/>
-          <a:ext cx="0" cy="0"/>
-          <a:chOff x="0" y="0"/>
-          <a:chExt cx="0" cy="0"/>
-        </a:xfrm>
-      </p:grpSpPr>
-      <p:sp>
-        <p:nvSpPr>
-          <p:cNvPr id="15" name="제목 5"/>
-          <p:cNvSpPr txBox="1">
-            <a:spLocks/>
-          </p:cNvSpPr>
-          <p:nvPr/>
-        </p:nvSpPr>
-        <p:spPr>
-          <a:xfrm>
-            <a:off x="0" y="-27384"/>
-            <a:ext cx="7995338" cy="854968"/>
-          </a:xfrm>
-          <a:prstGeom prst="rect">
-            <a:avLst/>
-          </a:prstGeom>
-        </p:spPr>
-        <p:txBody>
-          <a:bodyPr anchor="ctr" anchorCtr="0"/>
-          <a:lstStyle>
-            <a:lvl1pPr algn="l" defTabSz="914400" rtl="0" eaLnBrk="1" latinLnBrk="1" hangingPunct="1">
-              <a:spcBef>
-                <a:spcPct val="0"/>
-              </a:spcBef>
-              <a:buNone/>
-              <a:defRPr sz="3200" kern="1200">
-                <a:solidFill>
-                  <a:schemeClr val="bg1"/>
-                </a:solidFill>
-                <a:latin typeface="HY헤드라인M" panose="02030600000101010101" pitchFamily="18" charset="-127"/>
-                <a:ea typeface="HY헤드라인M" panose="02030600000101010101" pitchFamily="18" charset="-127"/>
-                <a:cs typeface="+mj-cs"/>
-              </a:defRPr>
-            </a:lvl1pPr>
-          </a:lstStyle>
-          <a:p>
-            <a:r>
-              <a:rPr lang="en-US" altLang="ko-KR" dirty="0" smtClean="0"/>
-              <a:t> </a:t>
-            </a:r>
-            <a:r>
-              <a:rPr lang="ko-KR" altLang="en-US" dirty="0"/>
-              <a:t> 폼 데이터 처리</a:t>
-            </a:r>
-          </a:p>
-        </p:txBody>
-      </p:sp>
-      <p:sp>
-        <p:nvSpPr>
-          <p:cNvPr id="11" name="TextBox 10"/>
-          <p:cNvSpPr txBox="1"/>
-          <p:nvPr/>
-        </p:nvSpPr>
-        <p:spPr>
-          <a:xfrm>
-            <a:off x="992560" y="1056186"/>
-            <a:ext cx="8280920" cy="494494"/>
-          </a:xfrm>
-          <a:prstGeom prst="rect">
-            <a:avLst/>
-          </a:prstGeom>
-          <a:noFill/>
-        </p:spPr>
-        <p:txBody>
-          <a:bodyPr wrap="square" rtlCol="0">
-            <a:spAutoFit/>
-          </a:bodyPr>
-          <a:lstStyle/>
-          <a:p>
-            <a:pPr>
-              <a:lnSpc>
-                <a:spcPct val="150000"/>
-              </a:lnSpc>
-            </a:pPr>
-            <a:r>
-              <a:rPr lang="ko-KR" altLang="en-US" sz="2000" b="1" dirty="0" smtClean="0"/>
-              <a:t>다중 선택 처리 실습 문제</a:t>
-            </a:r>
-            <a:endParaRPr lang="en-US" altLang="ko-KR" sz="2000" b="1" dirty="0" smtClean="0"/>
-          </a:p>
-        </p:txBody>
-      </p:sp>
-      <p:pic>
-        <p:nvPicPr>
-          <p:cNvPr id="2" name="그림 1"/>
-          <p:cNvPicPr>
-            <a:picLocks noChangeAspect="1"/>
-          </p:cNvPicPr>
-          <p:nvPr/>
-        </p:nvPicPr>
-        <p:blipFill>
-          <a:blip r:embed="rId2">
-            <a:extLst>
-              <a:ext uri="{28A0092B-C50C-407E-A947-70E740481C1C}">
-                <a14:useLocalDpi xmlns:a14="http://schemas.microsoft.com/office/drawing/2010/main" val="0"/>
-              </a:ext>
-            </a:extLst>
-          </a:blip>
-          <a:stretch>
-            <a:fillRect/>
-          </a:stretch>
-        </p:blipFill>
-        <p:spPr>
-          <a:xfrm>
-            <a:off x="1424608" y="1916832"/>
-            <a:ext cx="4656224" cy="1295512"/>
-          </a:xfrm>
-          <a:prstGeom prst="rect">
-            <a:avLst/>
-          </a:prstGeom>
-          <a:ln>
-            <a:solidFill>
-              <a:schemeClr val="bg1">
-                <a:lumMod val="85000"/>
-              </a:schemeClr>
-            </a:solidFill>
-          </a:ln>
-        </p:spPr>
-      </p:pic>
-      <p:pic>
-        <p:nvPicPr>
-          <p:cNvPr id="5" name="그림 4"/>
-          <p:cNvPicPr>
-            <a:picLocks noChangeAspect="1"/>
-          </p:cNvPicPr>
-          <p:nvPr/>
-        </p:nvPicPr>
-        <p:blipFill>
-          <a:blip r:embed="rId3">
-            <a:extLst>
-              <a:ext uri="{28A0092B-C50C-407E-A947-70E740481C1C}">
-                <a14:useLocalDpi xmlns:a14="http://schemas.microsoft.com/office/drawing/2010/main" val="0"/>
-              </a:ext>
-            </a:extLst>
-          </a:blip>
-          <a:stretch>
-            <a:fillRect/>
-          </a:stretch>
-        </p:blipFill>
-        <p:spPr>
-          <a:xfrm>
-            <a:off x="1424608" y="3394315"/>
-            <a:ext cx="6048672" cy="2674441"/>
-          </a:xfrm>
-          <a:prstGeom prst="rect">
-            <a:avLst/>
-          </a:prstGeom>
-          <a:ln>
-            <a:solidFill>
-              <a:schemeClr val="bg1">
-                <a:lumMod val="85000"/>
-              </a:schemeClr>
-            </a:solidFill>
-          </a:ln>
-        </p:spPr>
-      </p:pic>
-    </p:spTree>
-    <p:extLst>
-      <p:ext uri="{BB962C8B-B14F-4D97-AF65-F5344CB8AC3E}">
-        <p14:creationId xmlns:p14="http://schemas.microsoft.com/office/powerpoint/2010/main" val="2927549849"/>
+        <p14:creationId xmlns:p14="http://schemas.microsoft.com/office/powerpoint/2010/main" val="2940389042"/>
       </p:ext>
     </p:extLst>
   </p:cSld>
